--- a/docs/培训课题/W10582孙晓宇.pptx
+++ b/docs/培训课题/W10582孙晓宇.pptx
@@ -5,14 +5,14 @@
     <p:sldMasterId id="2147493455" r:id="rId4"/>
   </p:sldMasterIdLst>
   <p:notesMasterIdLst>
-    <p:notesMasterId r:id="rId38"/>
+    <p:notesMasterId r:id="rId37"/>
   </p:notesMasterIdLst>
   <p:handoutMasterIdLst>
-    <p:handoutMasterId r:id="rId39"/>
+    <p:handoutMasterId r:id="rId38"/>
   </p:handoutMasterIdLst>
   <p:sldIdLst>
     <p:sldId id="284" r:id="rId5"/>
-    <p:sldId id="336" r:id="rId6"/>
+    <p:sldId id="344" r:id="rId6"/>
     <p:sldId id="296" r:id="rId7"/>
     <p:sldId id="297" r:id="rId8"/>
     <p:sldId id="329" r:id="rId9"/>
@@ -29,21 +29,20 @@
     <p:sldId id="335" r:id="rId20"/>
     <p:sldId id="343" r:id="rId21"/>
     <p:sldId id="313" r:id="rId22"/>
-    <p:sldId id="308" r:id="rId23"/>
-    <p:sldId id="318" r:id="rId24"/>
-    <p:sldId id="322" r:id="rId25"/>
-    <p:sldId id="339" r:id="rId26"/>
-    <p:sldId id="340" r:id="rId27"/>
-    <p:sldId id="319" r:id="rId28"/>
-    <p:sldId id="341" r:id="rId29"/>
-    <p:sldId id="333" r:id="rId30"/>
-    <p:sldId id="301" r:id="rId31"/>
-    <p:sldId id="304" r:id="rId32"/>
-    <p:sldId id="321" r:id="rId33"/>
-    <p:sldId id="302" r:id="rId34"/>
-    <p:sldId id="334" r:id="rId35"/>
-    <p:sldId id="298" r:id="rId36"/>
-    <p:sldId id="291" r:id="rId37"/>
+    <p:sldId id="318" r:id="rId23"/>
+    <p:sldId id="322" r:id="rId24"/>
+    <p:sldId id="339" r:id="rId25"/>
+    <p:sldId id="340" r:id="rId26"/>
+    <p:sldId id="319" r:id="rId27"/>
+    <p:sldId id="341" r:id="rId28"/>
+    <p:sldId id="333" r:id="rId29"/>
+    <p:sldId id="301" r:id="rId30"/>
+    <p:sldId id="304" r:id="rId31"/>
+    <p:sldId id="321" r:id="rId32"/>
+    <p:sldId id="302" r:id="rId33"/>
+    <p:sldId id="334" r:id="rId34"/>
+    <p:sldId id="298" r:id="rId35"/>
+    <p:sldId id="291" r:id="rId36"/>
   </p:sldIdLst>
   <p:sldSz cx="9144000" cy="6858000" type="screen4x3"/>
   <p:notesSz cx="6858000" cy="9144000"/>
@@ -313,7 +312,7 @@
             <a:fld id="{4BB050E6-22C8-E54B-958B-7030E84226CD}" type="datetimeFigureOut">
               <a:rPr lang="en-US" smtClean="0"/>
               <a:pPr/>
-              <a:t>11/15/2017</a:t>
+              <a:t>11/16/2017</a:t>
             </a:fld>
             <a:endParaRPr lang="en-US" dirty="0"/>
           </a:p>
@@ -480,7 +479,7 @@
             <a:fld id="{7C5C2FAD-580B-A840-A132-9D7B4F3AC43B}" type="datetimeFigureOut">
               <a:rPr lang="en-US" smtClean="0"/>
               <a:pPr/>
-              <a:t>11/15/2017</a:t>
+              <a:t>11/16/2017</a:t>
             </a:fld>
             <a:endParaRPr lang="en-US" dirty="0"/>
           </a:p>
@@ -1602,11 +1601,7 @@
           <a:p>
             <a:r>
               <a:rPr lang="zh-CN" altLang="en-US" dirty="0" smtClean="0"/>
-              <a:t>收养客户端负责</a:t>
-            </a:r>
-            <a:r>
-              <a:rPr lang="zh-CN" altLang="en-US" dirty="0" smtClean="0"/>
-              <a:t>验证并回复</a:t>
+              <a:t>收养客户端负责验证并回复</a:t>
             </a:r>
             <a:r>
               <a:rPr lang="en-US" altLang="zh-CN" dirty="0" smtClean="0"/>
@@ -1614,22 +1609,14 @@
             </a:r>
             <a:r>
               <a:rPr lang="zh-CN" altLang="en-US" dirty="0" smtClean="0"/>
-              <a:t>的收养</a:t>
-            </a:r>
+              <a:t>的收养请求。</a:t>
+            </a:r>
+            <a:endParaRPr lang="en-US" altLang="zh-CN" dirty="0" smtClean="0"/>
+          </a:p>
+          <a:p>
             <a:r>
               <a:rPr lang="zh-CN" altLang="en-US" dirty="0" smtClean="0"/>
-              <a:t>请求。</a:t>
-            </a:r>
-            <a:endParaRPr lang="en-US" altLang="zh-CN" dirty="0" smtClean="0"/>
-          </a:p>
-          <a:p>
-            <a:r>
-              <a:rPr lang="zh-CN" altLang="en-US" dirty="0" smtClean="0"/>
-              <a:t>管理客户端</a:t>
-            </a:r>
-            <a:r>
-              <a:rPr lang="zh-CN" altLang="en-US" dirty="0" smtClean="0"/>
-              <a:t>用来上报</a:t>
+              <a:t>管理客户端用来上报</a:t>
             </a:r>
             <a:r>
               <a:rPr lang="en-US" altLang="zh-CN" dirty="0" smtClean="0"/>
@@ -1648,19 +1635,7 @@
             </a:r>
             <a:r>
               <a:rPr lang="zh-CN" altLang="en-US" dirty="0" smtClean="0"/>
-              <a:t>是网络处理的上下文，成员包括所有的网络客户端，可以为包的外部提供客户端</a:t>
-            </a:r>
-            <a:r>
-              <a:rPr lang="zh-CN" altLang="en-US" dirty="0" smtClean="0"/>
-              <a:t>的初始化，建立连接，开启或终止广播线程，开始或终止上报</a:t>
-            </a:r>
-            <a:r>
-              <a:rPr lang="zh-CN" altLang="en-US" dirty="0" smtClean="0"/>
-              <a:t>信息</a:t>
-            </a:r>
-            <a:r>
-              <a:rPr lang="zh-CN" altLang="en-US" dirty="0" smtClean="0"/>
-              <a:t>线程。</a:t>
+              <a:t>是网络处理的上下文，成员包括所有的网络客户端，可以为包的外部提供客户端的初始化，建立连接，开启或终止广播线程，开始或终止上报信息线程。</a:t>
             </a:r>
             <a:endParaRPr lang="en-US" altLang="zh-CN" dirty="0" smtClean="0"/>
           </a:p>
@@ -1683,15 +1658,7 @@
             </a:r>
             <a:r>
               <a:rPr lang="zh-CN" altLang="en-US" dirty="0" smtClean="0"/>
-              <a:t>外，都注册</a:t>
-            </a:r>
-            <a:r>
-              <a:rPr lang="zh-CN" altLang="en-US" dirty="0" smtClean="0"/>
-              <a:t>到</a:t>
-            </a:r>
-            <a:r>
-              <a:rPr lang="zh-CN" altLang="en-US" dirty="0" smtClean="0"/>
-              <a:t>每个与</a:t>
+              <a:t>外，都注册到每个与</a:t>
             </a:r>
             <a:r>
               <a:rPr lang="en-US" altLang="zh-CN" dirty="0" smtClean="0"/>
@@ -1699,11 +1666,7 @@
             </a:r>
             <a:r>
               <a:rPr lang="zh-CN" altLang="en-US" dirty="0" smtClean="0"/>
-              <a:t>的连接</a:t>
-            </a:r>
-            <a:r>
-              <a:rPr lang="zh-CN" altLang="en-US" dirty="0" smtClean="0"/>
-              <a:t>中，</a:t>
+              <a:t>的连接中，</a:t>
             </a:r>
             <a:r>
               <a:rPr lang="zh-CN" altLang="en-US" baseline="0" dirty="0" smtClean="0"/>
@@ -1715,15 +1678,7 @@
             </a:r>
             <a:r>
               <a:rPr lang="zh-CN" altLang="en-US" baseline="0" dirty="0" smtClean="0"/>
-              <a:t>方法来</a:t>
-            </a:r>
-            <a:r>
-              <a:rPr lang="zh-CN" altLang="en-US" baseline="0" dirty="0" smtClean="0"/>
-              <a:t>处理报文，报文处理的</a:t>
-            </a:r>
-            <a:r>
-              <a:rPr lang="zh-CN" altLang="en-US" baseline="0" dirty="0" smtClean="0"/>
-              <a:t>一般逻辑如下。</a:t>
+              <a:t>方法来处理报文，报文处理的一般逻辑如下。</a:t>
             </a:r>
             <a:endParaRPr lang="en-US" altLang="zh-CN" dirty="0" smtClean="0"/>
           </a:p>
@@ -1759,7 +1714,7 @@
             <a:fld id="{007AB7CF-70DA-A148-9842-61A7B7C7A363}" type="slidenum">
               <a:rPr lang="en-US" smtClean="0"/>
               <a:pPr/>
-              <a:t>20</a:t>
+              <a:t>19</a:t>
             </a:fld>
             <a:endParaRPr lang="en-US" dirty="0"/>
           </a:p>
@@ -1824,11 +1779,7 @@
           <a:p>
             <a:r>
               <a:rPr lang="zh-CN" altLang="en-US" dirty="0" smtClean="0"/>
-              <a:t>处理报文的流程如图所示</a:t>
-            </a:r>
-            <a:r>
-              <a:rPr lang="zh-CN" altLang="en-US" dirty="0" smtClean="0"/>
-              <a:t>，</a:t>
+              <a:t>处理报文的流程如图所示，</a:t>
             </a:r>
             <a:endParaRPr lang="en-US" altLang="zh-CN" dirty="0" smtClean="0"/>
           </a:p>
@@ -1867,7 +1818,7 @@
             <a:fld id="{007AB7CF-70DA-A148-9842-61A7B7C7A363}" type="slidenum">
               <a:rPr lang="en-US" smtClean="0"/>
               <a:pPr/>
-              <a:t>21</a:t>
+              <a:t>20</a:t>
             </a:fld>
             <a:endParaRPr lang="en-US" dirty="0"/>
           </a:p>
@@ -2246,14 +2197,7 @@
                 <a:latin typeface="宋体" panose="02010600030101010101" pitchFamily="2" charset="-122"/>
                 <a:ea typeface="+mn-ea"/>
               </a:rPr>
-              <a:t>日志记录线程，记录网络日志到</a:t>
-            </a:r>
-            <a:r>
-              <a:rPr lang="zh-CN" altLang="en-US" sz="1200" dirty="0" smtClean="0">
-                <a:latin typeface="宋体" panose="02010600030101010101" pitchFamily="2" charset="-122"/>
-                <a:ea typeface="+mn-ea"/>
-              </a:rPr>
-              <a:t>数据库</a:t>
+              <a:t>日志记录线程，记录网络日志到数据库</a:t>
             </a:r>
             <a:endParaRPr lang="en-US" altLang="zh-CN" sz="1200" dirty="0" smtClean="0">
               <a:latin typeface="宋体" panose="02010600030101010101" pitchFamily="2" charset="-122"/>
@@ -2327,7 +2271,7 @@
             <a:fld id="{007AB7CF-70DA-A148-9842-61A7B7C7A363}" type="slidenum">
               <a:rPr lang="en-US" smtClean="0"/>
               <a:pPr/>
-              <a:t>22</a:t>
+              <a:t>21</a:t>
             </a:fld>
             <a:endParaRPr lang="en-US" dirty="0"/>
           </a:p>
@@ -2585,7 +2529,7 @@
             <a:fld id="{007AB7CF-70DA-A148-9842-61A7B7C7A363}" type="slidenum">
               <a:rPr lang="en-US" smtClean="0"/>
               <a:pPr/>
-              <a:t>23</a:t>
+              <a:t>22</a:t>
             </a:fld>
             <a:endParaRPr lang="en-US" dirty="0"/>
           </a:p>
@@ -2778,7 +2722,7 @@
             <a:fld id="{007AB7CF-70DA-A148-9842-61A7B7C7A363}" type="slidenum">
               <a:rPr lang="en-US" smtClean="0"/>
               <a:pPr/>
-              <a:t>24</a:t>
+              <a:t>23</a:t>
             </a:fld>
             <a:endParaRPr lang="en-US" dirty="0"/>
           </a:p>
@@ -2887,7 +2831,7 @@
             <a:fld id="{007AB7CF-70DA-A148-9842-61A7B7C7A363}" type="slidenum">
               <a:rPr lang="en-US" smtClean="0"/>
               <a:pPr/>
-              <a:t>25</a:t>
+              <a:t>24</a:t>
             </a:fld>
             <a:endParaRPr lang="en-US" dirty="0"/>
           </a:p>
@@ -2972,7 +2916,7 @@
             <a:fld id="{007AB7CF-70DA-A148-9842-61A7B7C7A363}" type="slidenum">
               <a:rPr lang="en-US" smtClean="0"/>
               <a:pPr/>
-              <a:t>26</a:t>
+              <a:t>25</a:t>
             </a:fld>
             <a:endParaRPr lang="en-US" dirty="0"/>
           </a:p>
@@ -3057,7 +3001,7 @@
             <a:fld id="{007AB7CF-70DA-A148-9842-61A7B7C7A363}" type="slidenum">
               <a:rPr lang="en-US" smtClean="0"/>
               <a:pPr/>
-              <a:t>27</a:t>
+              <a:t>26</a:t>
             </a:fld>
             <a:endParaRPr lang="en-US" dirty="0"/>
           </a:p>
@@ -3151,7 +3095,7 @@
     </p:spTree>
     <p:extLst>
       <p:ext uri="{BB962C8B-B14F-4D97-AF65-F5344CB8AC3E}">
-        <p14:creationId xmlns:p14="http://schemas.microsoft.com/office/powerpoint/2010/main" val="828270410"/>
+        <p14:creationId xmlns:p14="http://schemas.microsoft.com/office/powerpoint/2010/main" val="903176207"/>
       </p:ext>
     </p:extLst>
   </p:cSld>
@@ -3227,7 +3171,7 @@
             <a:fld id="{007AB7CF-70DA-A148-9842-61A7B7C7A363}" type="slidenum">
               <a:rPr lang="en-US" smtClean="0"/>
               <a:pPr/>
-              <a:t>28</a:t>
+              <a:t>27</a:t>
             </a:fld>
             <a:endParaRPr lang="en-US" dirty="0"/>
           </a:p>
@@ -3328,7 +3272,7 @@
             <a:fld id="{007AB7CF-70DA-A148-9842-61A7B7C7A363}" type="slidenum">
               <a:rPr lang="en-US" smtClean="0"/>
               <a:pPr/>
-              <a:t>29</a:t>
+              <a:t>28</a:t>
             </a:fld>
             <a:endParaRPr lang="en-US" dirty="0"/>
           </a:p>
@@ -3413,7 +3357,7 @@
             <a:fld id="{007AB7CF-70DA-A148-9842-61A7B7C7A363}" type="slidenum">
               <a:rPr lang="en-US" smtClean="0"/>
               <a:pPr/>
-              <a:t>30</a:t>
+              <a:t>29</a:t>
             </a:fld>
             <a:endParaRPr lang="en-US" dirty="0"/>
           </a:p>
@@ -3498,7 +3442,7 @@
             <a:fld id="{007AB7CF-70DA-A148-9842-61A7B7C7A363}" type="slidenum">
               <a:rPr lang="en-US" smtClean="0"/>
               <a:pPr/>
-              <a:t>31</a:t>
+              <a:t>30</a:t>
             </a:fld>
             <a:endParaRPr lang="en-US" dirty="0"/>
           </a:p>
@@ -3583,7 +3527,7 @@
             <a:fld id="{007AB7CF-70DA-A148-9842-61A7B7C7A363}" type="slidenum">
               <a:rPr lang="en-US" smtClean="0"/>
               <a:pPr/>
-              <a:t>32</a:t>
+              <a:t>31</a:t>
             </a:fld>
             <a:endParaRPr lang="en-US" dirty="0"/>
           </a:p>
@@ -11046,7 +10990,7 @@
             <a:r>
               <a:rPr lang="zh-CN" altLang="en-US" sz="3200" b="1" dirty="0" smtClean="0">
                 <a:solidFill>
-                  <a:srgbClr val="4ACBD6"/>
+                  <a:srgbClr val="FFCC08"/>
                 </a:solidFill>
                 <a:latin typeface="+mj-ea"/>
                 <a:ea typeface="+mj-ea"/>
@@ -11056,7 +11000,7 @@
             </a:r>
             <a:endParaRPr lang="en-US" altLang="zh-CN" sz="3200" b="1" dirty="0" smtClean="0">
               <a:solidFill>
-                <a:srgbClr val="4ACBD6"/>
+                <a:srgbClr val="FFCC08"/>
               </a:solidFill>
               <a:latin typeface="+mj-ea"/>
               <a:ea typeface="+mj-ea"/>
@@ -11162,132 +11106,7 @@
   <p:timing>
     <p:tnLst>
       <p:par>
-        <p:cTn id="1" dur="indefinite" restart="never" nodeType="tmRoot">
-          <p:childTnLst>
-            <p:seq concurrent="1" nextAc="seek">
-              <p:cTn id="2" dur="indefinite" nodeType="mainSeq">
-                <p:childTnLst>
-                  <p:par>
-                    <p:cTn id="3" fill="hold">
-                      <p:stCondLst>
-                        <p:cond delay="indefinite"/>
-                        <p:cond evt="onBegin" delay="0">
-                          <p:tn val="2"/>
-                        </p:cond>
-                      </p:stCondLst>
-                      <p:childTnLst>
-                        <p:par>
-                          <p:cTn id="4" fill="hold">
-                            <p:stCondLst>
-                              <p:cond delay="0"/>
-                            </p:stCondLst>
-                            <p:childTnLst>
-                              <p:par>
-                                <p:cTn id="5" presetID="19" presetClass="emph" presetSubtype="0" fill="hold" nodeType="withEffect">
-                                  <p:stCondLst>
-                                    <p:cond delay="0"/>
-                                  </p:stCondLst>
-                                  <p:childTnLst>
-                                    <p:animClr clrSpc="rgb" dir="cw">
-                                      <p:cBhvr override="childStyle">
-                                        <p:cTn id="6" dur="500" fill="hold"/>
-                                        <p:tgtEl>
-                                          <p:spTgt spid="2">
-                                            <p:txEl>
-                                              <p:pRg st="4" end="4"/>
-                                            </p:txEl>
-                                          </p:spTgt>
-                                        </p:tgtEl>
-                                        <p:attrNameLst>
-                                          <p:attrName>style.color</p:attrName>
-                                        </p:attrNameLst>
-                                      </p:cBhvr>
-                                      <p:to>
-                                        <a:srgbClr val="FFCC08"/>
-                                      </p:to>
-                                    </p:animClr>
-                                    <p:animClr clrSpc="rgb" dir="cw">
-                                      <p:cBhvr>
-                                        <p:cTn id="7" dur="500" fill="hold"/>
-                                        <p:tgtEl>
-                                          <p:spTgt spid="2">
-                                            <p:txEl>
-                                              <p:pRg st="4" end="4"/>
-                                            </p:txEl>
-                                          </p:spTgt>
-                                        </p:tgtEl>
-                                        <p:attrNameLst>
-                                          <p:attrName>fillcolor</p:attrName>
-                                        </p:attrNameLst>
-                                      </p:cBhvr>
-                                      <p:to>
-                                        <a:srgbClr val="FFCC08"/>
-                                      </p:to>
-                                    </p:animClr>
-                                    <p:set>
-                                      <p:cBhvr>
-                                        <p:cTn id="8" dur="500" fill="hold"/>
-                                        <p:tgtEl>
-                                          <p:spTgt spid="2">
-                                            <p:txEl>
-                                              <p:pRg st="4" end="4"/>
-                                            </p:txEl>
-                                          </p:spTgt>
-                                        </p:tgtEl>
-                                        <p:attrNameLst>
-                                          <p:attrName>fill.type</p:attrName>
-                                        </p:attrNameLst>
-                                      </p:cBhvr>
-                                      <p:to>
-                                        <p:strVal val="solid"/>
-                                      </p:to>
-                                    </p:set>
-                                    <p:set>
-                                      <p:cBhvr>
-                                        <p:cTn id="9" dur="500" fill="hold"/>
-                                        <p:tgtEl>
-                                          <p:spTgt spid="2">
-                                            <p:txEl>
-                                              <p:pRg st="4" end="4"/>
-                                            </p:txEl>
-                                          </p:spTgt>
-                                        </p:tgtEl>
-                                        <p:attrNameLst>
-                                          <p:attrName>fill.on</p:attrName>
-                                        </p:attrNameLst>
-                                      </p:cBhvr>
-                                      <p:to>
-                                        <p:strVal val="true"/>
-                                      </p:to>
-                                    </p:set>
-                                  </p:childTnLst>
-                                </p:cTn>
-                              </p:par>
-                            </p:childTnLst>
-                          </p:cTn>
-                        </p:par>
-                      </p:childTnLst>
-                    </p:cTn>
-                  </p:par>
-                </p:childTnLst>
-              </p:cTn>
-              <p:prevCondLst>
-                <p:cond evt="onPrev" delay="0">
-                  <p:tgtEl>
-                    <p:sldTgt/>
-                  </p:tgtEl>
-                </p:cond>
-              </p:prevCondLst>
-              <p:nextCondLst>
-                <p:cond evt="onNext" delay="0">
-                  <p:tgtEl>
-                    <p:sldTgt/>
-                  </p:tgtEl>
-                </p:cond>
-              </p:nextCondLst>
-            </p:seq>
-          </p:childTnLst>
-        </p:cTn>
+        <p:cTn id="1" dur="indefinite" restart="never" nodeType="tmRoot"/>
       </p:par>
     </p:tnLst>
   </p:timing>
@@ -12107,7 +11926,7 @@
         <p:spPr>
           <a:xfrm>
             <a:off x="576000" y="1476000"/>
-            <a:ext cx="8110800" cy="4011341"/>
+            <a:ext cx="8110800" cy="971925"/>
           </a:xfrm>
         </p:spPr>
         <p:txBody>
@@ -12284,6 +12103,101 @@
           </a:p>
         </p:txBody>
       </p:sp>
+      <p:grpSp>
+        <p:nvGrpSpPr>
+          <p:cNvPr id="4" name="组合 3"/>
+          <p:cNvGrpSpPr/>
+          <p:nvPr/>
+        </p:nvGrpSpPr>
+        <p:grpSpPr>
+          <a:xfrm>
+            <a:off x="2119668" y="2447925"/>
+            <a:ext cx="5018633" cy="3720955"/>
+            <a:chOff x="1289657" y="1474089"/>
+            <a:chExt cx="5789449" cy="4728721"/>
+          </a:xfrm>
+        </p:grpSpPr>
+        <p:sp>
+          <p:nvSpPr>
+            <p:cNvPr id="5" name="文本框 4"/>
+            <p:cNvSpPr txBox="1"/>
+            <p:nvPr/>
+          </p:nvSpPr>
+          <p:spPr>
+            <a:xfrm>
+              <a:off x="3204587" y="5663046"/>
+              <a:ext cx="1959589" cy="539764"/>
+            </a:xfrm>
+            <a:prstGeom prst="rect">
+              <a:avLst/>
+            </a:prstGeom>
+            <a:noFill/>
+          </p:spPr>
+          <p:txBody>
+            <a:bodyPr wrap="square" rtlCol="0">
+              <a:spAutoFit/>
+            </a:bodyPr>
+            <a:lstStyle/>
+            <a:p>
+              <a:pPr marL="0" indent="0">
+                <a:lnSpc>
+                  <a:spcPct val="120000"/>
+                </a:lnSpc>
+                <a:buFont typeface="Arial"/>
+                <a:buNone/>
+              </a:pPr>
+              <a:r>
+                <a:rPr lang="zh-CN" altLang="en-US" dirty="0" smtClean="0">
+                  <a:latin typeface="宋体" panose="02010600030101010101" pitchFamily="2" charset="-122"/>
+                  <a:ea typeface="宋体" panose="02010600030101010101" pitchFamily="2" charset="-122"/>
+                  <a:cs typeface="Arial"/>
+                </a:rPr>
+                <a:t>新增</a:t>
+              </a:r>
+              <a:r>
+                <a:rPr lang="en-US" altLang="zh-CN" dirty="0" smtClean="0">
+                  <a:latin typeface="宋体" panose="02010600030101010101" pitchFamily="2" charset="-122"/>
+                  <a:ea typeface="宋体" panose="02010600030101010101" pitchFamily="2" charset="-122"/>
+                  <a:cs typeface="Arial"/>
+                </a:rPr>
+                <a:t>EAP</a:t>
+              </a:r>
+              <a:r>
+                <a:rPr lang="zh-CN" altLang="en-US" dirty="0" smtClean="0">
+                  <a:latin typeface="宋体" panose="02010600030101010101" pitchFamily="2" charset="-122"/>
+                  <a:ea typeface="宋体" panose="02010600030101010101" pitchFamily="2" charset="-122"/>
+                  <a:cs typeface="Arial"/>
+                </a:rPr>
+                <a:t>时序图</a:t>
+              </a:r>
+            </a:p>
+          </p:txBody>
+        </p:sp>
+        <p:pic>
+          <p:nvPicPr>
+            <p:cNvPr id="7" name="图片 6"/>
+            <p:cNvPicPr>
+              <a:picLocks noChangeAspect="1"/>
+            </p:cNvPicPr>
+            <p:nvPr/>
+          </p:nvPicPr>
+          <p:blipFill>
+            <a:blip r:embed="rId2"/>
+            <a:stretch>
+              <a:fillRect/>
+            </a:stretch>
+          </p:blipFill>
+          <p:spPr>
+            <a:xfrm>
+              <a:off x="1289657" y="1474089"/>
+              <a:ext cx="5789449" cy="4192605"/>
+            </a:xfrm>
+            <a:prstGeom prst="rect">
+              <a:avLst/>
+            </a:prstGeom>
+          </p:spPr>
+        </p:pic>
+      </p:grpSp>
     </p:spTree>
     <p:extLst>
       <p:ext uri="{BB962C8B-B14F-4D97-AF65-F5344CB8AC3E}">
@@ -12300,7 +12214,83 @@
   <p:timing>
     <p:tnLst>
       <p:par>
-        <p:cTn id="1" dur="indefinite" restart="never" nodeType="tmRoot"/>
+        <p:cTn id="1" dur="indefinite" restart="never" nodeType="tmRoot">
+          <p:childTnLst>
+            <p:seq concurrent="1" nextAc="seek">
+              <p:cTn id="2" dur="indefinite" nodeType="mainSeq">
+                <p:childTnLst>
+                  <p:par>
+                    <p:cTn id="3" fill="hold">
+                      <p:stCondLst>
+                        <p:cond delay="indefinite"/>
+                      </p:stCondLst>
+                      <p:childTnLst>
+                        <p:par>
+                          <p:cTn id="4" fill="hold">
+                            <p:stCondLst>
+                              <p:cond delay="0"/>
+                            </p:stCondLst>
+                            <p:childTnLst>
+                              <p:par>
+                                <p:cTn id="5" presetID="10" presetClass="entr" presetSubtype="0" fill="hold" nodeType="clickEffect">
+                                  <p:stCondLst>
+                                    <p:cond delay="0"/>
+                                  </p:stCondLst>
+                                  <p:childTnLst>
+                                    <p:set>
+                                      <p:cBhvr>
+                                        <p:cTn id="6" dur="1" fill="hold">
+                                          <p:stCondLst>
+                                            <p:cond delay="0"/>
+                                          </p:stCondLst>
+                                        </p:cTn>
+                                        <p:tgtEl>
+                                          <p:spTgt spid="4"/>
+                                        </p:tgtEl>
+                                        <p:attrNameLst>
+                                          <p:attrName>style.visibility</p:attrName>
+                                        </p:attrNameLst>
+                                      </p:cBhvr>
+                                      <p:to>
+                                        <p:strVal val="visible"/>
+                                      </p:to>
+                                    </p:set>
+                                    <p:animEffect transition="in" filter="fade">
+                                      <p:cBhvr>
+                                        <p:cTn id="7" dur="500"/>
+                                        <p:tgtEl>
+                                          <p:spTgt spid="4"/>
+                                        </p:tgtEl>
+                                      </p:cBhvr>
+                                    </p:animEffect>
+                                  </p:childTnLst>
+                                </p:cTn>
+                              </p:par>
+                            </p:childTnLst>
+                          </p:cTn>
+                        </p:par>
+                      </p:childTnLst>
+                    </p:cTn>
+                  </p:par>
+                </p:childTnLst>
+              </p:cTn>
+              <p:prevCondLst>
+                <p:cond evt="onPrev" delay="0">
+                  <p:tgtEl>
+                    <p:sldTgt/>
+                  </p:tgtEl>
+                </p:cond>
+              </p:prevCondLst>
+              <p:nextCondLst>
+                <p:cond evt="onNext" delay="0">
+                  <p:tgtEl>
+                    <p:sldTgt/>
+                  </p:tgtEl>
+                </p:cond>
+              </p:nextCondLst>
+            </p:seq>
+          </p:childTnLst>
+        </p:cTn>
       </p:par>
     </p:tnLst>
   </p:timing>
@@ -12308,449 +12298,6 @@
 </file>
 
 <file path=ppt/slides/slide19.xml><?xml version="1.0" encoding="utf-8"?>
-<p:sld xmlns:a="http://schemas.openxmlformats.org/drawingml/2006/main" xmlns:r="http://schemas.openxmlformats.org/officeDocument/2006/relationships" xmlns:p="http://schemas.openxmlformats.org/presentationml/2006/main">
-  <p:cSld>
-    <p:spTree>
-      <p:nvGrpSpPr>
-        <p:cNvPr id="1" name=""/>
-        <p:cNvGrpSpPr/>
-        <p:nvPr/>
-      </p:nvGrpSpPr>
-      <p:grpSpPr>
-        <a:xfrm>
-          <a:off x="0" y="0"/>
-          <a:ext cx="0" cy="0"/>
-          <a:chOff x="0" y="0"/>
-          <a:chExt cx="0" cy="0"/>
-        </a:xfrm>
-      </p:grpSpPr>
-      <p:sp>
-        <p:nvSpPr>
-          <p:cNvPr id="7" name="Rectangle 2"/>
-          <p:cNvSpPr>
-            <a:spLocks noChangeArrowheads="1"/>
-          </p:cNvSpPr>
-          <p:nvPr/>
-        </p:nvSpPr>
-        <p:spPr bwMode="auto">
-          <a:xfrm flipV="1">
-            <a:off x="7161281" y="954908"/>
-            <a:ext cx="5132439" cy="45719"/>
-          </a:xfrm>
-          <a:prstGeom prst="rect">
-            <a:avLst/>
-          </a:prstGeom>
-          <a:noFill/>
-          <a:ln>
-            <a:noFill/>
-          </a:ln>
-          <a:effectLst/>
-          <a:extLst>
-            <a:ext uri="{909E8E84-426E-40DD-AFC4-6F175D3DCCD1}">
-              <a14:hiddenFill xmlns:a14="http://schemas.microsoft.com/office/drawing/2010/main">
-                <a:solidFill>
-                  <a:schemeClr val="accent1"/>
-                </a:solidFill>
-              </a14:hiddenFill>
-            </a:ext>
-            <a:ext uri="{91240B29-F687-4F45-9708-019B960494DF}">
-              <a14:hiddenLine xmlns:a14="http://schemas.microsoft.com/office/drawing/2010/main" w="9525">
-                <a:solidFill>
-                  <a:schemeClr val="tx1"/>
-                </a:solidFill>
-                <a:miter lim="800000"/>
-                <a:headEnd/>
-                <a:tailEnd/>
-              </a14:hiddenLine>
-            </a:ext>
-            <a:ext uri="{AF507438-7753-43E0-B8FC-AC1667EBCBE1}">
-              <a14:hiddenEffects xmlns:a14="http://schemas.microsoft.com/office/drawing/2010/main">
-                <a:effectLst>
-                  <a:outerShdw dist="35921" dir="2700000" algn="ctr" rotWithShape="0">
-                    <a:schemeClr val="bg2"/>
-                  </a:outerShdw>
-                </a:effectLst>
-              </a14:hiddenEffects>
-            </a:ext>
-          </a:extLst>
-        </p:spPr>
-        <p:txBody>
-          <a:bodyPr vert="horz" wrap="square" lIns="91440" tIns="45720" rIns="91440" bIns="45720" numCol="1" anchor="ctr" anchorCtr="0" compatLnSpc="1">
-            <a:prstTxWarp prst="textNoShape">
-              <a:avLst/>
-            </a:prstTxWarp>
-            <a:spAutoFit/>
-          </a:bodyPr>
-          <a:lstStyle/>
-          <a:p>
-            <a:endParaRPr lang="zh-CN" altLang="en-US"/>
-          </a:p>
-        </p:txBody>
-      </p:sp>
-      <p:sp>
-        <p:nvSpPr>
-          <p:cNvPr id="4" name="标题 3"/>
-          <p:cNvSpPr txBox="1">
-            <a:spLocks/>
-          </p:cNvSpPr>
-          <p:nvPr/>
-        </p:nvSpPr>
-        <p:spPr>
-          <a:xfrm>
-            <a:off x="571170" y="677960"/>
-            <a:ext cx="8115630" cy="617440"/>
-          </a:xfrm>
-          <a:prstGeom prst="rect">
-            <a:avLst/>
-          </a:prstGeom>
-          <a:ln>
-            <a:noFill/>
-          </a:ln>
-        </p:spPr>
-        <p:txBody>
-          <a:bodyPr vert="horz"/>
-          <a:lstStyle>
-            <a:lvl1pPr algn="l" defTabSz="457200" rtl="0" eaLnBrk="1" latinLnBrk="0" hangingPunct="1">
-              <a:lnSpc>
-                <a:spcPct val="90000"/>
-              </a:lnSpc>
-              <a:spcBef>
-                <a:spcPct val="0"/>
-              </a:spcBef>
-              <a:buNone/>
-              <a:defRPr sz="2600" b="1" i="0" kern="1200" baseline="0">
-                <a:solidFill>
-                  <a:srgbClr val="4ACBD6"/>
-                </a:solidFill>
-                <a:latin typeface="Arial"/>
-                <a:ea typeface="+mj-ea"/>
-                <a:cs typeface="Arial"/>
-              </a:defRPr>
-            </a:lvl1pPr>
-          </a:lstStyle>
-          <a:p>
-            <a:r>
-              <a:rPr lang="en-US" altLang="zh-CN" sz="3200" dirty="0" smtClean="0">
-                <a:latin typeface="+mj-ea"/>
-              </a:rPr>
-              <a:t>5.2 EAP</a:t>
-            </a:r>
-            <a:r>
-              <a:rPr lang="zh-CN" altLang="en-US" sz="3200" dirty="0" smtClean="0">
-                <a:latin typeface="+mj-ea"/>
-              </a:rPr>
-              <a:t>管理</a:t>
-            </a:r>
-            <a:endParaRPr lang="zh-CN" altLang="en-US" sz="3200" dirty="0">
-              <a:latin typeface="+mj-ea"/>
-            </a:endParaRPr>
-          </a:p>
-        </p:txBody>
-      </p:sp>
-      <p:sp>
-        <p:nvSpPr>
-          <p:cNvPr id="2" name="文本框 1"/>
-          <p:cNvSpPr txBox="1"/>
-          <p:nvPr/>
-        </p:nvSpPr>
-        <p:spPr>
-          <a:xfrm>
-            <a:off x="3719347" y="5845384"/>
-            <a:ext cx="1819275" cy="424732"/>
-          </a:xfrm>
-          <a:prstGeom prst="rect">
-            <a:avLst/>
-          </a:prstGeom>
-          <a:noFill/>
-        </p:spPr>
-        <p:txBody>
-          <a:bodyPr wrap="square" rtlCol="0">
-            <a:spAutoFit/>
-          </a:bodyPr>
-          <a:lstStyle/>
-          <a:p>
-            <a:pPr marL="0" indent="0">
-              <a:lnSpc>
-                <a:spcPct val="120000"/>
-              </a:lnSpc>
-              <a:buFont typeface="Arial"/>
-              <a:buNone/>
-            </a:pPr>
-            <a:r>
-              <a:rPr lang="zh-CN" altLang="en-US" dirty="0" smtClean="0">
-                <a:solidFill>
-                  <a:srgbClr val="3EB8BE"/>
-                </a:solidFill>
-                <a:latin typeface="宋体" panose="02010600030101010101" pitchFamily="2" charset="-122"/>
-                <a:ea typeface="宋体" panose="02010600030101010101" pitchFamily="2" charset="-122"/>
-                <a:cs typeface="Arial"/>
-              </a:rPr>
-              <a:t>新增</a:t>
-            </a:r>
-            <a:r>
-              <a:rPr lang="en-US" altLang="zh-CN" dirty="0" smtClean="0">
-                <a:solidFill>
-                  <a:srgbClr val="3EB8BE"/>
-                </a:solidFill>
-                <a:latin typeface="宋体" panose="02010600030101010101" pitchFamily="2" charset="-122"/>
-                <a:ea typeface="宋体" panose="02010600030101010101" pitchFamily="2" charset="-122"/>
-                <a:cs typeface="Arial"/>
-              </a:rPr>
-              <a:t>EAP</a:t>
-            </a:r>
-            <a:r>
-              <a:rPr lang="zh-CN" altLang="en-US" dirty="0" smtClean="0">
-                <a:solidFill>
-                  <a:srgbClr val="3EB8BE"/>
-                </a:solidFill>
-                <a:latin typeface="宋体" panose="02010600030101010101" pitchFamily="2" charset="-122"/>
-                <a:ea typeface="宋体" panose="02010600030101010101" pitchFamily="2" charset="-122"/>
-                <a:cs typeface="Arial"/>
-              </a:rPr>
-              <a:t>时序图</a:t>
-            </a:r>
-          </a:p>
-        </p:txBody>
-      </p:sp>
-      <p:pic>
-        <p:nvPicPr>
-          <p:cNvPr id="3" name="图片 2"/>
-          <p:cNvPicPr>
-            <a:picLocks noChangeAspect="1"/>
-          </p:cNvPicPr>
-          <p:nvPr/>
-        </p:nvPicPr>
-        <p:blipFill>
-          <a:blip r:embed="rId2"/>
-          <a:stretch>
-            <a:fillRect/>
-          </a:stretch>
-        </p:blipFill>
-        <p:spPr>
-          <a:xfrm>
-            <a:off x="1734259" y="1474089"/>
-            <a:ext cx="5789449" cy="4192605"/>
-          </a:xfrm>
-          <a:prstGeom prst="rect">
-            <a:avLst/>
-          </a:prstGeom>
-        </p:spPr>
-      </p:pic>
-    </p:spTree>
-    <p:extLst>
-      <p:ext uri="{BB962C8B-B14F-4D97-AF65-F5344CB8AC3E}">
-        <p14:creationId xmlns:p14="http://schemas.microsoft.com/office/powerpoint/2010/main" val="3219200608"/>
-      </p:ext>
-    </p:extLst>
-  </p:cSld>
-  <p:clrMapOvr>
-    <a:masterClrMapping/>
-  </p:clrMapOvr>
-  <p:transition spd="slow">
-    <p:push dir="u"/>
-  </p:transition>
-  <p:timing>
-    <p:tnLst>
-      <p:par>
-        <p:cTn id="1" dur="indefinite" restart="never" nodeType="tmRoot"/>
-      </p:par>
-    </p:tnLst>
-  </p:timing>
-</p:sld>
-</file>
-
-<file path=ppt/slides/slide2.xml><?xml version="1.0" encoding="utf-8"?>
-<p:sld xmlns:a="http://schemas.openxmlformats.org/drawingml/2006/main" xmlns:r="http://schemas.openxmlformats.org/officeDocument/2006/relationships" xmlns:p="http://schemas.openxmlformats.org/presentationml/2006/main">
-  <p:cSld>
-    <p:spTree>
-      <p:nvGrpSpPr>
-        <p:cNvPr id="1" name=""/>
-        <p:cNvGrpSpPr/>
-        <p:nvPr/>
-      </p:nvGrpSpPr>
-      <p:grpSpPr>
-        <a:xfrm>
-          <a:off x="0" y="0"/>
-          <a:ext cx="0" cy="0"/>
-          <a:chOff x="0" y="0"/>
-          <a:chExt cx="0" cy="0"/>
-        </a:xfrm>
-      </p:grpSpPr>
-      <p:sp>
-        <p:nvSpPr>
-          <p:cNvPr id="4" name="文本占位符 2"/>
-          <p:cNvSpPr>
-            <a:spLocks noGrp="1"/>
-          </p:cNvSpPr>
-          <p:nvPr>
-            <p:ph type="body" sz="quarter" idx="13"/>
-          </p:nvPr>
-        </p:nvSpPr>
-        <p:spPr>
-          <a:xfrm>
-            <a:off x="576000" y="1476000"/>
-            <a:ext cx="8098698" cy="4011341"/>
-          </a:xfrm>
-        </p:spPr>
-        <p:txBody>
-          <a:bodyPr/>
-          <a:lstStyle/>
-          <a:p>
-            <a:pPr marL="228600" indent="-228600">
-              <a:lnSpc>
-                <a:spcPct val="140000"/>
-              </a:lnSpc>
-              <a:spcAft>
-                <a:spcPts val="600"/>
-              </a:spcAft>
-              <a:buFont typeface="+mj-lt"/>
-              <a:buAutoNum type="arabicPeriod"/>
-            </a:pPr>
-            <a:r>
-              <a:rPr lang="zh-CN" altLang="en-US" sz="1800" dirty="0" smtClean="0">
-                <a:latin typeface="宋体" panose="02010600030101010101" pitchFamily="2" charset="-122"/>
-                <a:ea typeface="宋体" panose="02010600030101010101" pitchFamily="2" charset="-122"/>
-              </a:rPr>
-              <a:t>毕业学校：北京航空航天大学</a:t>
-            </a:r>
-            <a:endParaRPr lang="en-US" altLang="zh-CN" sz="1800" dirty="0" smtClean="0">
-              <a:latin typeface="宋体" panose="02010600030101010101" pitchFamily="2" charset="-122"/>
-              <a:ea typeface="宋体" panose="02010600030101010101" pitchFamily="2" charset="-122"/>
-            </a:endParaRPr>
-          </a:p>
-          <a:p>
-            <a:pPr marL="228600" indent="-228600">
-              <a:lnSpc>
-                <a:spcPct val="140000"/>
-              </a:lnSpc>
-              <a:spcAft>
-                <a:spcPts val="600"/>
-              </a:spcAft>
-              <a:buFont typeface="+mj-lt"/>
-              <a:buAutoNum type="arabicPeriod"/>
-            </a:pPr>
-            <a:r>
-              <a:rPr lang="zh-CN" altLang="en-US" sz="1800" dirty="0" smtClean="0">
-                <a:latin typeface="宋体" panose="02010600030101010101" pitchFamily="2" charset="-122"/>
-                <a:ea typeface="宋体" panose="02010600030101010101" pitchFamily="2" charset="-122"/>
-              </a:rPr>
-              <a:t>专业：软件工程</a:t>
-            </a:r>
-            <a:endParaRPr lang="en-US" altLang="zh-CN" sz="1800" dirty="0" smtClean="0">
-              <a:latin typeface="宋体" panose="02010600030101010101" pitchFamily="2" charset="-122"/>
-              <a:ea typeface="宋体" panose="02010600030101010101" pitchFamily="2" charset="-122"/>
-            </a:endParaRPr>
-          </a:p>
-          <a:p>
-            <a:pPr marL="228600" indent="-228600">
-              <a:lnSpc>
-                <a:spcPct val="140000"/>
-              </a:lnSpc>
-              <a:spcAft>
-                <a:spcPts val="600"/>
-              </a:spcAft>
-              <a:buFont typeface="+mj-lt"/>
-              <a:buAutoNum type="arabicPeriod"/>
-            </a:pPr>
-            <a:r>
-              <a:rPr lang="zh-CN" altLang="en-US" sz="1800" dirty="0" smtClean="0">
-                <a:latin typeface="宋体" panose="02010600030101010101" pitchFamily="2" charset="-122"/>
-                <a:ea typeface="宋体" panose="02010600030101010101" pitchFamily="2" charset="-122"/>
-              </a:rPr>
-              <a:t>学历：本科</a:t>
-            </a:r>
-            <a:endParaRPr lang="en-US" altLang="zh-CN" sz="1800" dirty="0" smtClean="0">
-              <a:latin typeface="宋体" panose="02010600030101010101" pitchFamily="2" charset="-122"/>
-              <a:ea typeface="宋体" panose="02010600030101010101" pitchFamily="2" charset="-122"/>
-            </a:endParaRPr>
-          </a:p>
-        </p:txBody>
-      </p:sp>
-      <p:sp>
-        <p:nvSpPr>
-          <p:cNvPr id="5" name="标题 3"/>
-          <p:cNvSpPr txBox="1">
-            <a:spLocks/>
-          </p:cNvSpPr>
-          <p:nvPr/>
-        </p:nvSpPr>
-        <p:spPr>
-          <a:xfrm>
-            <a:off x="571170" y="677960"/>
-            <a:ext cx="8115630" cy="617440"/>
-          </a:xfrm>
-          <a:prstGeom prst="rect">
-            <a:avLst/>
-          </a:prstGeom>
-        </p:spPr>
-        <p:txBody>
-          <a:bodyPr/>
-          <a:lstStyle>
-            <a:lvl1pPr algn="ctr" defTabSz="457200" rtl="0" eaLnBrk="1" latinLnBrk="0" hangingPunct="1">
-              <a:spcBef>
-                <a:spcPct val="0"/>
-              </a:spcBef>
-              <a:buNone/>
-              <a:defRPr sz="4400" kern="1200">
-                <a:solidFill>
-                  <a:schemeClr val="tx1"/>
-                </a:solidFill>
-                <a:latin typeface="+mj-lt"/>
-                <a:ea typeface="+mj-ea"/>
-                <a:cs typeface="+mj-cs"/>
-              </a:defRPr>
-            </a:lvl1pPr>
-          </a:lstStyle>
-          <a:p>
-            <a:pPr algn="l">
-              <a:lnSpc>
-                <a:spcPct val="90000"/>
-              </a:lnSpc>
-            </a:pPr>
-            <a:r>
-              <a:rPr lang="zh-CN" altLang="en-US" sz="3200" b="1" dirty="0" smtClean="0">
-                <a:solidFill>
-                  <a:srgbClr val="4ACBD6"/>
-                </a:solidFill>
-                <a:latin typeface="+mj-ea"/>
-                <a:cs typeface="Arial"/>
-              </a:rPr>
-              <a:t>自我介绍</a:t>
-            </a:r>
-            <a:endParaRPr lang="zh-CN" altLang="en-US" sz="3200" b="1" dirty="0">
-              <a:solidFill>
-                <a:srgbClr val="4ACBD6"/>
-              </a:solidFill>
-              <a:latin typeface="+mj-ea"/>
-              <a:cs typeface="Arial"/>
-            </a:endParaRPr>
-          </a:p>
-        </p:txBody>
-      </p:sp>
-    </p:spTree>
-    <p:extLst>
-      <p:ext uri="{BB962C8B-B14F-4D97-AF65-F5344CB8AC3E}">
-        <p14:creationId xmlns:p14="http://schemas.microsoft.com/office/powerpoint/2010/main" val="3033721043"/>
-      </p:ext>
-    </p:extLst>
-  </p:cSld>
-  <p:clrMapOvr>
-    <a:masterClrMapping/>
-  </p:clrMapOvr>
-  <p:transition spd="slow">
-    <p:push dir="u"/>
-  </p:transition>
-  <p:timing>
-    <p:tnLst>
-      <p:par>
-        <p:cTn id="1" dur="indefinite" restart="never" nodeType="tmRoot"/>
-      </p:par>
-    </p:tnLst>
-  </p:timing>
-</p:sld>
-</file>
-
-<file path=ppt/slides/slide20.xml><?xml version="1.0" encoding="utf-8"?>
 <p:sld xmlns:a="http://schemas.openxmlformats.org/drawingml/2006/main" xmlns:r="http://schemas.openxmlformats.org/officeDocument/2006/relationships" xmlns:p="http://schemas.openxmlformats.org/presentationml/2006/main">
   <p:cSld>
     <p:spTree>
@@ -12855,6 +12402,341 @@
     <p:extLst>
       <p:ext uri="{BB962C8B-B14F-4D97-AF65-F5344CB8AC3E}">
         <p14:creationId xmlns:p14="http://schemas.microsoft.com/office/powerpoint/2010/main" val="1613470823"/>
+      </p:ext>
+    </p:extLst>
+  </p:cSld>
+  <p:clrMapOvr>
+    <a:masterClrMapping/>
+  </p:clrMapOvr>
+  <p:transition spd="slow">
+    <p:push dir="u"/>
+  </p:transition>
+  <p:timing>
+    <p:tnLst>
+      <p:par>
+        <p:cTn id="1" dur="indefinite" restart="never" nodeType="tmRoot"/>
+      </p:par>
+    </p:tnLst>
+  </p:timing>
+</p:sld>
+</file>
+
+<file path=ppt/slides/slide2.xml><?xml version="1.0" encoding="utf-8"?>
+<p:sld xmlns:a="http://schemas.openxmlformats.org/drawingml/2006/main" xmlns:r="http://schemas.openxmlformats.org/officeDocument/2006/relationships" xmlns:p="http://schemas.openxmlformats.org/presentationml/2006/main">
+  <p:cSld>
+    <p:spTree>
+      <p:nvGrpSpPr>
+        <p:cNvPr id="1" name=""/>
+        <p:cNvGrpSpPr/>
+        <p:nvPr/>
+      </p:nvGrpSpPr>
+      <p:grpSpPr>
+        <a:xfrm>
+          <a:off x="0" y="0"/>
+          <a:ext cx="0" cy="0"/>
+          <a:chOff x="0" y="0"/>
+          <a:chExt cx="0" cy="0"/>
+        </a:xfrm>
+      </p:grpSpPr>
+      <p:sp>
+        <p:nvSpPr>
+          <p:cNvPr id="3" name="文本占位符 2"/>
+          <p:cNvSpPr>
+            <a:spLocks noGrp="1"/>
+          </p:cNvSpPr>
+          <p:nvPr>
+            <p:ph type="body" sz="quarter" idx="13"/>
+          </p:nvPr>
+        </p:nvSpPr>
+        <p:spPr>
+          <a:xfrm>
+            <a:off x="576000" y="1476000"/>
+            <a:ext cx="8098698" cy="4011341"/>
+          </a:xfrm>
+        </p:spPr>
+        <p:txBody>
+          <a:bodyPr/>
+          <a:lstStyle/>
+          <a:p>
+            <a:pPr marL="228600" indent="-228600">
+              <a:lnSpc>
+                <a:spcPct val="140000"/>
+              </a:lnSpc>
+              <a:spcAft>
+                <a:spcPts val="600"/>
+              </a:spcAft>
+              <a:buFont typeface="+mj-lt"/>
+              <a:buAutoNum type="arabicPeriod"/>
+            </a:pPr>
+            <a:r>
+              <a:rPr lang="zh-CN" altLang="en-US" sz="2000" dirty="0">
+                <a:latin typeface="宋体" panose="02010600030101010101" pitchFamily="2" charset="-122"/>
+                <a:ea typeface="宋体" panose="02010600030101010101" pitchFamily="2" charset="-122"/>
+              </a:rPr>
+              <a:t>毕业学校：北京航空航天大学</a:t>
+            </a:r>
+            <a:endParaRPr lang="en-US" altLang="zh-CN" sz="2000" dirty="0">
+              <a:latin typeface="宋体" panose="02010600030101010101" pitchFamily="2" charset="-122"/>
+              <a:ea typeface="宋体" panose="02010600030101010101" pitchFamily="2" charset="-122"/>
+            </a:endParaRPr>
+          </a:p>
+          <a:p>
+            <a:pPr marL="228600" indent="-228600">
+              <a:lnSpc>
+                <a:spcPct val="140000"/>
+              </a:lnSpc>
+              <a:spcAft>
+                <a:spcPts val="600"/>
+              </a:spcAft>
+              <a:buFont typeface="+mj-lt"/>
+              <a:buAutoNum type="arabicPeriod"/>
+            </a:pPr>
+            <a:r>
+              <a:rPr lang="zh-CN" altLang="en-US" sz="2000" dirty="0">
+                <a:latin typeface="宋体" panose="02010600030101010101" pitchFamily="2" charset="-122"/>
+                <a:ea typeface="宋体" panose="02010600030101010101" pitchFamily="2" charset="-122"/>
+              </a:rPr>
+              <a:t>专业：软件工程</a:t>
+            </a:r>
+            <a:endParaRPr lang="en-US" altLang="zh-CN" sz="2000" dirty="0">
+              <a:latin typeface="宋体" panose="02010600030101010101" pitchFamily="2" charset="-122"/>
+              <a:ea typeface="宋体" panose="02010600030101010101" pitchFamily="2" charset="-122"/>
+            </a:endParaRPr>
+          </a:p>
+          <a:p>
+            <a:pPr marL="228600" indent="-228600">
+              <a:lnSpc>
+                <a:spcPct val="140000"/>
+              </a:lnSpc>
+              <a:spcAft>
+                <a:spcPts val="600"/>
+              </a:spcAft>
+              <a:buFont typeface="+mj-lt"/>
+              <a:buAutoNum type="arabicPeriod"/>
+            </a:pPr>
+            <a:r>
+              <a:rPr lang="zh-CN" altLang="en-US" sz="2000" dirty="0">
+                <a:latin typeface="宋体" panose="02010600030101010101" pitchFamily="2" charset="-122"/>
+                <a:ea typeface="宋体" panose="02010600030101010101" pitchFamily="2" charset="-122"/>
+              </a:rPr>
+              <a:t>学历：本科</a:t>
+            </a:r>
+            <a:endParaRPr lang="en-US" altLang="zh-CN" sz="2000" dirty="0">
+              <a:latin typeface="宋体" panose="02010600030101010101" pitchFamily="2" charset="-122"/>
+              <a:ea typeface="宋体" panose="02010600030101010101" pitchFamily="2" charset="-122"/>
+            </a:endParaRPr>
+          </a:p>
+        </p:txBody>
+      </p:sp>
+      <p:sp>
+        <p:nvSpPr>
+          <p:cNvPr id="4" name="标题 3"/>
+          <p:cNvSpPr>
+            <a:spLocks noGrp="1"/>
+          </p:cNvSpPr>
+          <p:nvPr>
+            <p:ph type="title"/>
+          </p:nvPr>
+        </p:nvSpPr>
+        <p:spPr>
+          <a:xfrm>
+            <a:off x="571170" y="677960"/>
+            <a:ext cx="8115630" cy="617440"/>
+          </a:xfrm>
+        </p:spPr>
+        <p:txBody>
+          <a:bodyPr/>
+          <a:lstStyle/>
+          <a:p>
+            <a:r>
+              <a:rPr lang="zh-CN" altLang="en-US" sz="3200" dirty="0">
+                <a:latin typeface="+mj-ea"/>
+              </a:rPr>
+              <a:t>自我介绍</a:t>
+            </a:r>
+            <a:endParaRPr lang="zh-CN" altLang="en-US" sz="3200" dirty="0">
+              <a:latin typeface="+mj-ea"/>
+            </a:endParaRPr>
+          </a:p>
+        </p:txBody>
+      </p:sp>
+    </p:spTree>
+    <p:extLst>
+      <p:ext uri="{BB962C8B-B14F-4D97-AF65-F5344CB8AC3E}">
+        <p14:creationId xmlns:p14="http://schemas.microsoft.com/office/powerpoint/2010/main" val="609500740"/>
+      </p:ext>
+    </p:extLst>
+  </p:cSld>
+  <p:clrMapOvr>
+    <a:masterClrMapping/>
+  </p:clrMapOvr>
+  <p:transition spd="slow">
+    <p:push dir="u"/>
+  </p:transition>
+  <p:timing>
+    <p:tnLst>
+      <p:par>
+        <p:cTn id="1" dur="indefinite" restart="never" nodeType="tmRoot"/>
+      </p:par>
+    </p:tnLst>
+  </p:timing>
+</p:sld>
+</file>
+
+<file path=ppt/slides/slide20.xml><?xml version="1.0" encoding="utf-8"?>
+<p:sld xmlns:a="http://schemas.openxmlformats.org/drawingml/2006/main" xmlns:r="http://schemas.openxmlformats.org/officeDocument/2006/relationships" xmlns:p="http://schemas.openxmlformats.org/presentationml/2006/main">
+  <p:cSld>
+    <p:spTree>
+      <p:nvGrpSpPr>
+        <p:cNvPr id="1" name=""/>
+        <p:cNvGrpSpPr/>
+        <p:nvPr/>
+      </p:nvGrpSpPr>
+      <p:grpSpPr>
+        <a:xfrm>
+          <a:off x="0" y="0"/>
+          <a:ext cx="0" cy="0"/>
+          <a:chOff x="0" y="0"/>
+          <a:chExt cx="0" cy="0"/>
+        </a:xfrm>
+      </p:grpSpPr>
+      <p:sp>
+        <p:nvSpPr>
+          <p:cNvPr id="7" name="标题 3"/>
+          <p:cNvSpPr txBox="1">
+            <a:spLocks/>
+          </p:cNvSpPr>
+          <p:nvPr/>
+        </p:nvSpPr>
+        <p:spPr>
+          <a:xfrm>
+            <a:off x="571170" y="677960"/>
+            <a:ext cx="8115630" cy="617440"/>
+          </a:xfrm>
+          <a:prstGeom prst="rect">
+            <a:avLst/>
+          </a:prstGeom>
+          <a:ln>
+            <a:noFill/>
+          </a:ln>
+        </p:spPr>
+        <p:txBody>
+          <a:bodyPr vert="horz"/>
+          <a:lstStyle>
+            <a:lvl1pPr algn="l" defTabSz="457200" rtl="0" eaLnBrk="1" latinLnBrk="0" hangingPunct="1">
+              <a:lnSpc>
+                <a:spcPct val="90000"/>
+              </a:lnSpc>
+              <a:spcBef>
+                <a:spcPct val="0"/>
+              </a:spcBef>
+              <a:buNone/>
+              <a:defRPr sz="2600" b="1" i="0" kern="1200" baseline="0">
+                <a:solidFill>
+                  <a:srgbClr val="4ACBD6"/>
+                </a:solidFill>
+                <a:latin typeface="Arial"/>
+                <a:ea typeface="+mj-ea"/>
+                <a:cs typeface="Arial"/>
+              </a:defRPr>
+            </a:lvl1pPr>
+          </a:lstStyle>
+          <a:p>
+            <a:r>
+              <a:rPr lang="en-US" altLang="zh-CN" sz="3200" dirty="0" smtClean="0">
+                <a:latin typeface="+mj-ea"/>
+              </a:rPr>
+              <a:t>5.3 </a:t>
+            </a:r>
+            <a:r>
+              <a:rPr lang="zh-CN" altLang="en-US" sz="3200" dirty="0" smtClean="0">
+                <a:latin typeface="+mj-ea"/>
+              </a:rPr>
+              <a:t>网络处理</a:t>
+            </a:r>
+            <a:endParaRPr lang="zh-CN" altLang="en-US" sz="3200" dirty="0">
+              <a:latin typeface="+mj-ea"/>
+            </a:endParaRPr>
+          </a:p>
+        </p:txBody>
+      </p:sp>
+      <p:sp>
+        <p:nvSpPr>
+          <p:cNvPr id="6" name="文本占位符 2"/>
+          <p:cNvSpPr>
+            <a:spLocks noGrp="1"/>
+          </p:cNvSpPr>
+          <p:nvPr>
+            <p:ph type="body" sz="quarter" idx="13"/>
+          </p:nvPr>
+        </p:nvSpPr>
+        <p:spPr>
+          <a:xfrm>
+            <a:off x="576000" y="1476001"/>
+            <a:ext cx="3719775" cy="609974"/>
+          </a:xfrm>
+        </p:spPr>
+        <p:txBody>
+          <a:bodyPr/>
+          <a:lstStyle/>
+          <a:p>
+            <a:pPr>
+              <a:lnSpc>
+                <a:spcPct val="140000"/>
+              </a:lnSpc>
+              <a:spcAft>
+                <a:spcPts val="600"/>
+              </a:spcAft>
+            </a:pPr>
+            <a:r>
+              <a:rPr lang="en-US" altLang="zh-CN" sz="2000" dirty="0" err="1" smtClean="0">
+                <a:latin typeface="宋体" panose="02010600030101010101" pitchFamily="2" charset="-122"/>
+                <a:ea typeface="宋体" panose="02010600030101010101" pitchFamily="2" charset="-122"/>
+              </a:rPr>
+              <a:t>channelRead</a:t>
+            </a:r>
+            <a:r>
+              <a:rPr lang="zh-CN" altLang="en-US" sz="2000" dirty="0" smtClean="0">
+                <a:latin typeface="宋体" panose="02010600030101010101" pitchFamily="2" charset="-122"/>
+                <a:ea typeface="宋体" panose="02010600030101010101" pitchFamily="2" charset="-122"/>
+              </a:rPr>
+              <a:t>处理报文的流程图</a:t>
+            </a:r>
+            <a:endParaRPr lang="en-US" altLang="zh-CN" sz="2000" dirty="0" smtClean="0">
+              <a:latin typeface="宋体" panose="02010600030101010101" pitchFamily="2" charset="-122"/>
+              <a:ea typeface="宋体" panose="02010600030101010101" pitchFamily="2" charset="-122"/>
+            </a:endParaRPr>
+          </a:p>
+        </p:txBody>
+      </p:sp>
+      <p:pic>
+        <p:nvPicPr>
+          <p:cNvPr id="9" name="图片 8"/>
+          <p:cNvPicPr>
+            <a:picLocks noChangeAspect="1"/>
+          </p:cNvPicPr>
+          <p:nvPr/>
+        </p:nvPicPr>
+        <p:blipFill>
+          <a:blip r:embed="rId3"/>
+          <a:stretch>
+            <a:fillRect/>
+          </a:stretch>
+        </p:blipFill>
+        <p:spPr>
+          <a:xfrm>
+            <a:off x="4628985" y="677960"/>
+            <a:ext cx="2959774" cy="5651500"/>
+          </a:xfrm>
+          <a:prstGeom prst="rect">
+            <a:avLst/>
+          </a:prstGeom>
+        </p:spPr>
+      </p:pic>
+    </p:spTree>
+    <p:extLst>
+      <p:ext uri="{BB962C8B-B14F-4D97-AF65-F5344CB8AC3E}">
+        <p14:creationId xmlns:p14="http://schemas.microsoft.com/office/powerpoint/2010/main" val="3526279050"/>
       </p:ext>
     </p:extLst>
   </p:cSld>
@@ -12937,101 +12819,44 @@
               <a:rPr lang="en-US" altLang="zh-CN" sz="3200" dirty="0" smtClean="0">
                 <a:latin typeface="+mj-ea"/>
               </a:rPr>
-              <a:t>5.3 </a:t>
+              <a:t>5.4 </a:t>
             </a:r>
             <a:r>
               <a:rPr lang="zh-CN" altLang="en-US" sz="3200" dirty="0" smtClean="0">
                 <a:latin typeface="+mj-ea"/>
               </a:rPr>
-              <a:t>网络处理</a:t>
+              <a:t>线程使用</a:t>
             </a:r>
             <a:endParaRPr lang="zh-CN" altLang="en-US" sz="3200" dirty="0">
               <a:latin typeface="+mj-ea"/>
-            </a:endParaRPr>
-          </a:p>
-        </p:txBody>
-      </p:sp>
-      <p:sp>
-        <p:nvSpPr>
-          <p:cNvPr id="6" name="文本占位符 2"/>
-          <p:cNvSpPr>
-            <a:spLocks noGrp="1"/>
-          </p:cNvSpPr>
-          <p:nvPr>
-            <p:ph type="body" sz="quarter" idx="13"/>
-          </p:nvPr>
-        </p:nvSpPr>
-        <p:spPr>
-          <a:xfrm>
-            <a:off x="576000" y="1476001"/>
-            <a:ext cx="3719775" cy="609974"/>
-          </a:xfrm>
-        </p:spPr>
-        <p:txBody>
-          <a:bodyPr/>
-          <a:lstStyle/>
-          <a:p>
-            <a:pPr>
-              <a:lnSpc>
-                <a:spcPct val="140000"/>
-              </a:lnSpc>
-              <a:spcAft>
-                <a:spcPts val="600"/>
-              </a:spcAft>
-            </a:pPr>
-            <a:r>
-              <a:rPr lang="en-US" altLang="zh-CN" sz="2000" dirty="0" err="1" smtClean="0">
-                <a:latin typeface="宋体" panose="02010600030101010101" pitchFamily="2" charset="-122"/>
-                <a:ea typeface="宋体" panose="02010600030101010101" pitchFamily="2" charset="-122"/>
-              </a:rPr>
-              <a:t>channelRead</a:t>
-            </a:r>
-            <a:r>
-              <a:rPr lang="zh-CN" altLang="en-US" sz="2000" dirty="0" smtClean="0">
-                <a:latin typeface="宋体" panose="02010600030101010101" pitchFamily="2" charset="-122"/>
-                <a:ea typeface="宋体" panose="02010600030101010101" pitchFamily="2" charset="-122"/>
-              </a:rPr>
-              <a:t>处理</a:t>
-            </a:r>
-            <a:r>
-              <a:rPr lang="zh-CN" altLang="en-US" sz="2000" dirty="0" smtClean="0">
-                <a:latin typeface="宋体" panose="02010600030101010101" pitchFamily="2" charset="-122"/>
-                <a:ea typeface="宋体" panose="02010600030101010101" pitchFamily="2" charset="-122"/>
-              </a:rPr>
-              <a:t>报文</a:t>
-            </a:r>
-            <a:r>
-              <a:rPr lang="zh-CN" altLang="en-US" sz="2000" dirty="0" smtClean="0">
-                <a:latin typeface="宋体" panose="02010600030101010101" pitchFamily="2" charset="-122"/>
-                <a:ea typeface="宋体" panose="02010600030101010101" pitchFamily="2" charset="-122"/>
-              </a:rPr>
-              <a:t>的流程图</a:t>
-            </a:r>
-            <a:endParaRPr lang="en-US" altLang="zh-CN" sz="2000" dirty="0" smtClean="0">
-              <a:latin typeface="宋体" panose="02010600030101010101" pitchFamily="2" charset="-122"/>
-              <a:ea typeface="宋体" panose="02010600030101010101" pitchFamily="2" charset="-122"/>
             </a:endParaRPr>
           </a:p>
         </p:txBody>
       </p:sp>
       <p:pic>
         <p:nvPicPr>
-          <p:cNvPr id="9" name="图片 8"/>
+          <p:cNvPr id="2" name="图片 1"/>
           <p:cNvPicPr>
             <a:picLocks noChangeAspect="1"/>
           </p:cNvPicPr>
           <p:nvPr/>
         </p:nvPicPr>
         <p:blipFill>
-          <a:blip r:embed="rId3"/>
+          <a:blip r:embed="rId3">
+            <a:extLst>
+              <a:ext uri="{28A0092B-C50C-407E-A947-70E740481C1C}">
+                <a14:useLocalDpi xmlns:a14="http://schemas.microsoft.com/office/drawing/2010/main" val="0"/>
+              </a:ext>
+            </a:extLst>
+          </a:blip>
           <a:stretch>
             <a:fillRect/>
           </a:stretch>
         </p:blipFill>
         <p:spPr>
           <a:xfrm>
-            <a:off x="4628985" y="677960"/>
-            <a:ext cx="2959774" cy="5651500"/>
+            <a:off x="571170" y="1176592"/>
+            <a:ext cx="7800975" cy="5216221"/>
           </a:xfrm>
           <a:prstGeom prst="rect">
             <a:avLst/>
@@ -13041,7 +12866,7 @@
     </p:spTree>
     <p:extLst>
       <p:ext uri="{BB962C8B-B14F-4D97-AF65-F5344CB8AC3E}">
-        <p14:creationId xmlns:p14="http://schemas.microsoft.com/office/powerpoint/2010/main" val="3526279050"/>
+        <p14:creationId xmlns:p14="http://schemas.microsoft.com/office/powerpoint/2010/main" val="3412896427"/>
       </p:ext>
     </p:extLst>
   </p:cSld>
@@ -13062,6 +12887,645 @@
 </file>
 
 <file path=ppt/slides/slide22.xml><?xml version="1.0" encoding="utf-8"?>
+<p:sld xmlns:a="http://schemas.openxmlformats.org/drawingml/2006/main" xmlns:r="http://schemas.openxmlformats.org/officeDocument/2006/relationships" xmlns:p="http://schemas.openxmlformats.org/presentationml/2006/main">
+  <p:cSld>
+    <p:spTree>
+      <p:nvGrpSpPr>
+        <p:cNvPr id="1" name=""/>
+        <p:cNvGrpSpPr/>
+        <p:nvPr/>
+      </p:nvGrpSpPr>
+      <p:grpSpPr>
+        <a:xfrm>
+          <a:off x="0" y="0"/>
+          <a:ext cx="0" cy="0"/>
+          <a:chOff x="0" y="0"/>
+          <a:chExt cx="0" cy="0"/>
+        </a:xfrm>
+      </p:grpSpPr>
+      <p:sp>
+        <p:nvSpPr>
+          <p:cNvPr id="3" name="文本占位符 2"/>
+          <p:cNvSpPr>
+            <a:spLocks noGrp="1"/>
+          </p:cNvSpPr>
+          <p:nvPr>
+            <p:ph type="body" sz="quarter" idx="13"/>
+          </p:nvPr>
+        </p:nvSpPr>
+        <p:spPr>
+          <a:xfrm>
+            <a:off x="576000" y="1476001"/>
+            <a:ext cx="8110800" cy="1333874"/>
+          </a:xfrm>
+        </p:spPr>
+        <p:txBody>
+          <a:bodyPr>
+            <a:noAutofit/>
+          </a:bodyPr>
+          <a:lstStyle/>
+          <a:p>
+            <a:pPr marL="228600" indent="-228600">
+              <a:lnSpc>
+                <a:spcPct val="140000"/>
+              </a:lnSpc>
+              <a:spcAft>
+                <a:spcPts val="600"/>
+              </a:spcAft>
+              <a:buFont typeface="+mj-lt"/>
+              <a:buAutoNum type="arabicPeriod"/>
+            </a:pPr>
+            <a:r>
+              <a:rPr lang="zh-CN" altLang="en-US" sz="2000" dirty="0">
+                <a:latin typeface="宋体" panose="02010600030101010101" pitchFamily="2" charset="-122"/>
+                <a:ea typeface="宋体" panose="02010600030101010101" pitchFamily="2" charset="-122"/>
+              </a:rPr>
+              <a:t>如何</a:t>
+            </a:r>
+            <a:r>
+              <a:rPr lang="zh-CN" altLang="en-US" sz="2000" dirty="0" smtClean="0">
+                <a:latin typeface="宋体" panose="02010600030101010101" pitchFamily="2" charset="-122"/>
+                <a:ea typeface="宋体" panose="02010600030101010101" pitchFamily="2" charset="-122"/>
+              </a:rPr>
+              <a:t>避免收</a:t>
+            </a:r>
+            <a:r>
+              <a:rPr lang="zh-CN" altLang="en-US" sz="2000" dirty="0">
+                <a:latin typeface="宋体" panose="02010600030101010101" pitchFamily="2" charset="-122"/>
+                <a:ea typeface="宋体" panose="02010600030101010101" pitchFamily="2" charset="-122"/>
+              </a:rPr>
+              <a:t>发包混乱</a:t>
+            </a:r>
+            <a:endParaRPr lang="en-US" altLang="zh-CN" sz="2000" dirty="0">
+              <a:latin typeface="宋体" panose="02010600030101010101" pitchFamily="2" charset="-122"/>
+              <a:ea typeface="宋体" panose="02010600030101010101" pitchFamily="2" charset="-122"/>
+            </a:endParaRPr>
+          </a:p>
+          <a:p>
+            <a:pPr marL="576000" lvl="1" indent="-360000">
+              <a:lnSpc>
+                <a:spcPct val="140000"/>
+              </a:lnSpc>
+              <a:spcAft>
+                <a:spcPts val="600"/>
+              </a:spcAft>
+              <a:buFont typeface="Wingdings" panose="05000000000000000000" pitchFamily="2" charset="2"/>
+              <a:buChar char="l"/>
+            </a:pPr>
+            <a:r>
+              <a:rPr lang="zh-CN" altLang="en-US" sz="1800" dirty="0" smtClean="0">
+                <a:latin typeface="宋体" panose="02010600030101010101" pitchFamily="2" charset="-122"/>
+                <a:ea typeface="宋体" panose="02010600030101010101" pitchFamily="2" charset="-122"/>
+              </a:rPr>
+              <a:t>广播使用</a:t>
+            </a:r>
+            <a:r>
+              <a:rPr lang="en-US" altLang="zh-CN" sz="1800" dirty="0" smtClean="0">
+                <a:latin typeface="宋体" panose="02010600030101010101" pitchFamily="2" charset="-122"/>
+                <a:ea typeface="宋体" panose="02010600030101010101" pitchFamily="2" charset="-122"/>
+              </a:rPr>
+              <a:t>1</a:t>
+            </a:r>
+            <a:r>
+              <a:rPr lang="zh-CN" altLang="en-US" sz="1800" dirty="0" smtClean="0">
+                <a:latin typeface="宋体" panose="02010600030101010101" pitchFamily="2" charset="-122"/>
+                <a:ea typeface="宋体" panose="02010600030101010101" pitchFamily="2" charset="-122"/>
+              </a:rPr>
+              <a:t>个</a:t>
+            </a:r>
+            <a:r>
+              <a:rPr lang="zh-CN" altLang="en-US" sz="1800" dirty="0">
+                <a:latin typeface="宋体" panose="02010600030101010101" pitchFamily="2" charset="-122"/>
+                <a:ea typeface="宋体" panose="02010600030101010101" pitchFamily="2" charset="-122"/>
+              </a:rPr>
+              <a:t>端口，收养和</a:t>
+            </a:r>
+            <a:r>
+              <a:rPr lang="zh-CN" altLang="en-US" sz="1800" dirty="0" smtClean="0">
+                <a:latin typeface="宋体" panose="02010600030101010101" pitchFamily="2" charset="-122"/>
+                <a:ea typeface="宋体" panose="02010600030101010101" pitchFamily="2" charset="-122"/>
+              </a:rPr>
+              <a:t>管理时每个</a:t>
+            </a:r>
+            <a:r>
+              <a:rPr lang="en-US" altLang="zh-CN" sz="1800" dirty="0">
+                <a:latin typeface="宋体" panose="02010600030101010101" pitchFamily="2" charset="-122"/>
+                <a:ea typeface="宋体" panose="02010600030101010101" pitchFamily="2" charset="-122"/>
+              </a:rPr>
+              <a:t>EAP</a:t>
+            </a:r>
+            <a:r>
+              <a:rPr lang="zh-CN" altLang="en-US" sz="1800" dirty="0">
+                <a:latin typeface="宋体" panose="02010600030101010101" pitchFamily="2" charset="-122"/>
+                <a:ea typeface="宋体" panose="02010600030101010101" pitchFamily="2" charset="-122"/>
+              </a:rPr>
+              <a:t>占用不同</a:t>
+            </a:r>
+            <a:r>
+              <a:rPr lang="zh-CN" altLang="en-US" sz="1800" dirty="0" smtClean="0">
+                <a:latin typeface="宋体" panose="02010600030101010101" pitchFamily="2" charset="-122"/>
+                <a:ea typeface="宋体" panose="02010600030101010101" pitchFamily="2" charset="-122"/>
+              </a:rPr>
+              <a:t>端口。</a:t>
+            </a:r>
+            <a:endParaRPr lang="en-US" altLang="zh-CN" sz="1800" dirty="0" smtClean="0">
+              <a:latin typeface="宋体" panose="02010600030101010101" pitchFamily="2" charset="-122"/>
+              <a:ea typeface="宋体" panose="02010600030101010101" pitchFamily="2" charset="-122"/>
+            </a:endParaRPr>
+          </a:p>
+        </p:txBody>
+      </p:sp>
+      <p:sp>
+        <p:nvSpPr>
+          <p:cNvPr id="7" name="标题 3"/>
+          <p:cNvSpPr txBox="1">
+            <a:spLocks/>
+          </p:cNvSpPr>
+          <p:nvPr/>
+        </p:nvSpPr>
+        <p:spPr>
+          <a:xfrm>
+            <a:off x="571170" y="677960"/>
+            <a:ext cx="8115630" cy="617440"/>
+          </a:xfrm>
+          <a:prstGeom prst="rect">
+            <a:avLst/>
+          </a:prstGeom>
+          <a:ln>
+            <a:noFill/>
+          </a:ln>
+        </p:spPr>
+        <p:txBody>
+          <a:bodyPr vert="horz"/>
+          <a:lstStyle>
+            <a:lvl1pPr algn="l" defTabSz="457200" rtl="0" eaLnBrk="1" latinLnBrk="0" hangingPunct="1">
+              <a:lnSpc>
+                <a:spcPct val="90000"/>
+              </a:lnSpc>
+              <a:spcBef>
+                <a:spcPct val="0"/>
+              </a:spcBef>
+              <a:buNone/>
+              <a:defRPr sz="2600" b="1" i="0" kern="1200" baseline="0">
+                <a:solidFill>
+                  <a:srgbClr val="4ACBD6"/>
+                </a:solidFill>
+                <a:latin typeface="Arial"/>
+                <a:ea typeface="+mj-ea"/>
+                <a:cs typeface="Arial"/>
+              </a:defRPr>
+            </a:lvl1pPr>
+          </a:lstStyle>
+          <a:p>
+            <a:r>
+              <a:rPr lang="en-US" altLang="zh-CN" sz="3200" dirty="0" smtClean="0">
+                <a:latin typeface="+mj-ea"/>
+              </a:rPr>
+              <a:t>5.5 </a:t>
+            </a:r>
+            <a:r>
+              <a:rPr lang="zh-CN" altLang="en-US" sz="3200" dirty="0" smtClean="0">
+                <a:latin typeface="+mj-ea"/>
+              </a:rPr>
+              <a:t>问题与解决方案</a:t>
+            </a:r>
+            <a:endParaRPr lang="zh-CN" altLang="en-US" sz="3200" dirty="0">
+              <a:latin typeface="+mj-ea"/>
+            </a:endParaRPr>
+          </a:p>
+        </p:txBody>
+      </p:sp>
+      <p:pic>
+        <p:nvPicPr>
+          <p:cNvPr id="2" name="图片 1"/>
+          <p:cNvPicPr>
+            <a:picLocks noChangeAspect="1"/>
+          </p:cNvPicPr>
+          <p:nvPr/>
+        </p:nvPicPr>
+        <p:blipFill>
+          <a:blip r:embed="rId3"/>
+          <a:stretch>
+            <a:fillRect/>
+          </a:stretch>
+        </p:blipFill>
+        <p:spPr>
+          <a:xfrm>
+            <a:off x="2287183" y="3391587"/>
+            <a:ext cx="5479742" cy="2690026"/>
+          </a:xfrm>
+          <a:prstGeom prst="rect">
+            <a:avLst/>
+          </a:prstGeom>
+        </p:spPr>
+      </p:pic>
+      <p:sp>
+        <p:nvSpPr>
+          <p:cNvPr id="4" name="文本框 3"/>
+          <p:cNvSpPr txBox="1"/>
+          <p:nvPr/>
+        </p:nvSpPr>
+        <p:spPr>
+          <a:xfrm>
+            <a:off x="924375" y="4139165"/>
+            <a:ext cx="1362808" cy="1234953"/>
+          </a:xfrm>
+          <a:prstGeom prst="rect">
+            <a:avLst/>
+          </a:prstGeom>
+          <a:noFill/>
+        </p:spPr>
+        <p:txBody>
+          <a:bodyPr wrap="square" rtlCol="0">
+            <a:spAutoFit/>
+          </a:bodyPr>
+          <a:lstStyle/>
+          <a:p>
+            <a:pPr marL="0" indent="0">
+              <a:lnSpc>
+                <a:spcPct val="120000"/>
+              </a:lnSpc>
+              <a:buFont typeface="Arial"/>
+              <a:buNone/>
+            </a:pPr>
+            <a:r>
+              <a:rPr lang="en-US" altLang="zh-CN" sz="1600" dirty="0" smtClean="0">
+                <a:solidFill>
+                  <a:srgbClr val="3EB8BE"/>
+                </a:solidFill>
+                <a:latin typeface="宋体" panose="02010600030101010101" pitchFamily="2" charset="-122"/>
+                <a:ea typeface="宋体" panose="02010600030101010101" pitchFamily="2" charset="-122"/>
+                <a:cs typeface="Arial"/>
+              </a:rPr>
+              <a:t>Adopt</a:t>
+            </a:r>
+            <a:r>
+              <a:rPr lang="zh-CN" altLang="en-US" sz="1600" dirty="0">
+                <a:solidFill>
+                  <a:srgbClr val="3EB8BE"/>
+                </a:solidFill>
+                <a:latin typeface="宋体" panose="02010600030101010101" pitchFamily="2" charset="-122"/>
+                <a:ea typeface="宋体" panose="02010600030101010101" pitchFamily="2" charset="-122"/>
+                <a:cs typeface="Arial"/>
+              </a:rPr>
+              <a:t>、</a:t>
+            </a:r>
+            <a:r>
+              <a:rPr lang="en-US" altLang="zh-CN" sz="1600" dirty="0" smtClean="0">
+                <a:solidFill>
+                  <a:srgbClr val="3EB8BE"/>
+                </a:solidFill>
+                <a:latin typeface="宋体" panose="02010600030101010101" pitchFamily="2" charset="-122"/>
+                <a:ea typeface="宋体" panose="02010600030101010101" pitchFamily="2" charset="-122"/>
+                <a:cs typeface="Arial"/>
+              </a:rPr>
+              <a:t>Manage</a:t>
+            </a:r>
+            <a:r>
+              <a:rPr lang="zh-CN" altLang="en-US" sz="1600" dirty="0" smtClean="0">
+                <a:solidFill>
+                  <a:srgbClr val="3EB8BE"/>
+                </a:solidFill>
+                <a:latin typeface="宋体" panose="02010600030101010101" pitchFamily="2" charset="-122"/>
+                <a:ea typeface="宋体" panose="02010600030101010101" pitchFamily="2" charset="-122"/>
+                <a:cs typeface="Arial"/>
+              </a:rPr>
+              <a:t>状态，</a:t>
+            </a:r>
+            <a:r>
+              <a:rPr lang="en-US" altLang="zh-CN" sz="1600" dirty="0" smtClean="0">
+                <a:solidFill>
+                  <a:srgbClr val="3EB8BE"/>
+                </a:solidFill>
+                <a:latin typeface="宋体" panose="02010600030101010101" pitchFamily="2" charset="-122"/>
+                <a:ea typeface="宋体" panose="02010600030101010101" pitchFamily="2" charset="-122"/>
+                <a:cs typeface="Arial"/>
+              </a:rPr>
+              <a:t>EAP</a:t>
+            </a:r>
+            <a:r>
+              <a:rPr lang="zh-CN" altLang="en-US" sz="1600" dirty="0" smtClean="0">
+                <a:solidFill>
+                  <a:srgbClr val="3EB8BE"/>
+                </a:solidFill>
+                <a:latin typeface="宋体" panose="02010600030101010101" pitchFamily="2" charset="-122"/>
+                <a:ea typeface="宋体" panose="02010600030101010101" pitchFamily="2" charset="-122"/>
+                <a:cs typeface="Arial"/>
+              </a:rPr>
+              <a:t>和端口号一一对应。</a:t>
+            </a:r>
+          </a:p>
+        </p:txBody>
+      </p:sp>
+    </p:spTree>
+    <p:extLst>
+      <p:ext uri="{BB962C8B-B14F-4D97-AF65-F5344CB8AC3E}">
+        <p14:creationId xmlns:p14="http://schemas.microsoft.com/office/powerpoint/2010/main" val="1388395744"/>
+      </p:ext>
+    </p:extLst>
+  </p:cSld>
+  <p:clrMapOvr>
+    <a:masterClrMapping/>
+  </p:clrMapOvr>
+  <p:transition spd="slow">
+    <p:push dir="u"/>
+  </p:transition>
+  <p:timing>
+    <p:tnLst>
+      <p:par>
+        <p:cTn id="1" dur="indefinite" restart="never" nodeType="tmRoot"/>
+      </p:par>
+    </p:tnLst>
+  </p:timing>
+</p:sld>
+</file>
+
+<file path=ppt/slides/slide23.xml><?xml version="1.0" encoding="utf-8"?>
+<p:sld xmlns:a="http://schemas.openxmlformats.org/drawingml/2006/main" xmlns:r="http://schemas.openxmlformats.org/officeDocument/2006/relationships" xmlns:p="http://schemas.openxmlformats.org/presentationml/2006/main">
+  <p:cSld>
+    <p:spTree>
+      <p:nvGrpSpPr>
+        <p:cNvPr id="1" name=""/>
+        <p:cNvGrpSpPr/>
+        <p:nvPr/>
+      </p:nvGrpSpPr>
+      <p:grpSpPr>
+        <a:xfrm>
+          <a:off x="0" y="0"/>
+          <a:ext cx="0" cy="0"/>
+          <a:chOff x="0" y="0"/>
+          <a:chExt cx="0" cy="0"/>
+        </a:xfrm>
+      </p:grpSpPr>
+      <p:sp>
+        <p:nvSpPr>
+          <p:cNvPr id="3" name="文本占位符 2"/>
+          <p:cNvSpPr>
+            <a:spLocks noGrp="1"/>
+          </p:cNvSpPr>
+          <p:nvPr>
+            <p:ph type="body" sz="quarter" idx="13"/>
+          </p:nvPr>
+        </p:nvSpPr>
+        <p:spPr>
+          <a:xfrm>
+            <a:off x="576000" y="1476002"/>
+            <a:ext cx="8110800" cy="657598"/>
+          </a:xfrm>
+        </p:spPr>
+        <p:txBody>
+          <a:bodyPr>
+            <a:noAutofit/>
+          </a:bodyPr>
+          <a:lstStyle/>
+          <a:p>
+            <a:pPr marL="230400" indent="-230400">
+              <a:lnSpc>
+                <a:spcPct val="140000"/>
+              </a:lnSpc>
+              <a:spcAft>
+                <a:spcPts val="600"/>
+              </a:spcAft>
+              <a:buFont typeface="+mj-lt"/>
+              <a:buAutoNum type="arabicPeriod" startAt="2"/>
+            </a:pPr>
+            <a:r>
+              <a:rPr lang="en-US" altLang="zh-CN" sz="2000" dirty="0" err="1">
+                <a:latin typeface="宋体" panose="02010600030101010101" pitchFamily="2" charset="-122"/>
+                <a:ea typeface="宋体" panose="02010600030101010101" pitchFamily="2" charset="-122"/>
+              </a:rPr>
+              <a:t>Netty</a:t>
+            </a:r>
+            <a:r>
+              <a:rPr lang="zh-CN" altLang="en-US" sz="2000" dirty="0">
+                <a:latin typeface="宋体" panose="02010600030101010101" pitchFamily="2" charset="-122"/>
+                <a:ea typeface="宋体" panose="02010600030101010101" pitchFamily="2" charset="-122"/>
+              </a:rPr>
+              <a:t>交给</a:t>
+            </a:r>
+            <a:r>
+              <a:rPr lang="en-US" altLang="zh-CN" sz="2000" dirty="0">
+                <a:latin typeface="宋体" panose="02010600030101010101" pitchFamily="2" charset="-122"/>
+                <a:ea typeface="宋体" panose="02010600030101010101" pitchFamily="2" charset="-122"/>
+              </a:rPr>
+              <a:t>Handler</a:t>
+            </a:r>
+            <a:r>
+              <a:rPr lang="zh-CN" altLang="en-US" sz="2000" dirty="0">
+                <a:latin typeface="宋体" panose="02010600030101010101" pitchFamily="2" charset="-122"/>
+                <a:ea typeface="宋体" panose="02010600030101010101" pitchFamily="2" charset="-122"/>
+              </a:rPr>
+              <a:t>处理的数据不</a:t>
+            </a:r>
+            <a:r>
+              <a:rPr lang="zh-CN" altLang="en-US" sz="2000" dirty="0" smtClean="0">
+                <a:latin typeface="宋体" panose="02010600030101010101" pitchFamily="2" charset="-122"/>
+                <a:ea typeface="宋体" panose="02010600030101010101" pitchFamily="2" charset="-122"/>
+              </a:rPr>
+              <a:t>完整</a:t>
+            </a:r>
+            <a:endParaRPr lang="en-US" altLang="zh-CN" sz="2000" dirty="0">
+              <a:latin typeface="宋体" panose="02010600030101010101" pitchFamily="2" charset="-122"/>
+              <a:ea typeface="宋体" panose="02010600030101010101" pitchFamily="2" charset="-122"/>
+            </a:endParaRPr>
+          </a:p>
+        </p:txBody>
+      </p:sp>
+      <p:sp>
+        <p:nvSpPr>
+          <p:cNvPr id="7" name="标题 3"/>
+          <p:cNvSpPr txBox="1">
+            <a:spLocks/>
+          </p:cNvSpPr>
+          <p:nvPr/>
+        </p:nvSpPr>
+        <p:spPr>
+          <a:xfrm>
+            <a:off x="571170" y="677960"/>
+            <a:ext cx="8115630" cy="617440"/>
+          </a:xfrm>
+          <a:prstGeom prst="rect">
+            <a:avLst/>
+          </a:prstGeom>
+          <a:ln>
+            <a:noFill/>
+          </a:ln>
+        </p:spPr>
+        <p:txBody>
+          <a:bodyPr vert="horz"/>
+          <a:lstStyle>
+            <a:lvl1pPr algn="l" defTabSz="457200" rtl="0" eaLnBrk="1" latinLnBrk="0" hangingPunct="1">
+              <a:lnSpc>
+                <a:spcPct val="90000"/>
+              </a:lnSpc>
+              <a:spcBef>
+                <a:spcPct val="0"/>
+              </a:spcBef>
+              <a:buNone/>
+              <a:defRPr sz="2600" b="1" i="0" kern="1200" baseline="0">
+                <a:solidFill>
+                  <a:srgbClr val="4ACBD6"/>
+                </a:solidFill>
+                <a:latin typeface="Arial"/>
+                <a:ea typeface="+mj-ea"/>
+                <a:cs typeface="Arial"/>
+              </a:defRPr>
+            </a:lvl1pPr>
+          </a:lstStyle>
+          <a:p>
+            <a:r>
+              <a:rPr lang="en-US" altLang="zh-CN" sz="3200" dirty="0" smtClean="0">
+                <a:latin typeface="+mj-ea"/>
+              </a:rPr>
+              <a:t>5.5 </a:t>
+            </a:r>
+            <a:r>
+              <a:rPr lang="zh-CN" altLang="en-US" sz="3200" dirty="0" smtClean="0">
+                <a:latin typeface="+mj-ea"/>
+              </a:rPr>
+              <a:t>问题与解决方案</a:t>
+            </a:r>
+            <a:endParaRPr lang="zh-CN" altLang="en-US" sz="3200" dirty="0">
+              <a:latin typeface="+mj-ea"/>
+            </a:endParaRPr>
+          </a:p>
+        </p:txBody>
+      </p:sp>
+      <p:sp>
+        <p:nvSpPr>
+          <p:cNvPr id="10" name="文本框 9"/>
+          <p:cNvSpPr txBox="1"/>
+          <p:nvPr/>
+        </p:nvSpPr>
+        <p:spPr>
+          <a:xfrm>
+            <a:off x="2404734" y="4847683"/>
+            <a:ext cx="2795916" cy="644022"/>
+          </a:xfrm>
+          <a:prstGeom prst="rect">
+            <a:avLst/>
+          </a:prstGeom>
+          <a:noFill/>
+        </p:spPr>
+        <p:txBody>
+          <a:bodyPr wrap="square" rtlCol="0">
+            <a:spAutoFit/>
+          </a:bodyPr>
+          <a:lstStyle/>
+          <a:p>
+            <a:pPr marL="0" indent="0">
+              <a:lnSpc>
+                <a:spcPct val="120000"/>
+              </a:lnSpc>
+              <a:buFont typeface="Arial"/>
+              <a:buNone/>
+            </a:pPr>
+            <a:r>
+              <a:rPr lang="zh-CN" altLang="en-US" sz="1600" dirty="0" smtClean="0">
+                <a:solidFill>
+                  <a:srgbClr val="4ACBD6"/>
+                </a:solidFill>
+                <a:latin typeface="宋体" panose="02010600030101010101" pitchFamily="2" charset="-122"/>
+                <a:ea typeface="宋体" panose="02010600030101010101" pitchFamily="2" charset="-122"/>
+                <a:cs typeface="Arial"/>
+              </a:rPr>
+              <a:t>此时</a:t>
+            </a:r>
+            <a:r>
+              <a:rPr lang="en-US" altLang="zh-CN" sz="1600" dirty="0" smtClean="0">
+                <a:solidFill>
+                  <a:srgbClr val="4ACBD6"/>
+                </a:solidFill>
+                <a:latin typeface="宋体" panose="02010600030101010101" pitchFamily="2" charset="-122"/>
+                <a:ea typeface="宋体" panose="02010600030101010101" pitchFamily="2" charset="-122"/>
+                <a:cs typeface="Arial"/>
+              </a:rPr>
+              <a:t>data_1</a:t>
+            </a:r>
+            <a:r>
+              <a:rPr lang="zh-CN" altLang="en-US" sz="1600" dirty="0" smtClean="0">
+                <a:solidFill>
+                  <a:srgbClr val="4ACBD6"/>
+                </a:solidFill>
+                <a:latin typeface="宋体" panose="02010600030101010101" pitchFamily="2" charset="-122"/>
+                <a:ea typeface="宋体" panose="02010600030101010101" pitchFamily="2" charset="-122"/>
+                <a:cs typeface="Arial"/>
+              </a:rPr>
+              <a:t>只有一部分内容，不能直接交给</a:t>
+            </a:r>
+            <a:r>
+              <a:rPr lang="en-US" altLang="zh-CN" sz="1600" dirty="0" smtClean="0">
+                <a:solidFill>
+                  <a:srgbClr val="4ACBD6"/>
+                </a:solidFill>
+                <a:latin typeface="宋体" panose="02010600030101010101" pitchFamily="2" charset="-122"/>
+                <a:ea typeface="宋体" panose="02010600030101010101" pitchFamily="2" charset="-122"/>
+                <a:cs typeface="Arial"/>
+              </a:rPr>
+              <a:t>handler</a:t>
+            </a:r>
+            <a:r>
+              <a:rPr lang="zh-CN" altLang="en-US" sz="1600" dirty="0" smtClean="0">
+                <a:solidFill>
+                  <a:srgbClr val="4ACBD6"/>
+                </a:solidFill>
+                <a:latin typeface="宋体" panose="02010600030101010101" pitchFamily="2" charset="-122"/>
+                <a:ea typeface="宋体" panose="02010600030101010101" pitchFamily="2" charset="-122"/>
+                <a:cs typeface="Arial"/>
+              </a:rPr>
+              <a:t>处理</a:t>
+            </a:r>
+          </a:p>
+        </p:txBody>
+      </p:sp>
+      <p:pic>
+        <p:nvPicPr>
+          <p:cNvPr id="12" name="图片 11"/>
+          <p:cNvPicPr>
+            <a:picLocks noChangeAspect="1"/>
+          </p:cNvPicPr>
+          <p:nvPr/>
+        </p:nvPicPr>
+        <p:blipFill>
+          <a:blip r:embed="rId3"/>
+          <a:stretch>
+            <a:fillRect/>
+          </a:stretch>
+        </p:blipFill>
+        <p:spPr>
+          <a:xfrm>
+            <a:off x="2058500" y="2457450"/>
+            <a:ext cx="5140970" cy="1943100"/>
+          </a:xfrm>
+          <a:prstGeom prst="rect">
+            <a:avLst/>
+          </a:prstGeom>
+        </p:spPr>
+      </p:pic>
+    </p:spTree>
+    <p:extLst>
+      <p:ext uri="{BB962C8B-B14F-4D97-AF65-F5344CB8AC3E}">
+        <p14:creationId xmlns:p14="http://schemas.microsoft.com/office/powerpoint/2010/main" val="274331844"/>
+      </p:ext>
+    </p:extLst>
+  </p:cSld>
+  <p:clrMapOvr>
+    <a:masterClrMapping/>
+  </p:clrMapOvr>
+  <p:transition spd="slow">
+    <p:push dir="u"/>
+  </p:transition>
+  <p:timing>
+    <p:tnLst>
+      <p:par>
+        <p:cTn id="1" dur="indefinite" restart="never" nodeType="tmRoot"/>
+      </p:par>
+    </p:tnLst>
+  </p:timing>
+</p:sld>
+</file>
+
+<file path=ppt/slides/slide24.xml><?xml version="1.0" encoding="utf-8"?>
 <p:sld xmlns:a="http://schemas.openxmlformats.org/drawingml/2006/main" xmlns:r="http://schemas.openxmlformats.org/officeDocument/2006/relationships" xmlns:p="http://schemas.openxmlformats.org/presentationml/2006/main">
   <p:cSld>
     <p:spTree>
@@ -13124,13 +13588,13 @@
               <a:rPr lang="en-US" altLang="zh-CN" sz="3200" dirty="0" smtClean="0">
                 <a:latin typeface="+mj-ea"/>
               </a:rPr>
-              <a:t>5.4 </a:t>
+              <a:t>5.5 </a:t>
             </a:r>
             <a:r>
               <a:rPr lang="zh-CN" altLang="en-US" sz="3200" dirty="0" smtClean="0">
                 <a:latin typeface="+mj-ea"/>
               </a:rPr>
-              <a:t>线程使用</a:t>
+              <a:t>问题与解决方案</a:t>
             </a:r>
             <a:endParaRPr lang="zh-CN" altLang="en-US" sz="3200" dirty="0">
               <a:latin typeface="+mj-ea"/>
@@ -13138,79 +13602,9 @@
           </a:p>
         </p:txBody>
       </p:sp>
-      <p:pic>
-        <p:nvPicPr>
-          <p:cNvPr id="2" name="图片 1"/>
-          <p:cNvPicPr>
-            <a:picLocks noChangeAspect="1"/>
-          </p:cNvPicPr>
-          <p:nvPr/>
-        </p:nvPicPr>
-        <p:blipFill>
-          <a:blip r:embed="rId3">
-            <a:extLst>
-              <a:ext uri="{28A0092B-C50C-407E-A947-70E740481C1C}">
-                <a14:useLocalDpi xmlns:a14="http://schemas.microsoft.com/office/drawing/2010/main" val="0"/>
-              </a:ext>
-            </a:extLst>
-          </a:blip>
-          <a:stretch>
-            <a:fillRect/>
-          </a:stretch>
-        </p:blipFill>
-        <p:spPr>
-          <a:xfrm>
-            <a:off x="571170" y="1176592"/>
-            <a:ext cx="7800975" cy="5216221"/>
-          </a:xfrm>
-          <a:prstGeom prst="rect">
-            <a:avLst/>
-          </a:prstGeom>
-        </p:spPr>
-      </p:pic>
-    </p:spTree>
-    <p:extLst>
-      <p:ext uri="{BB962C8B-B14F-4D97-AF65-F5344CB8AC3E}">
-        <p14:creationId xmlns:p14="http://schemas.microsoft.com/office/powerpoint/2010/main" val="3412896427"/>
-      </p:ext>
-    </p:extLst>
-  </p:cSld>
-  <p:clrMapOvr>
-    <a:masterClrMapping/>
-  </p:clrMapOvr>
-  <p:transition spd="slow">
-    <p:push dir="u"/>
-  </p:transition>
-  <p:timing>
-    <p:tnLst>
-      <p:par>
-        <p:cTn id="1" dur="indefinite" restart="never" nodeType="tmRoot"/>
-      </p:par>
-    </p:tnLst>
-  </p:timing>
-</p:sld>
-</file>
-
-<file path=ppt/slides/slide23.xml><?xml version="1.0" encoding="utf-8"?>
-<p:sld xmlns:a="http://schemas.openxmlformats.org/drawingml/2006/main" xmlns:r="http://schemas.openxmlformats.org/officeDocument/2006/relationships" xmlns:p="http://schemas.openxmlformats.org/presentationml/2006/main">
-  <p:cSld>
-    <p:spTree>
-      <p:nvGrpSpPr>
-        <p:cNvPr id="1" name=""/>
-        <p:cNvGrpSpPr/>
-        <p:nvPr/>
-      </p:nvGrpSpPr>
-      <p:grpSpPr>
-        <a:xfrm>
-          <a:off x="0" y="0"/>
-          <a:ext cx="0" cy="0"/>
-          <a:chOff x="0" y="0"/>
-          <a:chExt cx="0" cy="0"/>
-        </a:xfrm>
-      </p:grpSpPr>
       <p:sp>
         <p:nvSpPr>
-          <p:cNvPr id="3" name="文本占位符 2"/>
+          <p:cNvPr id="8" name="文本占位符 2"/>
           <p:cNvSpPr>
             <a:spLocks noGrp="1"/>
           </p:cNvSpPr>
@@ -13220,8 +13614,8 @@
         </p:nvSpPr>
         <p:spPr>
           <a:xfrm>
-            <a:off x="576000" y="1476001"/>
-            <a:ext cx="8110800" cy="1333874"/>
+            <a:off x="575999" y="1476000"/>
+            <a:ext cx="4529401" cy="3257925"/>
           </a:xfrm>
         </p:spPr>
         <p:txBody>
@@ -13230,7 +13624,7 @@
           </a:bodyPr>
           <a:lstStyle/>
           <a:p>
-            <a:pPr marL="228600" indent="-228600">
+            <a:pPr marL="230400" indent="-230400">
               <a:lnSpc>
                 <a:spcPct val="140000"/>
               </a:lnSpc>
@@ -13238,30 +13632,44 @@
                 <a:spcPts val="600"/>
               </a:spcAft>
               <a:buFont typeface="+mj-lt"/>
-              <a:buAutoNum type="arabicPeriod"/>
+              <a:buAutoNum type="arabicPeriod" startAt="2"/>
             </a:pPr>
             <a:r>
+              <a:rPr lang="en-US" altLang="zh-CN" sz="2000" dirty="0" err="1">
+                <a:latin typeface="宋体" panose="02010600030101010101" pitchFamily="2" charset="-122"/>
+                <a:ea typeface="宋体" panose="02010600030101010101" pitchFamily="2" charset="-122"/>
+              </a:rPr>
+              <a:t>Netty</a:t>
+            </a:r>
+            <a:r>
               <a:rPr lang="zh-CN" altLang="en-US" sz="2000" dirty="0">
                 <a:latin typeface="宋体" panose="02010600030101010101" pitchFamily="2" charset="-122"/>
                 <a:ea typeface="宋体" panose="02010600030101010101" pitchFamily="2" charset="-122"/>
               </a:rPr>
-              <a:t>如何</a:t>
+              <a:t>交给</a:t>
+            </a:r>
+            <a:r>
+              <a:rPr lang="en-US" altLang="zh-CN" sz="2000" dirty="0">
+                <a:latin typeface="宋体" panose="02010600030101010101" pitchFamily="2" charset="-122"/>
+                <a:ea typeface="宋体" panose="02010600030101010101" pitchFamily="2" charset="-122"/>
+              </a:rPr>
+              <a:t>Handler</a:t>
+            </a:r>
+            <a:r>
+              <a:rPr lang="zh-CN" altLang="en-US" sz="2000" dirty="0">
+                <a:latin typeface="宋体" panose="02010600030101010101" pitchFamily="2" charset="-122"/>
+                <a:ea typeface="宋体" panose="02010600030101010101" pitchFamily="2" charset="-122"/>
+              </a:rPr>
+              <a:t>处理的数据不</a:t>
             </a:r>
             <a:r>
               <a:rPr lang="zh-CN" altLang="en-US" sz="2000" dirty="0" smtClean="0">
                 <a:latin typeface="宋体" panose="02010600030101010101" pitchFamily="2" charset="-122"/>
                 <a:ea typeface="宋体" panose="02010600030101010101" pitchFamily="2" charset="-122"/>
               </a:rPr>
-              <a:t>避免收</a:t>
-            </a:r>
-            <a:r>
-              <a:rPr lang="zh-CN" altLang="en-US" sz="2000" dirty="0">
-                <a:latin typeface="宋体" panose="02010600030101010101" pitchFamily="2" charset="-122"/>
-                <a:ea typeface="宋体" panose="02010600030101010101" pitchFamily="2" charset="-122"/>
-              </a:rPr>
-              <a:t>发包混乱</a:t>
-            </a:r>
-            <a:endParaRPr lang="en-US" altLang="zh-CN" sz="2000" dirty="0">
+              <a:t>完整</a:t>
+            </a:r>
+            <a:endParaRPr lang="en-US" altLang="zh-CN" sz="2000" dirty="0" smtClean="0">
               <a:latin typeface="宋体" panose="02010600030101010101" pitchFamily="2" charset="-122"/>
               <a:ea typeface="宋体" panose="02010600030101010101" pitchFamily="2" charset="-122"/>
             </a:endParaRPr>
@@ -13282,127 +13690,175 @@
                 <a:latin typeface="宋体" panose="02010600030101010101" pitchFamily="2" charset="-122"/>
                 <a:ea typeface="宋体" panose="02010600030101010101" pitchFamily="2" charset="-122"/>
               </a:rPr>
-              <a:t>广播使用</a:t>
+              <a:t>每个连接都有一个</a:t>
             </a:r>
             <a:r>
               <a:rPr lang="en-US" altLang="zh-CN" sz="1800" dirty="0" smtClean="0">
                 <a:latin typeface="宋体" panose="02010600030101010101" pitchFamily="2" charset="-122"/>
                 <a:ea typeface="宋体" panose="02010600030101010101" pitchFamily="2" charset="-122"/>
               </a:rPr>
-              <a:t>1</a:t>
+              <a:t>decoder</a:t>
             </a:r>
             <a:r>
               <a:rPr lang="zh-CN" altLang="en-US" sz="1800" dirty="0" smtClean="0">
                 <a:latin typeface="宋体" panose="02010600030101010101" pitchFamily="2" charset="-122"/>
                 <a:ea typeface="宋体" panose="02010600030101010101" pitchFamily="2" charset="-122"/>
               </a:rPr>
-              <a:t>个</a:t>
-            </a:r>
-            <a:r>
-              <a:rPr lang="zh-CN" altLang="en-US" sz="1800" dirty="0">
+              <a:t>实例，</a:t>
+            </a:r>
+            <a:r>
+              <a:rPr lang="en-US" altLang="zh-CN" sz="1800" dirty="0" smtClean="0">
                 <a:latin typeface="宋体" panose="02010600030101010101" pitchFamily="2" charset="-122"/>
                 <a:ea typeface="宋体" panose="02010600030101010101" pitchFamily="2" charset="-122"/>
               </a:rPr>
-              <a:t>端口，收养和</a:t>
+              <a:t>decoder</a:t>
             </a:r>
             <a:r>
               <a:rPr lang="zh-CN" altLang="en-US" sz="1800" dirty="0" smtClean="0">
                 <a:latin typeface="宋体" panose="02010600030101010101" pitchFamily="2" charset="-122"/>
                 <a:ea typeface="宋体" panose="02010600030101010101" pitchFamily="2" charset="-122"/>
               </a:rPr>
-              <a:t>管理时每个</a:t>
-            </a:r>
-            <a:r>
-              <a:rPr lang="en-US" altLang="zh-CN" sz="1800" dirty="0">
+              <a:t>初始化</a:t>
+            </a:r>
+            <a:r>
+              <a:rPr lang="en-US" altLang="zh-CN" sz="1800" dirty="0" err="1" smtClean="0">
                 <a:latin typeface="宋体" panose="02010600030101010101" pitchFamily="2" charset="-122"/>
                 <a:ea typeface="宋体" panose="02010600030101010101" pitchFamily="2" charset="-122"/>
               </a:rPr>
-              <a:t>EAP</a:t>
-            </a:r>
-            <a:r>
-              <a:rPr lang="zh-CN" altLang="en-US" sz="1800" dirty="0">
+              <a:t>len</a:t>
+            </a:r>
+            <a:r>
+              <a:rPr lang="en-US" altLang="zh-CN" sz="1800" dirty="0" smtClean="0">
                 <a:latin typeface="宋体" panose="02010600030101010101" pitchFamily="2" charset="-122"/>
                 <a:ea typeface="宋体" panose="02010600030101010101" pitchFamily="2" charset="-122"/>
               </a:rPr>
-              <a:t>占用不同</a:t>
+              <a:t>=4</a:t>
             </a:r>
             <a:r>
               <a:rPr lang="zh-CN" altLang="en-US" sz="1800" dirty="0" smtClean="0">
                 <a:latin typeface="宋体" panose="02010600030101010101" pitchFamily="2" charset="-122"/>
                 <a:ea typeface="宋体" panose="02010600030101010101" pitchFamily="2" charset="-122"/>
               </a:rPr>
-              <a:t>端口。</a:t>
+              <a:t>，</a:t>
+            </a:r>
+            <a:r>
+              <a:rPr lang="en-US" altLang="zh-CN" sz="1800" dirty="0" err="1" smtClean="0">
+                <a:latin typeface="宋体" panose="02010600030101010101" pitchFamily="2" charset="-122"/>
+                <a:ea typeface="宋体" panose="02010600030101010101" pitchFamily="2" charset="-122"/>
+              </a:rPr>
+              <a:t>isMsg</a:t>
+            </a:r>
+            <a:r>
+              <a:rPr lang="en-US" altLang="zh-CN" sz="1800" dirty="0" smtClean="0">
+                <a:latin typeface="宋体" panose="02010600030101010101" pitchFamily="2" charset="-122"/>
+                <a:ea typeface="宋体" panose="02010600030101010101" pitchFamily="2" charset="-122"/>
+              </a:rPr>
+              <a:t>=false</a:t>
+            </a:r>
+          </a:p>
+          <a:p>
+            <a:pPr marL="576000" lvl="1" indent="-360000">
+              <a:lnSpc>
+                <a:spcPct val="140000"/>
+              </a:lnSpc>
+              <a:spcAft>
+                <a:spcPts val="600"/>
+              </a:spcAft>
+              <a:buFont typeface="Wingdings" panose="05000000000000000000" pitchFamily="2" charset="2"/>
+              <a:buChar char="l"/>
+            </a:pPr>
+            <a:r>
+              <a:rPr lang="zh-CN" altLang="en-US" sz="1800" dirty="0" smtClean="0">
+                <a:latin typeface="宋体" panose="02010600030101010101" pitchFamily="2" charset="-122"/>
+                <a:ea typeface="宋体" panose="02010600030101010101" pitchFamily="2" charset="-122"/>
+              </a:rPr>
+              <a:t>输出列表中的元素会顺序地交给</a:t>
+            </a:r>
+            <a:r>
+              <a:rPr lang="en-US" altLang="zh-CN" sz="1800" dirty="0" smtClean="0">
+                <a:latin typeface="宋体" panose="02010600030101010101" pitchFamily="2" charset="-122"/>
+                <a:ea typeface="宋体" panose="02010600030101010101" pitchFamily="2" charset="-122"/>
+              </a:rPr>
+              <a:t>handle</a:t>
+            </a:r>
+            <a:r>
+              <a:rPr lang="zh-CN" altLang="en-US" sz="1800" dirty="0" smtClean="0">
+                <a:latin typeface="宋体" panose="02010600030101010101" pitchFamily="2" charset="-122"/>
+                <a:ea typeface="宋体" panose="02010600030101010101" pitchFamily="2" charset="-122"/>
+              </a:rPr>
+              <a:t>处理</a:t>
             </a:r>
             <a:endParaRPr lang="en-US" altLang="zh-CN" sz="1800" dirty="0" smtClean="0">
               <a:latin typeface="宋体" panose="02010600030101010101" pitchFamily="2" charset="-122"/>
               <a:ea typeface="宋体" panose="02010600030101010101" pitchFamily="2" charset="-122"/>
             </a:endParaRPr>
           </a:p>
-        </p:txBody>
-      </p:sp>
-      <p:sp>
-        <p:nvSpPr>
-          <p:cNvPr id="7" name="标题 3"/>
-          <p:cNvSpPr txBox="1">
-            <a:spLocks/>
-          </p:cNvSpPr>
-          <p:nvPr/>
-        </p:nvSpPr>
-        <p:spPr>
-          <a:xfrm>
-            <a:off x="571170" y="677960"/>
-            <a:ext cx="8115630" cy="617440"/>
-          </a:xfrm>
-          <a:prstGeom prst="rect">
-            <a:avLst/>
-          </a:prstGeom>
-          <a:ln>
-            <a:noFill/>
-          </a:ln>
-        </p:spPr>
-        <p:txBody>
-          <a:bodyPr vert="horz"/>
-          <a:lstStyle>
-            <a:lvl1pPr algn="l" defTabSz="457200" rtl="0" eaLnBrk="1" latinLnBrk="0" hangingPunct="1">
+          <a:p>
+            <a:pPr marL="576000" lvl="1" indent="-360000">
               <a:lnSpc>
-                <a:spcPct val="90000"/>
+                <a:spcPct val="140000"/>
               </a:lnSpc>
-              <a:spcBef>
-                <a:spcPct val="0"/>
-              </a:spcBef>
-              <a:buNone/>
-              <a:defRPr sz="2600" b="1" i="0" kern="1200" baseline="0">
-                <a:solidFill>
-                  <a:srgbClr val="4ACBD6"/>
-                </a:solidFill>
-                <a:latin typeface="Arial"/>
-                <a:ea typeface="+mj-ea"/>
-                <a:cs typeface="Arial"/>
-              </a:defRPr>
-            </a:lvl1pPr>
-          </a:lstStyle>
-          <a:p>
-            <a:r>
-              <a:rPr lang="en-US" altLang="zh-CN" sz="3200" dirty="0" smtClean="0">
-                <a:latin typeface="+mj-ea"/>
-              </a:rPr>
-              <a:t>5.5 </a:t>
-            </a:r>
-            <a:r>
-              <a:rPr lang="zh-CN" altLang="en-US" sz="3200" dirty="0" smtClean="0">
-                <a:latin typeface="+mj-ea"/>
-              </a:rPr>
-              <a:t>问题与解决方案</a:t>
-            </a:r>
-            <a:endParaRPr lang="zh-CN" altLang="en-US" sz="3200" dirty="0">
-              <a:latin typeface="+mj-ea"/>
-            </a:endParaRPr>
+              <a:spcAft>
+                <a:spcPts val="600"/>
+              </a:spcAft>
+              <a:buFont typeface="Wingdings" panose="05000000000000000000" pitchFamily="2" charset="2"/>
+              <a:buChar char="l"/>
+            </a:pPr>
+            <a:r>
+              <a:rPr lang="zh-CN" altLang="en-US" sz="1800" dirty="0" smtClean="0">
+                <a:latin typeface="宋体" panose="02010600030101010101" pitchFamily="2" charset="-122"/>
+                <a:ea typeface="宋体" panose="02010600030101010101" pitchFamily="2" charset="-122"/>
+              </a:rPr>
+              <a:t>未被读完的数据</a:t>
+            </a:r>
+            <a:r>
+              <a:rPr lang="zh-CN" altLang="en-US" sz="1800" dirty="0" smtClean="0">
+                <a:latin typeface="宋体" panose="02010600030101010101" pitchFamily="2" charset="-122"/>
+                <a:ea typeface="宋体" panose="02010600030101010101" pitchFamily="2" charset="-122"/>
+              </a:rPr>
+              <a:t>会</a:t>
+            </a:r>
+            <a:r>
+              <a:rPr lang="zh-CN" altLang="en-US" sz="1800" dirty="0" smtClean="0">
+                <a:latin typeface="宋体" panose="02010600030101010101" pitchFamily="2" charset="-122"/>
+                <a:ea typeface="宋体" panose="02010600030101010101" pitchFamily="2" charset="-122"/>
+              </a:rPr>
+              <a:t>和后续</a:t>
+            </a:r>
+            <a:r>
+              <a:rPr lang="zh-CN" altLang="en-US" sz="1800" dirty="0" smtClean="0">
+                <a:latin typeface="宋体" panose="02010600030101010101" pitchFamily="2" charset="-122"/>
+                <a:ea typeface="宋体" panose="02010600030101010101" pitchFamily="2" charset="-122"/>
+              </a:rPr>
+              <a:t>收到的数据一起再次</a:t>
+            </a:r>
+            <a:r>
+              <a:rPr lang="zh-CN" altLang="en-US" sz="1800" dirty="0" smtClean="0">
+                <a:latin typeface="宋体" panose="02010600030101010101" pitchFamily="2" charset="-122"/>
+                <a:ea typeface="宋体" panose="02010600030101010101" pitchFamily="2" charset="-122"/>
+              </a:rPr>
+              <a:t>交给</a:t>
+            </a:r>
+            <a:r>
+              <a:rPr lang="en-US" altLang="zh-CN" sz="1800" dirty="0" smtClean="0">
+                <a:latin typeface="宋体" panose="02010600030101010101" pitchFamily="2" charset="-122"/>
+                <a:ea typeface="宋体" panose="02010600030101010101" pitchFamily="2" charset="-122"/>
+              </a:rPr>
+              <a:t>decoder</a:t>
+            </a:r>
+            <a:r>
+              <a:rPr lang="zh-CN" altLang="en-US" sz="1800" dirty="0" smtClean="0">
+                <a:latin typeface="宋体" panose="02010600030101010101" pitchFamily="2" charset="-122"/>
+                <a:ea typeface="宋体" panose="02010600030101010101" pitchFamily="2" charset="-122"/>
+              </a:rPr>
+              <a:t>处理</a:t>
+            </a:r>
           </a:p>
         </p:txBody>
       </p:sp>
       <p:pic>
         <p:nvPicPr>
-          <p:cNvPr id="2" name="图片 1"/>
+          <p:cNvPr id="5" name="图片 4"/>
           <p:cNvPicPr>
             <a:picLocks noChangeAspect="1"/>
           </p:cNvPicPr>
@@ -13416,8 +13872,8 @@
         </p:blipFill>
         <p:spPr>
           <a:xfrm>
-            <a:off x="2287183" y="3391587"/>
-            <a:ext cx="5479742" cy="2690026"/>
+            <a:off x="5105400" y="986680"/>
+            <a:ext cx="3354868" cy="4984750"/>
           </a:xfrm>
           <a:prstGeom prst="rect">
             <a:avLst/>
@@ -13426,14 +13882,14 @@
       </p:pic>
       <p:sp>
         <p:nvSpPr>
-          <p:cNvPr id="4" name="文本框 3"/>
+          <p:cNvPr id="11" name="文本框 10"/>
           <p:cNvSpPr txBox="1"/>
           <p:nvPr/>
         </p:nvSpPr>
         <p:spPr>
           <a:xfrm>
-            <a:off x="924375" y="4139165"/>
-            <a:ext cx="1362808" cy="1234953"/>
+            <a:off x="5819775" y="5980210"/>
+            <a:ext cx="2640493" cy="348557"/>
           </a:xfrm>
           <a:prstGeom prst="rect">
             <a:avLst/>
@@ -13455,370 +13911,40 @@
             </a:pPr>
             <a:r>
               <a:rPr lang="en-US" altLang="zh-CN" sz="1600" dirty="0" smtClean="0">
-                <a:solidFill>
-                  <a:srgbClr val="3EB8BE"/>
-                </a:solidFill>
                 <a:latin typeface="宋体" panose="02010600030101010101" pitchFamily="2" charset="-122"/>
                 <a:ea typeface="宋体" panose="02010600030101010101" pitchFamily="2" charset="-122"/>
                 <a:cs typeface="Arial"/>
               </a:rPr>
-              <a:t>Adopt</a:t>
-            </a:r>
-            <a:r>
-              <a:rPr lang="zh-CN" altLang="en-US" sz="1600" dirty="0">
-                <a:solidFill>
-                  <a:srgbClr val="3EB8BE"/>
-                </a:solidFill>
+              <a:t>Manage</a:t>
+            </a:r>
+            <a:r>
+              <a:rPr lang="zh-CN" altLang="en-US" sz="1600" dirty="0" smtClean="0">
                 <a:latin typeface="宋体" panose="02010600030101010101" pitchFamily="2" charset="-122"/>
                 <a:ea typeface="宋体" panose="02010600030101010101" pitchFamily="2" charset="-122"/>
                 <a:cs typeface="Arial"/>
               </a:rPr>
-              <a:t>、</a:t>
-            </a:r>
-            <a:r>
-              <a:rPr lang="en-US" altLang="zh-CN" sz="1600" dirty="0" smtClean="0">
-                <a:solidFill>
-                  <a:srgbClr val="3EB8BE"/>
-                </a:solidFill>
+              <a:t>解码器</a:t>
+            </a:r>
+            <a:r>
+              <a:rPr lang="zh-CN" altLang="en-US" sz="1600" dirty="0" smtClean="0">
                 <a:latin typeface="宋体" panose="02010600030101010101" pitchFamily="2" charset="-122"/>
                 <a:ea typeface="宋体" panose="02010600030101010101" pitchFamily="2" charset="-122"/>
                 <a:cs typeface="Arial"/>
               </a:rPr>
-              <a:t>Manage</a:t>
-            </a:r>
-            <a:r>
-              <a:rPr lang="zh-CN" altLang="en-US" sz="1600" dirty="0" smtClean="0">
-                <a:solidFill>
-                  <a:srgbClr val="3EB8BE"/>
-                </a:solidFill>
-                <a:latin typeface="宋体" panose="02010600030101010101" pitchFamily="2" charset="-122"/>
-                <a:ea typeface="宋体" panose="02010600030101010101" pitchFamily="2" charset="-122"/>
-                <a:cs typeface="Arial"/>
-              </a:rPr>
-              <a:t>状态，</a:t>
-            </a:r>
-            <a:r>
-              <a:rPr lang="en-US" altLang="zh-CN" sz="1600" dirty="0" smtClean="0">
-                <a:solidFill>
-                  <a:srgbClr val="3EB8BE"/>
-                </a:solidFill>
-                <a:latin typeface="宋体" panose="02010600030101010101" pitchFamily="2" charset="-122"/>
-                <a:ea typeface="宋体" panose="02010600030101010101" pitchFamily="2" charset="-122"/>
-                <a:cs typeface="Arial"/>
-              </a:rPr>
-              <a:t>EAP</a:t>
-            </a:r>
-            <a:r>
-              <a:rPr lang="zh-CN" altLang="en-US" sz="1600" dirty="0" smtClean="0">
-                <a:solidFill>
-                  <a:srgbClr val="3EB8BE"/>
-                </a:solidFill>
-                <a:latin typeface="宋体" panose="02010600030101010101" pitchFamily="2" charset="-122"/>
-                <a:ea typeface="宋体" panose="02010600030101010101" pitchFamily="2" charset="-122"/>
-                <a:cs typeface="Arial"/>
-              </a:rPr>
-              <a:t>和端口号一一对应。</a:t>
-            </a:r>
+              <a:t>的解码流程图</a:t>
+            </a:r>
+            <a:endParaRPr lang="zh-CN" altLang="en-US" sz="1600" dirty="0" smtClean="0">
+              <a:latin typeface="宋体" panose="02010600030101010101" pitchFamily="2" charset="-122"/>
+              <a:ea typeface="宋体" panose="02010600030101010101" pitchFamily="2" charset="-122"/>
+              <a:cs typeface="Arial"/>
+            </a:endParaRPr>
           </a:p>
         </p:txBody>
       </p:sp>
     </p:spTree>
     <p:extLst>
       <p:ext uri="{BB962C8B-B14F-4D97-AF65-F5344CB8AC3E}">
-        <p14:creationId xmlns:p14="http://schemas.microsoft.com/office/powerpoint/2010/main" val="1388395744"/>
-      </p:ext>
-    </p:extLst>
-  </p:cSld>
-  <p:clrMapOvr>
-    <a:masterClrMapping/>
-  </p:clrMapOvr>
-  <p:transition spd="slow">
-    <p:push dir="u"/>
-  </p:transition>
-  <p:timing>
-    <p:tnLst>
-      <p:par>
-        <p:cTn id="1" dur="indefinite" restart="never" nodeType="tmRoot"/>
-      </p:par>
-    </p:tnLst>
-  </p:timing>
-</p:sld>
-</file>
-
-<file path=ppt/slides/slide24.xml><?xml version="1.0" encoding="utf-8"?>
-<p:sld xmlns:a="http://schemas.openxmlformats.org/drawingml/2006/main" xmlns:r="http://schemas.openxmlformats.org/officeDocument/2006/relationships" xmlns:p="http://schemas.openxmlformats.org/presentationml/2006/main">
-  <p:cSld>
-    <p:spTree>
-      <p:nvGrpSpPr>
-        <p:cNvPr id="1" name=""/>
-        <p:cNvGrpSpPr/>
-        <p:nvPr/>
-      </p:nvGrpSpPr>
-      <p:grpSpPr>
-        <a:xfrm>
-          <a:off x="0" y="0"/>
-          <a:ext cx="0" cy="0"/>
-          <a:chOff x="0" y="0"/>
-          <a:chExt cx="0" cy="0"/>
-        </a:xfrm>
-      </p:grpSpPr>
-      <p:sp>
-        <p:nvSpPr>
-          <p:cNvPr id="3" name="文本占位符 2"/>
-          <p:cNvSpPr>
-            <a:spLocks noGrp="1"/>
-          </p:cNvSpPr>
-          <p:nvPr>
-            <p:ph type="body" sz="quarter" idx="13"/>
-          </p:nvPr>
-        </p:nvSpPr>
-        <p:spPr>
-          <a:xfrm>
-            <a:off x="576000" y="1476002"/>
-            <a:ext cx="8110800" cy="657598"/>
-          </a:xfrm>
-        </p:spPr>
-        <p:txBody>
-          <a:bodyPr>
-            <a:noAutofit/>
-          </a:bodyPr>
-          <a:lstStyle/>
-          <a:p>
-            <a:pPr marL="230400" indent="-230400">
-              <a:lnSpc>
-                <a:spcPct val="140000"/>
-              </a:lnSpc>
-              <a:spcAft>
-                <a:spcPts val="600"/>
-              </a:spcAft>
-              <a:buFont typeface="+mj-lt"/>
-              <a:buAutoNum type="arabicPeriod" startAt="2"/>
-            </a:pPr>
-            <a:r>
-              <a:rPr lang="en-US" altLang="zh-CN" sz="2000" dirty="0" err="1">
-                <a:latin typeface="宋体" panose="02010600030101010101" pitchFamily="2" charset="-122"/>
-                <a:ea typeface="宋体" panose="02010600030101010101" pitchFamily="2" charset="-122"/>
-              </a:rPr>
-              <a:t>Netty</a:t>
-            </a:r>
-            <a:r>
-              <a:rPr lang="zh-CN" altLang="en-US" sz="2000" dirty="0">
-                <a:latin typeface="宋体" panose="02010600030101010101" pitchFamily="2" charset="-122"/>
-                <a:ea typeface="宋体" panose="02010600030101010101" pitchFamily="2" charset="-122"/>
-              </a:rPr>
-              <a:t>交给</a:t>
-            </a:r>
-            <a:r>
-              <a:rPr lang="en-US" altLang="zh-CN" sz="2000" dirty="0">
-                <a:latin typeface="宋体" panose="02010600030101010101" pitchFamily="2" charset="-122"/>
-                <a:ea typeface="宋体" panose="02010600030101010101" pitchFamily="2" charset="-122"/>
-              </a:rPr>
-              <a:t>Handler</a:t>
-            </a:r>
-            <a:r>
-              <a:rPr lang="zh-CN" altLang="en-US" sz="2000" dirty="0">
-                <a:latin typeface="宋体" panose="02010600030101010101" pitchFamily="2" charset="-122"/>
-                <a:ea typeface="宋体" panose="02010600030101010101" pitchFamily="2" charset="-122"/>
-              </a:rPr>
-              <a:t>处理的数据不</a:t>
-            </a:r>
-            <a:r>
-              <a:rPr lang="zh-CN" altLang="en-US" sz="2000" dirty="0" smtClean="0">
-                <a:latin typeface="宋体" panose="02010600030101010101" pitchFamily="2" charset="-122"/>
-                <a:ea typeface="宋体" panose="02010600030101010101" pitchFamily="2" charset="-122"/>
-              </a:rPr>
-              <a:t>完整</a:t>
-            </a:r>
-            <a:endParaRPr lang="en-US" altLang="zh-CN" sz="2000" dirty="0">
-              <a:latin typeface="宋体" panose="02010600030101010101" pitchFamily="2" charset="-122"/>
-              <a:ea typeface="宋体" panose="02010600030101010101" pitchFamily="2" charset="-122"/>
-            </a:endParaRPr>
-          </a:p>
-        </p:txBody>
-      </p:sp>
-      <p:sp>
-        <p:nvSpPr>
-          <p:cNvPr id="7" name="标题 3"/>
-          <p:cNvSpPr txBox="1">
-            <a:spLocks/>
-          </p:cNvSpPr>
-          <p:nvPr/>
-        </p:nvSpPr>
-        <p:spPr>
-          <a:xfrm>
-            <a:off x="571170" y="677960"/>
-            <a:ext cx="8115630" cy="617440"/>
-          </a:xfrm>
-          <a:prstGeom prst="rect">
-            <a:avLst/>
-          </a:prstGeom>
-          <a:ln>
-            <a:noFill/>
-          </a:ln>
-        </p:spPr>
-        <p:txBody>
-          <a:bodyPr vert="horz"/>
-          <a:lstStyle>
-            <a:lvl1pPr algn="l" defTabSz="457200" rtl="0" eaLnBrk="1" latinLnBrk="0" hangingPunct="1">
-              <a:lnSpc>
-                <a:spcPct val="90000"/>
-              </a:lnSpc>
-              <a:spcBef>
-                <a:spcPct val="0"/>
-              </a:spcBef>
-              <a:buNone/>
-              <a:defRPr sz="2600" b="1" i="0" kern="1200" baseline="0">
-                <a:solidFill>
-                  <a:srgbClr val="4ACBD6"/>
-                </a:solidFill>
-                <a:latin typeface="Arial"/>
-                <a:ea typeface="+mj-ea"/>
-                <a:cs typeface="Arial"/>
-              </a:defRPr>
-            </a:lvl1pPr>
-          </a:lstStyle>
-          <a:p>
-            <a:r>
-              <a:rPr lang="en-US" altLang="zh-CN" sz="3200" dirty="0" smtClean="0">
-                <a:latin typeface="+mj-ea"/>
-              </a:rPr>
-              <a:t>5.5 </a:t>
-            </a:r>
-            <a:r>
-              <a:rPr lang="zh-CN" altLang="en-US" sz="3200" dirty="0" smtClean="0">
-                <a:latin typeface="+mj-ea"/>
-              </a:rPr>
-              <a:t>问题与解决方案</a:t>
-            </a:r>
-            <a:endParaRPr lang="zh-CN" altLang="en-US" sz="3200" dirty="0">
-              <a:latin typeface="+mj-ea"/>
-            </a:endParaRPr>
-          </a:p>
-        </p:txBody>
-      </p:sp>
-      <p:sp>
-        <p:nvSpPr>
-          <p:cNvPr id="10" name="文本框 9"/>
-          <p:cNvSpPr txBox="1"/>
-          <p:nvPr/>
-        </p:nvSpPr>
-        <p:spPr>
-          <a:xfrm>
-            <a:off x="2404734" y="4847683"/>
-            <a:ext cx="2795916" cy="644022"/>
-          </a:xfrm>
-          <a:prstGeom prst="rect">
-            <a:avLst/>
-          </a:prstGeom>
-          <a:noFill/>
-        </p:spPr>
-        <p:txBody>
-          <a:bodyPr wrap="square" rtlCol="0">
-            <a:spAutoFit/>
-          </a:bodyPr>
-          <a:lstStyle/>
-          <a:p>
-            <a:pPr marL="0" indent="0">
-              <a:lnSpc>
-                <a:spcPct val="120000"/>
-              </a:lnSpc>
-              <a:buFont typeface="Arial"/>
-              <a:buNone/>
-            </a:pPr>
-            <a:r>
-              <a:rPr lang="zh-CN" altLang="en-US" sz="1600" dirty="0" smtClean="0">
-                <a:solidFill>
-                  <a:srgbClr val="4ACBD6"/>
-                </a:solidFill>
-                <a:latin typeface="宋体" panose="02010600030101010101" pitchFamily="2" charset="-122"/>
-                <a:ea typeface="宋体" panose="02010600030101010101" pitchFamily="2" charset="-122"/>
-                <a:cs typeface="Arial"/>
-              </a:rPr>
-              <a:t>此时</a:t>
-            </a:r>
-            <a:r>
-              <a:rPr lang="en-US" altLang="zh-CN" sz="1600" dirty="0" smtClean="0">
-                <a:solidFill>
-                  <a:srgbClr val="4ACBD6"/>
-                </a:solidFill>
-                <a:latin typeface="宋体" panose="02010600030101010101" pitchFamily="2" charset="-122"/>
-                <a:ea typeface="宋体" panose="02010600030101010101" pitchFamily="2" charset="-122"/>
-                <a:cs typeface="Arial"/>
-              </a:rPr>
-              <a:t>data_1</a:t>
-            </a:r>
-            <a:r>
-              <a:rPr lang="zh-CN" altLang="en-US" sz="1600" dirty="0" smtClean="0">
-                <a:solidFill>
-                  <a:srgbClr val="4ACBD6"/>
-                </a:solidFill>
-                <a:latin typeface="宋体" panose="02010600030101010101" pitchFamily="2" charset="-122"/>
-                <a:ea typeface="宋体" panose="02010600030101010101" pitchFamily="2" charset="-122"/>
-                <a:cs typeface="Arial"/>
-              </a:rPr>
-              <a:t>只有一部分内容，不能直接交给</a:t>
-            </a:r>
-            <a:r>
-              <a:rPr lang="en-US" altLang="zh-CN" sz="1600" dirty="0" smtClean="0">
-                <a:solidFill>
-                  <a:srgbClr val="4ACBD6"/>
-                </a:solidFill>
-                <a:latin typeface="宋体" panose="02010600030101010101" pitchFamily="2" charset="-122"/>
-                <a:ea typeface="宋体" panose="02010600030101010101" pitchFamily="2" charset="-122"/>
-                <a:cs typeface="Arial"/>
-              </a:rPr>
-              <a:t>handler</a:t>
-            </a:r>
-            <a:r>
-              <a:rPr lang="zh-CN" altLang="en-US" sz="1600" dirty="0" smtClean="0">
-                <a:solidFill>
-                  <a:srgbClr val="4ACBD6"/>
-                </a:solidFill>
-                <a:latin typeface="宋体" panose="02010600030101010101" pitchFamily="2" charset="-122"/>
-                <a:ea typeface="宋体" panose="02010600030101010101" pitchFamily="2" charset="-122"/>
-                <a:cs typeface="Arial"/>
-              </a:rPr>
-              <a:t>处理</a:t>
-            </a:r>
-            <a:endParaRPr lang="zh-CN" altLang="en-US" sz="1600" dirty="0" smtClean="0">
-              <a:solidFill>
-                <a:srgbClr val="4ACBD6"/>
-              </a:solidFill>
-              <a:latin typeface="宋体" panose="02010600030101010101" pitchFamily="2" charset="-122"/>
-              <a:ea typeface="宋体" panose="02010600030101010101" pitchFamily="2" charset="-122"/>
-              <a:cs typeface="Arial"/>
-            </a:endParaRPr>
-          </a:p>
-        </p:txBody>
-      </p:sp>
-      <p:pic>
-        <p:nvPicPr>
-          <p:cNvPr id="12" name="图片 11"/>
-          <p:cNvPicPr>
-            <a:picLocks noChangeAspect="1"/>
-          </p:cNvPicPr>
-          <p:nvPr/>
-        </p:nvPicPr>
-        <p:blipFill>
-          <a:blip r:embed="rId3"/>
-          <a:stretch>
-            <a:fillRect/>
-          </a:stretch>
-        </p:blipFill>
-        <p:spPr>
-          <a:xfrm>
-            <a:off x="2058500" y="2457450"/>
-            <a:ext cx="5140970" cy="1943100"/>
-          </a:xfrm>
-          <a:prstGeom prst="rect">
-            <a:avLst/>
-          </a:prstGeom>
-        </p:spPr>
-      </p:pic>
-    </p:spTree>
-    <p:extLst>
-      <p:ext uri="{BB962C8B-B14F-4D97-AF65-F5344CB8AC3E}">
-        <p14:creationId xmlns:p14="http://schemas.microsoft.com/office/powerpoint/2010/main" val="274331844"/>
+        <p14:creationId xmlns:p14="http://schemas.microsoft.com/office/powerpoint/2010/main" val="1358254475"/>
       </p:ext>
     </p:extLst>
   </p:cSld>
@@ -13857,67 +13983,7 @@
       </p:grpSpPr>
       <p:sp>
         <p:nvSpPr>
-          <p:cNvPr id="7" name="标题 3"/>
-          <p:cNvSpPr txBox="1">
-            <a:spLocks/>
-          </p:cNvSpPr>
-          <p:nvPr/>
-        </p:nvSpPr>
-        <p:spPr>
-          <a:xfrm>
-            <a:off x="571170" y="677960"/>
-            <a:ext cx="8115630" cy="617440"/>
-          </a:xfrm>
-          <a:prstGeom prst="rect">
-            <a:avLst/>
-          </a:prstGeom>
-          <a:ln>
-            <a:noFill/>
-          </a:ln>
-        </p:spPr>
-        <p:txBody>
-          <a:bodyPr vert="horz"/>
-          <a:lstStyle>
-            <a:lvl1pPr algn="l" defTabSz="457200" rtl="0" eaLnBrk="1" latinLnBrk="0" hangingPunct="1">
-              <a:lnSpc>
-                <a:spcPct val="90000"/>
-              </a:lnSpc>
-              <a:spcBef>
-                <a:spcPct val="0"/>
-              </a:spcBef>
-              <a:buNone/>
-              <a:defRPr sz="2600" b="1" i="0" kern="1200" baseline="0">
-                <a:solidFill>
-                  <a:srgbClr val="4ACBD6"/>
-                </a:solidFill>
-                <a:latin typeface="Arial"/>
-                <a:ea typeface="+mj-ea"/>
-                <a:cs typeface="Arial"/>
-              </a:defRPr>
-            </a:lvl1pPr>
-          </a:lstStyle>
-          <a:p>
-            <a:r>
-              <a:rPr lang="en-US" altLang="zh-CN" sz="3200" dirty="0" smtClean="0">
-                <a:latin typeface="+mj-ea"/>
-              </a:rPr>
-              <a:t>5.5 </a:t>
-            </a:r>
-            <a:r>
-              <a:rPr lang="zh-CN" altLang="en-US" sz="3200" dirty="0" smtClean="0">
-                <a:latin typeface="+mj-ea"/>
-              </a:rPr>
-              <a:t>问题与解决方案</a:t>
-            </a:r>
-            <a:endParaRPr lang="zh-CN" altLang="en-US" sz="3200" dirty="0">
-              <a:latin typeface="+mj-ea"/>
-            </a:endParaRPr>
-          </a:p>
-        </p:txBody>
-      </p:sp>
-      <p:sp>
-        <p:nvSpPr>
-          <p:cNvPr id="8" name="文本占位符 2"/>
+          <p:cNvPr id="2" name="文本占位符 2"/>
           <p:cNvSpPr>
             <a:spLocks noGrp="1"/>
           </p:cNvSpPr>
@@ -13927,315 +13993,196 @@
         </p:nvSpPr>
         <p:spPr>
           <a:xfrm>
-            <a:off x="575999" y="1476000"/>
-            <a:ext cx="4529401" cy="3257925"/>
+            <a:off x="2074863" y="971052"/>
+            <a:ext cx="4697412" cy="4724898"/>
           </a:xfrm>
         </p:spPr>
         <p:txBody>
-          <a:bodyPr>
-            <a:noAutofit/>
-          </a:bodyPr>
+          <a:bodyPr/>
           <a:lstStyle/>
           <a:p>
-            <a:pPr marL="230400" indent="-230400">
-              <a:lnSpc>
-                <a:spcPct val="140000"/>
-              </a:lnSpc>
-              <a:spcAft>
-                <a:spcPts val="600"/>
-              </a:spcAft>
-              <a:buFont typeface="+mj-lt"/>
-              <a:buAutoNum type="arabicPeriod" startAt="2"/>
-            </a:pPr>
-            <a:r>
-              <a:rPr lang="en-US" altLang="zh-CN" sz="2000" dirty="0" err="1">
-                <a:latin typeface="宋体" panose="02010600030101010101" pitchFamily="2" charset="-122"/>
-                <a:ea typeface="宋体" panose="02010600030101010101" pitchFamily="2" charset="-122"/>
-              </a:rPr>
-              <a:t>Netty</a:t>
-            </a:r>
-            <a:r>
-              <a:rPr lang="zh-CN" altLang="en-US" sz="2000" dirty="0">
-                <a:latin typeface="宋体" panose="02010600030101010101" pitchFamily="2" charset="-122"/>
-                <a:ea typeface="宋体" panose="02010600030101010101" pitchFamily="2" charset="-122"/>
-              </a:rPr>
-              <a:t>交给</a:t>
-            </a:r>
-            <a:r>
-              <a:rPr lang="en-US" altLang="zh-CN" sz="2000" dirty="0">
-                <a:latin typeface="宋体" panose="02010600030101010101" pitchFamily="2" charset="-122"/>
-                <a:ea typeface="宋体" panose="02010600030101010101" pitchFamily="2" charset="-122"/>
-              </a:rPr>
-              <a:t>Handler</a:t>
-            </a:r>
-            <a:r>
-              <a:rPr lang="zh-CN" altLang="en-US" sz="2000" dirty="0">
-                <a:latin typeface="宋体" panose="02010600030101010101" pitchFamily="2" charset="-122"/>
-                <a:ea typeface="宋体" panose="02010600030101010101" pitchFamily="2" charset="-122"/>
-              </a:rPr>
-              <a:t>处理的数据不</a:t>
-            </a:r>
-            <a:r>
-              <a:rPr lang="zh-CN" altLang="en-US" sz="2000" dirty="0" smtClean="0">
-                <a:latin typeface="宋体" panose="02010600030101010101" pitchFamily="2" charset="-122"/>
-                <a:ea typeface="宋体" panose="02010600030101010101" pitchFamily="2" charset="-122"/>
-              </a:rPr>
-              <a:t>完整</a:t>
-            </a:r>
-            <a:endParaRPr lang="en-US" altLang="zh-CN" sz="2000" dirty="0" smtClean="0">
-              <a:latin typeface="宋体" panose="02010600030101010101" pitchFamily="2" charset="-122"/>
-              <a:ea typeface="宋体" panose="02010600030101010101" pitchFamily="2" charset="-122"/>
-            </a:endParaRPr>
-          </a:p>
-          <a:p>
-            <a:pPr marL="576000" lvl="1" indent="-360000">
-              <a:lnSpc>
-                <a:spcPct val="140000"/>
-              </a:lnSpc>
-              <a:spcAft>
-                <a:spcPts val="600"/>
-              </a:spcAft>
-              <a:buFont typeface="Wingdings" panose="05000000000000000000" pitchFamily="2" charset="2"/>
-              <a:buChar char="l"/>
-            </a:pPr>
-            <a:r>
-              <a:rPr lang="zh-CN" altLang="en-US" sz="1800" dirty="0" smtClean="0">
-                <a:latin typeface="宋体" panose="02010600030101010101" pitchFamily="2" charset="-122"/>
-                <a:ea typeface="宋体" panose="02010600030101010101" pitchFamily="2" charset="-122"/>
-              </a:rPr>
-              <a:t>每个连接都有一个</a:t>
-            </a:r>
-            <a:r>
-              <a:rPr lang="en-US" altLang="zh-CN" sz="1800" dirty="0" smtClean="0">
-                <a:latin typeface="宋体" panose="02010600030101010101" pitchFamily="2" charset="-122"/>
-                <a:ea typeface="宋体" panose="02010600030101010101" pitchFamily="2" charset="-122"/>
-              </a:rPr>
-              <a:t>decoder</a:t>
-            </a:r>
-            <a:r>
-              <a:rPr lang="zh-CN" altLang="en-US" sz="1800" dirty="0" smtClean="0">
-                <a:latin typeface="宋体" panose="02010600030101010101" pitchFamily="2" charset="-122"/>
-                <a:ea typeface="宋体" panose="02010600030101010101" pitchFamily="2" charset="-122"/>
-              </a:rPr>
-              <a:t>实例，</a:t>
-            </a:r>
-            <a:r>
-              <a:rPr lang="en-US" altLang="zh-CN" sz="1800" dirty="0" smtClean="0">
-                <a:latin typeface="宋体" panose="02010600030101010101" pitchFamily="2" charset="-122"/>
-                <a:ea typeface="宋体" panose="02010600030101010101" pitchFamily="2" charset="-122"/>
-              </a:rPr>
-              <a:t>decoder</a:t>
-            </a:r>
-            <a:r>
-              <a:rPr lang="zh-CN" altLang="en-US" sz="1800" dirty="0" smtClean="0">
-                <a:latin typeface="宋体" panose="02010600030101010101" pitchFamily="2" charset="-122"/>
-                <a:ea typeface="宋体" panose="02010600030101010101" pitchFamily="2" charset="-122"/>
-              </a:rPr>
-              <a:t>初始化</a:t>
-            </a:r>
-            <a:r>
-              <a:rPr lang="en-US" altLang="zh-CN" sz="1800" dirty="0" err="1" smtClean="0">
-                <a:latin typeface="宋体" panose="02010600030101010101" pitchFamily="2" charset="-122"/>
-                <a:ea typeface="宋体" panose="02010600030101010101" pitchFamily="2" charset="-122"/>
-              </a:rPr>
-              <a:t>len</a:t>
-            </a:r>
-            <a:r>
-              <a:rPr lang="en-US" altLang="zh-CN" sz="1800" dirty="0" smtClean="0">
-                <a:latin typeface="宋体" panose="02010600030101010101" pitchFamily="2" charset="-122"/>
-                <a:ea typeface="宋体" panose="02010600030101010101" pitchFamily="2" charset="-122"/>
-              </a:rPr>
-              <a:t>=4</a:t>
-            </a:r>
-            <a:r>
-              <a:rPr lang="zh-CN" altLang="en-US" sz="1800" dirty="0" smtClean="0">
-                <a:latin typeface="宋体" panose="02010600030101010101" pitchFamily="2" charset="-122"/>
-                <a:ea typeface="宋体" panose="02010600030101010101" pitchFamily="2" charset="-122"/>
-              </a:rPr>
-              <a:t>，</a:t>
-            </a:r>
-            <a:r>
-              <a:rPr lang="en-US" altLang="zh-CN" sz="1800" dirty="0" err="1" smtClean="0">
-                <a:latin typeface="宋体" panose="02010600030101010101" pitchFamily="2" charset="-122"/>
-                <a:ea typeface="宋体" panose="02010600030101010101" pitchFamily="2" charset="-122"/>
-              </a:rPr>
-              <a:t>isMsg</a:t>
-            </a:r>
-            <a:r>
-              <a:rPr lang="en-US" altLang="zh-CN" sz="1800" dirty="0" smtClean="0">
-                <a:latin typeface="宋体" panose="02010600030101010101" pitchFamily="2" charset="-122"/>
-                <a:ea typeface="宋体" panose="02010600030101010101" pitchFamily="2" charset="-122"/>
-              </a:rPr>
-              <a:t>=false</a:t>
-            </a:r>
-          </a:p>
-          <a:p>
-            <a:pPr marL="576000" lvl="1" indent="-360000">
-              <a:lnSpc>
-                <a:spcPct val="140000"/>
-              </a:lnSpc>
-              <a:spcAft>
-                <a:spcPts val="600"/>
-              </a:spcAft>
-              <a:buFont typeface="Wingdings" panose="05000000000000000000" pitchFamily="2" charset="2"/>
-              <a:buChar char="l"/>
-            </a:pPr>
-            <a:r>
-              <a:rPr lang="zh-CN" altLang="en-US" sz="1800" dirty="0" smtClean="0">
-                <a:latin typeface="宋体" panose="02010600030101010101" pitchFamily="2" charset="-122"/>
-                <a:ea typeface="宋体" panose="02010600030101010101" pitchFamily="2" charset="-122"/>
-              </a:rPr>
-              <a:t>输出列表中的元素会顺序地交给</a:t>
-            </a:r>
-            <a:r>
-              <a:rPr lang="en-US" altLang="zh-CN" sz="1800" dirty="0" smtClean="0">
-                <a:latin typeface="宋体" panose="02010600030101010101" pitchFamily="2" charset="-122"/>
-                <a:ea typeface="宋体" panose="02010600030101010101" pitchFamily="2" charset="-122"/>
-              </a:rPr>
-              <a:t>handle</a:t>
-            </a:r>
-            <a:r>
-              <a:rPr lang="zh-CN" altLang="en-US" sz="1800" dirty="0" smtClean="0">
-                <a:latin typeface="宋体" panose="02010600030101010101" pitchFamily="2" charset="-122"/>
-                <a:ea typeface="宋体" panose="02010600030101010101" pitchFamily="2" charset="-122"/>
-              </a:rPr>
-              <a:t>处理</a:t>
-            </a:r>
-            <a:endParaRPr lang="en-US" altLang="zh-CN" sz="1800" dirty="0" smtClean="0">
-              <a:latin typeface="宋体" panose="02010600030101010101" pitchFamily="2" charset="-122"/>
-              <a:ea typeface="宋体" panose="02010600030101010101" pitchFamily="2" charset="-122"/>
-            </a:endParaRPr>
-          </a:p>
-          <a:p>
-            <a:pPr marL="576000" lvl="1" indent="-360000">
-              <a:lnSpc>
-                <a:spcPct val="140000"/>
-              </a:lnSpc>
-              <a:spcAft>
-                <a:spcPts val="600"/>
-              </a:spcAft>
-              <a:buFont typeface="Wingdings" panose="05000000000000000000" pitchFamily="2" charset="2"/>
-              <a:buChar char="l"/>
-            </a:pPr>
-            <a:r>
-              <a:rPr lang="zh-CN" altLang="en-US" sz="1800" dirty="0" smtClean="0">
-                <a:latin typeface="宋体" panose="02010600030101010101" pitchFamily="2" charset="-122"/>
-                <a:ea typeface="宋体" panose="02010600030101010101" pitchFamily="2" charset="-122"/>
-              </a:rPr>
-              <a:t>未被读完的数据会在下次收到报文后一起再</a:t>
-            </a:r>
-            <a:r>
-              <a:rPr lang="zh-CN" altLang="en-US" sz="1800" dirty="0">
-                <a:latin typeface="宋体" panose="02010600030101010101" pitchFamily="2" charset="-122"/>
-                <a:ea typeface="宋体" panose="02010600030101010101" pitchFamily="2" charset="-122"/>
-              </a:rPr>
-              <a:t>次</a:t>
-            </a:r>
-            <a:r>
-              <a:rPr lang="zh-CN" altLang="en-US" sz="1800" dirty="0" smtClean="0">
-                <a:latin typeface="宋体" panose="02010600030101010101" pitchFamily="2" charset="-122"/>
-                <a:ea typeface="宋体" panose="02010600030101010101" pitchFamily="2" charset="-122"/>
-              </a:rPr>
-              <a:t>交给</a:t>
-            </a:r>
-            <a:r>
-              <a:rPr lang="en-US" altLang="zh-CN" sz="1800" dirty="0" smtClean="0">
-                <a:latin typeface="宋体" panose="02010600030101010101" pitchFamily="2" charset="-122"/>
-                <a:ea typeface="宋体" panose="02010600030101010101" pitchFamily="2" charset="-122"/>
-              </a:rPr>
-              <a:t>decoder</a:t>
-            </a:r>
-            <a:r>
-              <a:rPr lang="zh-CN" altLang="en-US" sz="1800" dirty="0" smtClean="0">
-                <a:latin typeface="宋体" panose="02010600030101010101" pitchFamily="2" charset="-122"/>
-                <a:ea typeface="宋体" panose="02010600030101010101" pitchFamily="2" charset="-122"/>
-              </a:rPr>
-              <a:t>处理</a:t>
-            </a:r>
-          </a:p>
-        </p:txBody>
-      </p:sp>
-      <p:pic>
-        <p:nvPicPr>
-          <p:cNvPr id="5" name="图片 4"/>
-          <p:cNvPicPr>
-            <a:picLocks noChangeAspect="1"/>
-          </p:cNvPicPr>
-          <p:nvPr/>
-        </p:nvPicPr>
-        <p:blipFill>
-          <a:blip r:embed="rId3"/>
-          <a:stretch>
-            <a:fillRect/>
-          </a:stretch>
-        </p:blipFill>
-        <p:spPr>
-          <a:xfrm>
-            <a:off x="5105400" y="986680"/>
-            <a:ext cx="3354868" cy="4984750"/>
-          </a:xfrm>
-          <a:prstGeom prst="rect">
-            <a:avLst/>
-          </a:prstGeom>
-        </p:spPr>
-      </p:pic>
-      <p:sp>
-        <p:nvSpPr>
-          <p:cNvPr id="11" name="文本框 10"/>
-          <p:cNvSpPr txBox="1"/>
-          <p:nvPr/>
-        </p:nvSpPr>
-        <p:spPr>
-          <a:xfrm>
-            <a:off x="5907568" y="5980210"/>
-            <a:ext cx="2552700" cy="350865"/>
-          </a:xfrm>
-          <a:prstGeom prst="rect">
-            <a:avLst/>
-          </a:prstGeom>
-          <a:noFill/>
-        </p:spPr>
-        <p:txBody>
-          <a:bodyPr wrap="square" rtlCol="0">
-            <a:spAutoFit/>
-          </a:bodyPr>
-          <a:lstStyle/>
-          <a:p>
-            <a:pPr marL="0" indent="0">
-              <a:lnSpc>
-                <a:spcPct val="120000"/>
-              </a:lnSpc>
-              <a:buFont typeface="Arial"/>
-              <a:buNone/>
-            </a:pPr>
-            <a:r>
-              <a:rPr lang="en-US" altLang="zh-CN" sz="1600" dirty="0" smtClean="0">
+            <a:r>
+              <a:rPr lang="zh-CN" altLang="en-US" sz="3200" b="1" dirty="0" smtClean="0">
                 <a:solidFill>
                   <a:srgbClr val="4ACBD6"/>
                 </a:solidFill>
-                <a:latin typeface="宋体" panose="02010600030101010101" pitchFamily="2" charset="-122"/>
-                <a:ea typeface="宋体" panose="02010600030101010101" pitchFamily="2" charset="-122"/>
+                <a:latin typeface="+mj-ea"/>
+                <a:ea typeface="+mj-ea"/>
                 <a:cs typeface="Arial"/>
               </a:rPr>
-              <a:t>Manage</a:t>
-            </a:r>
-            <a:r>
-              <a:rPr lang="zh-CN" altLang="en-US" sz="1600" dirty="0" smtClean="0">
+              <a:t> 需求分析</a:t>
+            </a:r>
+            <a:endParaRPr lang="en-US" altLang="zh-CN" sz="3200" b="1" dirty="0" smtClean="0">
+              <a:solidFill>
+                <a:srgbClr val="4ACBD6"/>
+              </a:solidFill>
+              <a:latin typeface="+mj-ea"/>
+              <a:ea typeface="+mj-ea"/>
+              <a:cs typeface="Arial"/>
+            </a:endParaRPr>
+          </a:p>
+          <a:p>
+            <a:r>
+              <a:rPr lang="zh-CN" altLang="en-US" sz="3200" b="1" dirty="0" smtClean="0">
                 <a:solidFill>
                   <a:srgbClr val="4ACBD6"/>
                 </a:solidFill>
-                <a:latin typeface="宋体" panose="02010600030101010101" pitchFamily="2" charset="-122"/>
-                <a:ea typeface="宋体" panose="02010600030101010101" pitchFamily="2" charset="-122"/>
+                <a:latin typeface="+mj-ea"/>
+                <a:ea typeface="+mj-ea"/>
                 <a:cs typeface="Arial"/>
               </a:rPr>
-              <a:t>解码器的流程图</a:t>
-            </a:r>
-            <a:endParaRPr lang="zh-CN" altLang="en-US" sz="1600" dirty="0" smtClean="0">
+              <a:t> 协议原理</a:t>
+            </a:r>
+            <a:endParaRPr lang="en-US" altLang="zh-CN" sz="3200" b="1" dirty="0" smtClean="0">
               <a:solidFill>
                 <a:srgbClr val="4ACBD6"/>
               </a:solidFill>
-              <a:latin typeface="宋体" panose="02010600030101010101" pitchFamily="2" charset="-122"/>
-              <a:ea typeface="宋体" panose="02010600030101010101" pitchFamily="2" charset="-122"/>
+              <a:latin typeface="+mj-ea"/>
+              <a:ea typeface="+mj-ea"/>
+              <a:cs typeface="Arial"/>
+            </a:endParaRPr>
+          </a:p>
+          <a:p>
+            <a:r>
+              <a:rPr lang="zh-CN" altLang="en-US" sz="3200" b="1" dirty="0" smtClean="0">
+                <a:solidFill>
+                  <a:srgbClr val="4ACBD6"/>
+                </a:solidFill>
+                <a:latin typeface="+mj-ea"/>
+                <a:ea typeface="+mj-ea"/>
+                <a:cs typeface="Arial"/>
+              </a:rPr>
+              <a:t> 数据库设计</a:t>
+            </a:r>
+            <a:endParaRPr lang="en-US" altLang="zh-CN" sz="3200" b="1" dirty="0" smtClean="0">
+              <a:solidFill>
+                <a:srgbClr val="4ACBD6"/>
+              </a:solidFill>
+              <a:latin typeface="+mj-ea"/>
+              <a:ea typeface="+mj-ea"/>
+              <a:cs typeface="Arial"/>
+            </a:endParaRPr>
+          </a:p>
+          <a:p>
+            <a:r>
+              <a:rPr lang="zh-CN" altLang="en-US" sz="3200" b="1" dirty="0" smtClean="0">
+                <a:solidFill>
+                  <a:srgbClr val="4ACBD6"/>
+                </a:solidFill>
+                <a:latin typeface="+mj-ea"/>
+                <a:ea typeface="+mj-ea"/>
+                <a:cs typeface="Arial"/>
+              </a:rPr>
+              <a:t> 软件架构与模块结构</a:t>
+            </a:r>
+            <a:endParaRPr lang="en-US" altLang="zh-CN" sz="3200" b="1" dirty="0" smtClean="0">
+              <a:solidFill>
+                <a:srgbClr val="4ACBD6"/>
+              </a:solidFill>
+              <a:latin typeface="+mj-ea"/>
+              <a:ea typeface="+mj-ea"/>
+              <a:cs typeface="Arial"/>
+            </a:endParaRPr>
+          </a:p>
+          <a:p>
+            <a:r>
+              <a:rPr lang="zh-CN" altLang="en-US" sz="3200" b="1" dirty="0" smtClean="0">
+                <a:solidFill>
+                  <a:srgbClr val="4ACBD6"/>
+                </a:solidFill>
+                <a:latin typeface="+mj-ea"/>
+                <a:ea typeface="+mj-ea"/>
+                <a:cs typeface="Arial"/>
+              </a:rPr>
+              <a:t> 详细实现</a:t>
+            </a:r>
+            <a:endParaRPr lang="en-US" altLang="zh-CN" sz="3200" b="1" dirty="0" smtClean="0">
+              <a:solidFill>
+                <a:srgbClr val="4ACBD6"/>
+              </a:solidFill>
+              <a:latin typeface="+mj-ea"/>
+              <a:ea typeface="+mj-ea"/>
+              <a:cs typeface="Arial"/>
+            </a:endParaRPr>
+          </a:p>
+          <a:p>
+            <a:r>
+              <a:rPr lang="zh-CN" altLang="en-US" sz="3200" b="1" dirty="0" smtClean="0">
+                <a:solidFill>
+                  <a:srgbClr val="FFCC08"/>
+                </a:solidFill>
+                <a:latin typeface="+mj-ea"/>
+                <a:ea typeface="+mj-ea"/>
+                <a:cs typeface="Arial"/>
+              </a:rPr>
+              <a:t> 测试</a:t>
+            </a:r>
+            <a:endParaRPr lang="en-US" altLang="zh-CN" sz="3200" b="1" dirty="0" smtClean="0">
+              <a:solidFill>
+                <a:srgbClr val="FFCC08"/>
+              </a:solidFill>
+              <a:latin typeface="+mj-ea"/>
+              <a:ea typeface="+mj-ea"/>
+              <a:cs typeface="Arial"/>
+            </a:endParaRPr>
+          </a:p>
+          <a:p>
+            <a:r>
+              <a:rPr lang="zh-CN" altLang="en-US" sz="3200" b="1" dirty="0" smtClean="0">
+                <a:solidFill>
+                  <a:srgbClr val="4ACBD6"/>
+                </a:solidFill>
+                <a:latin typeface="+mj-ea"/>
+                <a:ea typeface="+mj-ea"/>
+                <a:cs typeface="Arial"/>
+              </a:rPr>
+              <a:t> 感想</a:t>
+            </a:r>
+            <a:endParaRPr lang="en-US" altLang="zh-CN" sz="3200" b="1" dirty="0" smtClean="0">
+              <a:solidFill>
+                <a:srgbClr val="4ACBD6"/>
+              </a:solidFill>
+              <a:latin typeface="+mj-ea"/>
+              <a:ea typeface="+mj-ea"/>
+              <a:cs typeface="Arial"/>
+            </a:endParaRPr>
+          </a:p>
+          <a:p>
+            <a:pPr marL="0" indent="0">
+              <a:buNone/>
+            </a:pPr>
+            <a:endParaRPr lang="en-US" altLang="zh-CN" sz="2600" b="1" dirty="0" smtClean="0">
+              <a:solidFill>
+                <a:srgbClr val="4ACBD6"/>
+              </a:solidFill>
+              <a:latin typeface="Arial"/>
+              <a:cs typeface="Arial"/>
+            </a:endParaRPr>
+          </a:p>
+          <a:p>
+            <a:endParaRPr lang="en-US" altLang="zh-CN" sz="2600" b="1" dirty="0" smtClean="0">
+              <a:solidFill>
+                <a:srgbClr val="4ACBD6"/>
+              </a:solidFill>
+              <a:latin typeface="Arial"/>
+              <a:cs typeface="Arial"/>
+            </a:endParaRPr>
+          </a:p>
+          <a:p>
+            <a:endParaRPr lang="en-US" altLang="zh-CN" sz="2600" b="1" dirty="0" smtClean="0">
+              <a:solidFill>
+                <a:srgbClr val="4ACBD6"/>
+              </a:solidFill>
+              <a:latin typeface="Arial"/>
+              <a:cs typeface="Arial"/>
+            </a:endParaRPr>
+          </a:p>
+          <a:p>
+            <a:endParaRPr lang="zh-CN" altLang="en-US" sz="2600" b="1" dirty="0">
+              <a:solidFill>
+                <a:srgbClr val="4ACBD6"/>
+              </a:solidFill>
+              <a:latin typeface="Arial"/>
               <a:cs typeface="Arial"/>
             </a:endParaRPr>
           </a:p>
@@ -14244,7 +14191,7 @@
     </p:spTree>
     <p:extLst>
       <p:ext uri="{BB962C8B-B14F-4D97-AF65-F5344CB8AC3E}">
-        <p14:creationId xmlns:p14="http://schemas.microsoft.com/office/powerpoint/2010/main" val="1358254475"/>
+        <p14:creationId xmlns:p14="http://schemas.microsoft.com/office/powerpoint/2010/main" val="203073548"/>
       </p:ext>
     </p:extLst>
   </p:cSld>
@@ -14283,378 +14230,6 @@
       </p:grpSpPr>
       <p:sp>
         <p:nvSpPr>
-          <p:cNvPr id="2" name="文本占位符 2"/>
-          <p:cNvSpPr>
-            <a:spLocks noGrp="1"/>
-          </p:cNvSpPr>
-          <p:nvPr>
-            <p:ph type="body" sz="quarter" idx="13"/>
-          </p:nvPr>
-        </p:nvSpPr>
-        <p:spPr>
-          <a:xfrm>
-            <a:off x="2074863" y="971052"/>
-            <a:ext cx="4697412" cy="4724898"/>
-          </a:xfrm>
-        </p:spPr>
-        <p:txBody>
-          <a:bodyPr/>
-          <a:lstStyle/>
-          <a:p>
-            <a:r>
-              <a:rPr lang="zh-CN" altLang="en-US" sz="3200" b="1" dirty="0" smtClean="0">
-                <a:solidFill>
-                  <a:srgbClr val="4ACBD6"/>
-                </a:solidFill>
-                <a:latin typeface="+mj-ea"/>
-                <a:ea typeface="+mj-ea"/>
-                <a:cs typeface="Arial"/>
-              </a:rPr>
-              <a:t> 需求分析</a:t>
-            </a:r>
-            <a:endParaRPr lang="en-US" altLang="zh-CN" sz="3200" b="1" dirty="0" smtClean="0">
-              <a:solidFill>
-                <a:srgbClr val="4ACBD6"/>
-              </a:solidFill>
-              <a:latin typeface="+mj-ea"/>
-              <a:ea typeface="+mj-ea"/>
-              <a:cs typeface="Arial"/>
-            </a:endParaRPr>
-          </a:p>
-          <a:p>
-            <a:r>
-              <a:rPr lang="zh-CN" altLang="en-US" sz="3200" b="1" dirty="0" smtClean="0">
-                <a:solidFill>
-                  <a:srgbClr val="4ACBD6"/>
-                </a:solidFill>
-                <a:latin typeface="+mj-ea"/>
-                <a:ea typeface="+mj-ea"/>
-                <a:cs typeface="Arial"/>
-              </a:rPr>
-              <a:t> 协议原理</a:t>
-            </a:r>
-            <a:endParaRPr lang="en-US" altLang="zh-CN" sz="3200" b="1" dirty="0" smtClean="0">
-              <a:solidFill>
-                <a:srgbClr val="4ACBD6"/>
-              </a:solidFill>
-              <a:latin typeface="+mj-ea"/>
-              <a:ea typeface="+mj-ea"/>
-              <a:cs typeface="Arial"/>
-            </a:endParaRPr>
-          </a:p>
-          <a:p>
-            <a:r>
-              <a:rPr lang="zh-CN" altLang="en-US" sz="3200" b="1" dirty="0" smtClean="0">
-                <a:solidFill>
-                  <a:srgbClr val="4ACBD6"/>
-                </a:solidFill>
-                <a:latin typeface="+mj-ea"/>
-                <a:ea typeface="+mj-ea"/>
-                <a:cs typeface="Arial"/>
-              </a:rPr>
-              <a:t> 数据库设计</a:t>
-            </a:r>
-            <a:endParaRPr lang="en-US" altLang="zh-CN" sz="3200" b="1" dirty="0" smtClean="0">
-              <a:solidFill>
-                <a:srgbClr val="4ACBD6"/>
-              </a:solidFill>
-              <a:latin typeface="+mj-ea"/>
-              <a:ea typeface="+mj-ea"/>
-              <a:cs typeface="Arial"/>
-            </a:endParaRPr>
-          </a:p>
-          <a:p>
-            <a:r>
-              <a:rPr lang="zh-CN" altLang="en-US" sz="3200" b="1" dirty="0" smtClean="0">
-                <a:solidFill>
-                  <a:srgbClr val="4ACBD6"/>
-                </a:solidFill>
-                <a:latin typeface="+mj-ea"/>
-                <a:ea typeface="+mj-ea"/>
-                <a:cs typeface="Arial"/>
-              </a:rPr>
-              <a:t> 软件架构与模块结构</a:t>
-            </a:r>
-            <a:endParaRPr lang="en-US" altLang="zh-CN" sz="3200" b="1" dirty="0" smtClean="0">
-              <a:solidFill>
-                <a:srgbClr val="4ACBD6"/>
-              </a:solidFill>
-              <a:latin typeface="+mj-ea"/>
-              <a:ea typeface="+mj-ea"/>
-              <a:cs typeface="Arial"/>
-            </a:endParaRPr>
-          </a:p>
-          <a:p>
-            <a:r>
-              <a:rPr lang="zh-CN" altLang="en-US" sz="3200" b="1" dirty="0" smtClean="0">
-                <a:solidFill>
-                  <a:srgbClr val="4ACBD6"/>
-                </a:solidFill>
-                <a:latin typeface="+mj-ea"/>
-                <a:ea typeface="+mj-ea"/>
-                <a:cs typeface="Arial"/>
-              </a:rPr>
-              <a:t> 详细实现</a:t>
-            </a:r>
-            <a:endParaRPr lang="en-US" altLang="zh-CN" sz="3200" b="1" dirty="0" smtClean="0">
-              <a:solidFill>
-                <a:srgbClr val="4ACBD6"/>
-              </a:solidFill>
-              <a:latin typeface="+mj-ea"/>
-              <a:ea typeface="+mj-ea"/>
-              <a:cs typeface="Arial"/>
-            </a:endParaRPr>
-          </a:p>
-          <a:p>
-            <a:r>
-              <a:rPr lang="zh-CN" altLang="en-US" sz="3200" b="1" dirty="0" smtClean="0">
-                <a:solidFill>
-                  <a:srgbClr val="4ACBD6"/>
-                </a:solidFill>
-                <a:latin typeface="+mj-ea"/>
-                <a:ea typeface="+mj-ea"/>
-                <a:cs typeface="Arial"/>
-              </a:rPr>
-              <a:t> 测试</a:t>
-            </a:r>
-            <a:endParaRPr lang="en-US" altLang="zh-CN" sz="3200" b="1" dirty="0" smtClean="0">
-              <a:solidFill>
-                <a:srgbClr val="4ACBD6"/>
-              </a:solidFill>
-              <a:latin typeface="+mj-ea"/>
-              <a:ea typeface="+mj-ea"/>
-              <a:cs typeface="Arial"/>
-            </a:endParaRPr>
-          </a:p>
-          <a:p>
-            <a:r>
-              <a:rPr lang="zh-CN" altLang="en-US" sz="3200" b="1" dirty="0" smtClean="0">
-                <a:solidFill>
-                  <a:srgbClr val="4ACBD6"/>
-                </a:solidFill>
-                <a:latin typeface="+mj-ea"/>
-                <a:ea typeface="+mj-ea"/>
-                <a:cs typeface="Arial"/>
-              </a:rPr>
-              <a:t> 感想</a:t>
-            </a:r>
-            <a:endParaRPr lang="en-US" altLang="zh-CN" sz="3200" b="1" dirty="0" smtClean="0">
-              <a:solidFill>
-                <a:srgbClr val="4ACBD6"/>
-              </a:solidFill>
-              <a:latin typeface="+mj-ea"/>
-              <a:ea typeface="+mj-ea"/>
-              <a:cs typeface="Arial"/>
-            </a:endParaRPr>
-          </a:p>
-          <a:p>
-            <a:pPr marL="0" indent="0">
-              <a:buNone/>
-            </a:pPr>
-            <a:endParaRPr lang="en-US" altLang="zh-CN" sz="2600" b="1" dirty="0" smtClean="0">
-              <a:solidFill>
-                <a:srgbClr val="4ACBD6"/>
-              </a:solidFill>
-              <a:latin typeface="Arial"/>
-              <a:cs typeface="Arial"/>
-            </a:endParaRPr>
-          </a:p>
-          <a:p>
-            <a:endParaRPr lang="en-US" altLang="zh-CN" sz="2600" b="1" dirty="0" smtClean="0">
-              <a:solidFill>
-                <a:srgbClr val="4ACBD6"/>
-              </a:solidFill>
-              <a:latin typeface="Arial"/>
-              <a:cs typeface="Arial"/>
-            </a:endParaRPr>
-          </a:p>
-          <a:p>
-            <a:endParaRPr lang="en-US" altLang="zh-CN" sz="2600" b="1" dirty="0" smtClean="0">
-              <a:solidFill>
-                <a:srgbClr val="4ACBD6"/>
-              </a:solidFill>
-              <a:latin typeface="Arial"/>
-              <a:cs typeface="Arial"/>
-            </a:endParaRPr>
-          </a:p>
-          <a:p>
-            <a:endParaRPr lang="zh-CN" altLang="en-US" sz="2600" b="1" dirty="0">
-              <a:solidFill>
-                <a:srgbClr val="4ACBD6"/>
-              </a:solidFill>
-              <a:latin typeface="Arial"/>
-              <a:cs typeface="Arial"/>
-            </a:endParaRPr>
-          </a:p>
-        </p:txBody>
-      </p:sp>
-    </p:spTree>
-    <p:extLst>
-      <p:ext uri="{BB962C8B-B14F-4D97-AF65-F5344CB8AC3E}">
-        <p14:creationId xmlns:p14="http://schemas.microsoft.com/office/powerpoint/2010/main" val="203073548"/>
-      </p:ext>
-    </p:extLst>
-  </p:cSld>
-  <p:clrMapOvr>
-    <a:masterClrMapping/>
-  </p:clrMapOvr>
-  <p:transition spd="slow">
-    <p:push dir="u"/>
-  </p:transition>
-  <p:timing>
-    <p:tnLst>
-      <p:par>
-        <p:cTn id="1" dur="indefinite" restart="never" nodeType="tmRoot">
-          <p:childTnLst>
-            <p:seq concurrent="1" nextAc="seek">
-              <p:cTn id="2" dur="indefinite" nodeType="mainSeq">
-                <p:childTnLst>
-                  <p:par>
-                    <p:cTn id="3" fill="hold">
-                      <p:stCondLst>
-                        <p:cond delay="indefinite"/>
-                        <p:cond evt="onBegin" delay="0">
-                          <p:tn val="2"/>
-                        </p:cond>
-                      </p:stCondLst>
-                      <p:childTnLst>
-                        <p:par>
-                          <p:cTn id="4" fill="hold">
-                            <p:stCondLst>
-                              <p:cond delay="0"/>
-                            </p:stCondLst>
-                            <p:childTnLst>
-                              <p:par>
-                                <p:cTn id="5" presetID="19" presetClass="emph" presetSubtype="0" fill="hold" nodeType="withEffect">
-                                  <p:stCondLst>
-                                    <p:cond delay="0"/>
-                                  </p:stCondLst>
-                                  <p:childTnLst>
-                                    <p:animClr clrSpc="rgb" dir="cw">
-                                      <p:cBhvr override="childStyle">
-                                        <p:cTn id="6" dur="500" fill="hold"/>
-                                        <p:tgtEl>
-                                          <p:spTgt spid="2">
-                                            <p:txEl>
-                                              <p:pRg st="5" end="5"/>
-                                            </p:txEl>
-                                          </p:spTgt>
-                                        </p:tgtEl>
-                                        <p:attrNameLst>
-                                          <p:attrName>style.color</p:attrName>
-                                        </p:attrNameLst>
-                                      </p:cBhvr>
-                                      <p:to>
-                                        <a:srgbClr val="FFCC08"/>
-                                      </p:to>
-                                    </p:animClr>
-                                    <p:animClr clrSpc="rgb" dir="cw">
-                                      <p:cBhvr>
-                                        <p:cTn id="7" dur="500" fill="hold"/>
-                                        <p:tgtEl>
-                                          <p:spTgt spid="2">
-                                            <p:txEl>
-                                              <p:pRg st="5" end="5"/>
-                                            </p:txEl>
-                                          </p:spTgt>
-                                        </p:tgtEl>
-                                        <p:attrNameLst>
-                                          <p:attrName>fillcolor</p:attrName>
-                                        </p:attrNameLst>
-                                      </p:cBhvr>
-                                      <p:to>
-                                        <a:srgbClr val="FFCC08"/>
-                                      </p:to>
-                                    </p:animClr>
-                                    <p:set>
-                                      <p:cBhvr>
-                                        <p:cTn id="8" dur="500" fill="hold"/>
-                                        <p:tgtEl>
-                                          <p:spTgt spid="2">
-                                            <p:txEl>
-                                              <p:pRg st="5" end="5"/>
-                                            </p:txEl>
-                                          </p:spTgt>
-                                        </p:tgtEl>
-                                        <p:attrNameLst>
-                                          <p:attrName>fill.type</p:attrName>
-                                        </p:attrNameLst>
-                                      </p:cBhvr>
-                                      <p:to>
-                                        <p:strVal val="solid"/>
-                                      </p:to>
-                                    </p:set>
-                                    <p:set>
-                                      <p:cBhvr>
-                                        <p:cTn id="9" dur="500" fill="hold"/>
-                                        <p:tgtEl>
-                                          <p:spTgt spid="2">
-                                            <p:txEl>
-                                              <p:pRg st="5" end="5"/>
-                                            </p:txEl>
-                                          </p:spTgt>
-                                        </p:tgtEl>
-                                        <p:attrNameLst>
-                                          <p:attrName>fill.on</p:attrName>
-                                        </p:attrNameLst>
-                                      </p:cBhvr>
-                                      <p:to>
-                                        <p:strVal val="true"/>
-                                      </p:to>
-                                    </p:set>
-                                  </p:childTnLst>
-                                </p:cTn>
-                              </p:par>
-                            </p:childTnLst>
-                          </p:cTn>
-                        </p:par>
-                      </p:childTnLst>
-                    </p:cTn>
-                  </p:par>
-                </p:childTnLst>
-              </p:cTn>
-              <p:prevCondLst>
-                <p:cond evt="onPrev" delay="0">
-                  <p:tgtEl>
-                    <p:sldTgt/>
-                  </p:tgtEl>
-                </p:cond>
-              </p:prevCondLst>
-              <p:nextCondLst>
-                <p:cond evt="onNext" delay="0">
-                  <p:tgtEl>
-                    <p:sldTgt/>
-                  </p:tgtEl>
-                </p:cond>
-              </p:nextCondLst>
-            </p:seq>
-          </p:childTnLst>
-        </p:cTn>
-      </p:par>
-    </p:tnLst>
-  </p:timing>
-</p:sld>
-</file>
-
-<file path=ppt/slides/slide27.xml><?xml version="1.0" encoding="utf-8"?>
-<p:sld xmlns:a="http://schemas.openxmlformats.org/drawingml/2006/main" xmlns:r="http://schemas.openxmlformats.org/officeDocument/2006/relationships" xmlns:p="http://schemas.openxmlformats.org/presentationml/2006/main">
-  <p:cSld>
-    <p:spTree>
-      <p:nvGrpSpPr>
-        <p:cNvPr id="1" name=""/>
-        <p:cNvGrpSpPr/>
-        <p:nvPr/>
-      </p:nvGrpSpPr>
-      <p:grpSpPr>
-        <a:xfrm>
-          <a:off x="0" y="0"/>
-          <a:ext cx="0" cy="0"/>
-          <a:chOff x="0" y="0"/>
-          <a:chExt cx="0" cy="0"/>
-        </a:xfrm>
-      </p:grpSpPr>
-      <p:sp>
-        <p:nvSpPr>
           <p:cNvPr id="3" name="文本占位符 2"/>
           <p:cNvSpPr>
             <a:spLocks noGrp="1"/>
@@ -14701,14 +14276,7 @@
                 <a:latin typeface="宋体" panose="02010600030101010101" pitchFamily="2" charset="-122"/>
                 <a:ea typeface="宋体" panose="02010600030101010101" pitchFamily="2" charset="-122"/>
               </a:rPr>
-              <a:t>测试</a:t>
-            </a:r>
-            <a:r>
-              <a:rPr lang="zh-CN" altLang="en-US" sz="2000" dirty="0" smtClean="0">
-                <a:latin typeface="宋体" panose="02010600030101010101" pitchFamily="2" charset="-122"/>
-                <a:ea typeface="宋体" panose="02010600030101010101" pitchFamily="2" charset="-122"/>
-              </a:rPr>
-              <a:t>项：</a:t>
+              <a:t>测试项：</a:t>
             </a:r>
             <a:endParaRPr lang="en-US" altLang="zh-CN" sz="1800" dirty="0" smtClean="0">
               <a:latin typeface="宋体" panose="02010600030101010101" pitchFamily="2" charset="-122"/>
@@ -14969,18 +14537,12 @@
             <a:p>
               <a:r>
                 <a:rPr lang="zh-CN" altLang="en-US" sz="2000" dirty="0" smtClean="0">
-                  <a:solidFill>
-                    <a:srgbClr val="3EB8BE"/>
-                  </a:solidFill>
                   <a:latin typeface="宋体" panose="02010600030101010101" pitchFamily="2" charset="-122"/>
                   <a:ea typeface="宋体" panose="02010600030101010101" pitchFamily="2" charset="-122"/>
                 </a:rPr>
                 <a:t>测试拓扑图</a:t>
               </a:r>
               <a:endParaRPr lang="zh-CN" altLang="en-US" sz="2000" dirty="0">
-                <a:solidFill>
-                  <a:srgbClr val="3EB8BE"/>
-                </a:solidFill>
                 <a:latin typeface="宋体" panose="02010600030101010101" pitchFamily="2" charset="-122"/>
                 <a:ea typeface="宋体" panose="02010600030101010101" pitchFamily="2" charset="-122"/>
               </a:endParaRPr>
@@ -15269,7 +14831,7 @@
 </p:sld>
 </file>
 
-<file path=ppt/slides/slide28.xml><?xml version="1.0" encoding="utf-8"?>
+<file path=ppt/slides/slide27.xml><?xml version="1.0" encoding="utf-8"?>
 <p:sld xmlns:a="http://schemas.openxmlformats.org/drawingml/2006/main" xmlns:r="http://schemas.openxmlformats.org/officeDocument/2006/relationships" xmlns:p="http://schemas.openxmlformats.org/presentationml/2006/main">
   <p:cSld>
     <p:spTree>
@@ -15361,7 +14923,21 @@
                 <a:latin typeface="宋体" panose="02010600030101010101" pitchFamily="2" charset="-122"/>
                 <a:ea typeface="宋体" panose="02010600030101010101" pitchFamily="2" charset="-122"/>
               </a:rPr>
-              <a:t>占用内存</a:t>
+              <a:t>占用</a:t>
+            </a:r>
+            <a:r>
+              <a:rPr lang="zh-CN" altLang="en-US" sz="2000" dirty="0">
+                <a:latin typeface="宋体" panose="02010600030101010101" pitchFamily="2" charset="-122"/>
+                <a:ea typeface="宋体" panose="02010600030101010101" pitchFamily="2" charset="-122"/>
+              </a:rPr>
+              <a:t>堆</a:t>
+            </a:r>
+            <a:r>
+              <a:rPr lang="zh-CN" altLang="en-US" sz="2000" dirty="0" smtClean="0">
+                <a:latin typeface="宋体" panose="02010600030101010101" pitchFamily="2" charset="-122"/>
+                <a:ea typeface="宋体" panose="02010600030101010101" pitchFamily="2" charset="-122"/>
+              </a:rPr>
+              <a:t>内存</a:t>
             </a:r>
             <a:r>
               <a:rPr lang="zh-CN" altLang="en-US" sz="2000" dirty="0" smtClean="0">
@@ -15498,7 +15074,7 @@
 </p:sld>
 </file>
 
-<file path=ppt/slides/slide29.xml><?xml version="1.0" encoding="utf-8"?>
+<file path=ppt/slides/slide28.xml><?xml version="1.0" encoding="utf-8"?>
 <p:sld xmlns:a="http://schemas.openxmlformats.org/drawingml/2006/main" xmlns:r="http://schemas.openxmlformats.org/officeDocument/2006/relationships" xmlns:p="http://schemas.openxmlformats.org/presentationml/2006/main">
   <p:cSld>
     <p:spTree>
@@ -15683,6 +15259,280 @@
     <p:extLst>
       <p:ext uri="{BB962C8B-B14F-4D97-AF65-F5344CB8AC3E}">
         <p14:creationId xmlns:p14="http://schemas.microsoft.com/office/powerpoint/2010/main" val="1256376628"/>
+      </p:ext>
+    </p:extLst>
+  </p:cSld>
+  <p:clrMapOvr>
+    <a:masterClrMapping/>
+  </p:clrMapOvr>
+  <p:transition spd="slow">
+    <p:push dir="u"/>
+  </p:transition>
+  <p:timing>
+    <p:tnLst>
+      <p:par>
+        <p:cTn id="1" dur="indefinite" restart="never" nodeType="tmRoot"/>
+      </p:par>
+    </p:tnLst>
+  </p:timing>
+</p:sld>
+</file>
+
+<file path=ppt/slides/slide29.xml><?xml version="1.0" encoding="utf-8"?>
+<p:sld xmlns:a="http://schemas.openxmlformats.org/drawingml/2006/main" xmlns:r="http://schemas.openxmlformats.org/officeDocument/2006/relationships" xmlns:p="http://schemas.openxmlformats.org/presentationml/2006/main">
+  <p:cSld>
+    <p:spTree>
+      <p:nvGrpSpPr>
+        <p:cNvPr id="1" name=""/>
+        <p:cNvGrpSpPr/>
+        <p:nvPr/>
+      </p:nvGrpSpPr>
+      <p:grpSpPr>
+        <a:xfrm>
+          <a:off x="0" y="0"/>
+          <a:ext cx="0" cy="0"/>
+          <a:chOff x="0" y="0"/>
+          <a:chExt cx="0" cy="0"/>
+        </a:xfrm>
+      </p:grpSpPr>
+      <p:sp>
+        <p:nvSpPr>
+          <p:cNvPr id="3" name="文本占位符 2"/>
+          <p:cNvSpPr>
+            <a:spLocks noGrp="1"/>
+          </p:cNvSpPr>
+          <p:nvPr>
+            <p:ph type="body" sz="quarter" idx="13"/>
+          </p:nvPr>
+        </p:nvSpPr>
+        <p:spPr>
+          <a:xfrm>
+            <a:off x="576000" y="1476000"/>
+            <a:ext cx="3396019" cy="4586597"/>
+          </a:xfrm>
+        </p:spPr>
+        <p:txBody>
+          <a:bodyPr/>
+          <a:lstStyle/>
+          <a:p>
+            <a:pPr>
+              <a:lnSpc>
+                <a:spcPct val="140000"/>
+              </a:lnSpc>
+              <a:spcAft>
+                <a:spcPts val="600"/>
+              </a:spcAft>
+            </a:pPr>
+            <a:r>
+              <a:rPr lang="zh-CN" altLang="en-US" sz="2000" dirty="0" smtClean="0">
+                <a:latin typeface="宋体" panose="02010600030101010101" pitchFamily="2" charset="-122"/>
+                <a:ea typeface="宋体" panose="02010600030101010101" pitchFamily="2" charset="-122"/>
+              </a:rPr>
+              <a:t>启动</a:t>
+            </a:r>
+            <a:r>
+              <a:rPr lang="en-US" altLang="zh-CN" sz="2000" dirty="0" smtClean="0">
+                <a:latin typeface="宋体" panose="02010600030101010101" pitchFamily="2" charset="-122"/>
+                <a:ea typeface="宋体" panose="02010600030101010101" pitchFamily="2" charset="-122"/>
+              </a:rPr>
+              <a:t>500</a:t>
+            </a:r>
+            <a:r>
+              <a:rPr lang="zh-CN" altLang="en-US" sz="2000" dirty="0" smtClean="0">
+                <a:latin typeface="宋体" panose="02010600030101010101" pitchFamily="2" charset="-122"/>
+                <a:ea typeface="宋体" panose="02010600030101010101" pitchFamily="2" charset="-122"/>
+              </a:rPr>
+              <a:t>台</a:t>
+            </a:r>
+            <a:r>
+              <a:rPr lang="en-US" altLang="zh-CN" sz="2000" dirty="0" smtClean="0">
+                <a:latin typeface="宋体" panose="02010600030101010101" pitchFamily="2" charset="-122"/>
+                <a:ea typeface="宋体" panose="02010600030101010101" pitchFamily="2" charset="-122"/>
+              </a:rPr>
+              <a:t>EAP</a:t>
+            </a:r>
+            <a:r>
+              <a:rPr lang="zh-CN" altLang="en-US" sz="2000" dirty="0" smtClean="0">
+                <a:latin typeface="宋体" panose="02010600030101010101" pitchFamily="2" charset="-122"/>
+                <a:ea typeface="宋体" panose="02010600030101010101" pitchFamily="2" charset="-122"/>
+              </a:rPr>
+              <a:t>与</a:t>
+            </a:r>
+            <a:r>
+              <a:rPr lang="en-US" altLang="zh-CN" sz="2000" dirty="0" smtClean="0">
+                <a:latin typeface="宋体" panose="02010600030101010101" pitchFamily="2" charset="-122"/>
+                <a:ea typeface="宋体" panose="02010600030101010101" pitchFamily="2" charset="-122"/>
+              </a:rPr>
+              <a:t>Controller</a:t>
+            </a:r>
+            <a:r>
+              <a:rPr lang="zh-CN" altLang="en-US" sz="2000" dirty="0" smtClean="0">
+                <a:latin typeface="宋体" panose="02010600030101010101" pitchFamily="2" charset="-122"/>
+                <a:ea typeface="宋体" panose="02010600030101010101" pitchFamily="2" charset="-122"/>
+              </a:rPr>
+              <a:t>连接并运行</a:t>
+            </a:r>
+            <a:r>
+              <a:rPr lang="en-US" altLang="zh-CN" sz="2000" dirty="0" smtClean="0">
+                <a:latin typeface="宋体" panose="02010600030101010101" pitchFamily="2" charset="-122"/>
+                <a:ea typeface="宋体" panose="02010600030101010101" pitchFamily="2" charset="-122"/>
+              </a:rPr>
+              <a:t>24</a:t>
+            </a:r>
+            <a:r>
+              <a:rPr lang="zh-CN" altLang="en-US" sz="2000" dirty="0" smtClean="0">
+                <a:latin typeface="宋体" panose="02010600030101010101" pitchFamily="2" charset="-122"/>
+                <a:ea typeface="宋体" panose="02010600030101010101" pitchFamily="2" charset="-122"/>
+              </a:rPr>
+              <a:t>小时：</a:t>
+            </a:r>
+            <a:endParaRPr lang="en-US" altLang="zh-CN" sz="2000" dirty="0" smtClean="0">
+              <a:latin typeface="宋体" panose="02010600030101010101" pitchFamily="2" charset="-122"/>
+              <a:ea typeface="宋体" panose="02010600030101010101" pitchFamily="2" charset="-122"/>
+            </a:endParaRPr>
+          </a:p>
+          <a:p>
+            <a:pPr marL="576000" lvl="1" indent="-360000">
+              <a:lnSpc>
+                <a:spcPct val="140000"/>
+              </a:lnSpc>
+              <a:spcAft>
+                <a:spcPts val="600"/>
+              </a:spcAft>
+              <a:buFont typeface="Wingdings" panose="05000000000000000000" pitchFamily="2" charset="2"/>
+              <a:buChar char="l"/>
+            </a:pPr>
+            <a:r>
+              <a:rPr lang="zh-CN" altLang="en-US" sz="1800" dirty="0">
+                <a:latin typeface="宋体" panose="02010600030101010101" pitchFamily="2" charset="-122"/>
+                <a:ea typeface="宋体" panose="02010600030101010101" pitchFamily="2" charset="-122"/>
+              </a:rPr>
+              <a:t>内存占用</a:t>
+            </a:r>
+            <a:r>
+              <a:rPr lang="en-US" altLang="zh-CN" sz="1800" dirty="0">
+                <a:latin typeface="宋体" panose="02010600030101010101" pitchFamily="2" charset="-122"/>
+                <a:ea typeface="宋体" panose="02010600030101010101" pitchFamily="2" charset="-122"/>
+              </a:rPr>
+              <a:t>570MB</a:t>
+            </a:r>
+          </a:p>
+          <a:p>
+            <a:pPr marL="576000" lvl="1" indent="-360000">
+              <a:lnSpc>
+                <a:spcPct val="140000"/>
+              </a:lnSpc>
+              <a:spcAft>
+                <a:spcPts val="600"/>
+              </a:spcAft>
+              <a:buFont typeface="Wingdings" panose="05000000000000000000" pitchFamily="2" charset="2"/>
+              <a:buChar char="l"/>
+            </a:pPr>
+            <a:r>
+              <a:rPr lang="zh-CN" altLang="en-US" sz="1800" dirty="0">
+                <a:latin typeface="宋体" panose="02010600030101010101" pitchFamily="2" charset="-122"/>
+                <a:ea typeface="宋体" panose="02010600030101010101" pitchFamily="2" charset="-122"/>
+              </a:rPr>
+              <a:t>线程数</a:t>
+            </a:r>
+            <a:r>
+              <a:rPr lang="en-US" altLang="zh-CN" sz="1800" dirty="0">
+                <a:latin typeface="宋体" panose="02010600030101010101" pitchFamily="2" charset="-122"/>
+                <a:ea typeface="宋体" panose="02010600030101010101" pitchFamily="2" charset="-122"/>
+              </a:rPr>
+              <a:t>562</a:t>
+            </a:r>
+          </a:p>
+        </p:txBody>
+      </p:sp>
+      <p:sp>
+        <p:nvSpPr>
+          <p:cNvPr id="7" name="标题 3"/>
+          <p:cNvSpPr txBox="1">
+            <a:spLocks/>
+          </p:cNvSpPr>
+          <p:nvPr/>
+        </p:nvSpPr>
+        <p:spPr>
+          <a:xfrm>
+            <a:off x="571170" y="677960"/>
+            <a:ext cx="8115630" cy="617440"/>
+          </a:xfrm>
+          <a:prstGeom prst="rect">
+            <a:avLst/>
+          </a:prstGeom>
+          <a:ln>
+            <a:noFill/>
+          </a:ln>
+        </p:spPr>
+        <p:txBody>
+          <a:bodyPr vert="horz"/>
+          <a:lstStyle>
+            <a:lvl1pPr algn="l" defTabSz="457200" rtl="0" eaLnBrk="1" latinLnBrk="0" hangingPunct="1">
+              <a:lnSpc>
+                <a:spcPct val="90000"/>
+              </a:lnSpc>
+              <a:spcBef>
+                <a:spcPct val="0"/>
+              </a:spcBef>
+              <a:buNone/>
+              <a:defRPr sz="2600" b="1" i="0" kern="1200" baseline="0">
+                <a:solidFill>
+                  <a:srgbClr val="4ACBD6"/>
+                </a:solidFill>
+                <a:latin typeface="Arial"/>
+                <a:ea typeface="+mj-ea"/>
+                <a:cs typeface="Arial"/>
+              </a:defRPr>
+            </a:lvl1pPr>
+          </a:lstStyle>
+          <a:p>
+            <a:r>
+              <a:rPr lang="en-US" altLang="zh-CN" sz="3200" dirty="0" smtClean="0">
+                <a:latin typeface="+mj-ea"/>
+              </a:rPr>
+              <a:t>6.3. </a:t>
+            </a:r>
+            <a:r>
+              <a:rPr lang="zh-CN" altLang="en-US" sz="3200" dirty="0" smtClean="0">
+                <a:latin typeface="+mj-ea"/>
+              </a:rPr>
+              <a:t>连接稳定性测试</a:t>
+            </a:r>
+            <a:endParaRPr lang="zh-CN" altLang="en-US" sz="3200" dirty="0">
+              <a:latin typeface="+mj-ea"/>
+            </a:endParaRPr>
+          </a:p>
+        </p:txBody>
+      </p:sp>
+      <p:pic>
+        <p:nvPicPr>
+          <p:cNvPr id="5" name="图片 4"/>
+          <p:cNvPicPr>
+            <a:picLocks noChangeAspect="1"/>
+          </p:cNvPicPr>
+          <p:nvPr/>
+        </p:nvPicPr>
+        <p:blipFill>
+          <a:blip r:embed="rId3"/>
+          <a:stretch>
+            <a:fillRect/>
+          </a:stretch>
+        </p:blipFill>
+        <p:spPr>
+          <a:xfrm>
+            <a:off x="4314825" y="180975"/>
+            <a:ext cx="4829175" cy="6229350"/>
+          </a:xfrm>
+          <a:prstGeom prst="rect">
+            <a:avLst/>
+          </a:prstGeom>
+        </p:spPr>
+      </p:pic>
+    </p:spTree>
+    <p:extLst>
+      <p:ext uri="{BB962C8B-B14F-4D97-AF65-F5344CB8AC3E}">
+        <p14:creationId xmlns:p14="http://schemas.microsoft.com/office/powerpoint/2010/main" val="1448904917"/>
       </p:ext>
     </p:extLst>
   </p:cSld>
@@ -15742,7 +15592,7 @@
             <a:r>
               <a:rPr lang="zh-CN" altLang="en-US" sz="3200" b="1" dirty="0" smtClean="0">
                 <a:solidFill>
-                  <a:srgbClr val="4ACBD6"/>
+                  <a:srgbClr val="FFCC08"/>
                 </a:solidFill>
                 <a:latin typeface="+mj-ea"/>
                 <a:ea typeface="+mj-ea"/>
@@ -15752,7 +15602,7 @@
             </a:r>
             <a:endParaRPr lang="en-US" altLang="zh-CN" sz="3200" b="1" dirty="0" smtClean="0">
               <a:solidFill>
-                <a:srgbClr val="4ACBD6"/>
+                <a:srgbClr val="FFCC08"/>
               </a:solidFill>
               <a:latin typeface="+mj-ea"/>
               <a:ea typeface="+mj-ea"/>
@@ -15929,132 +15779,7 @@
   <p:timing>
     <p:tnLst>
       <p:par>
-        <p:cTn id="1" dur="indefinite" restart="never" nodeType="tmRoot">
-          <p:childTnLst>
-            <p:seq concurrent="1" nextAc="seek">
-              <p:cTn id="2" dur="indefinite" nodeType="mainSeq">
-                <p:childTnLst>
-                  <p:par>
-                    <p:cTn id="3" fill="hold">
-                      <p:stCondLst>
-                        <p:cond delay="indefinite"/>
-                        <p:cond evt="onBegin" delay="0">
-                          <p:tn val="2"/>
-                        </p:cond>
-                      </p:stCondLst>
-                      <p:childTnLst>
-                        <p:par>
-                          <p:cTn id="4" fill="hold">
-                            <p:stCondLst>
-                              <p:cond delay="0"/>
-                            </p:stCondLst>
-                            <p:childTnLst>
-                              <p:par>
-                                <p:cTn id="5" presetID="19" presetClass="emph" presetSubtype="0" fill="hold" nodeType="withEffect">
-                                  <p:stCondLst>
-                                    <p:cond delay="0"/>
-                                  </p:stCondLst>
-                                  <p:childTnLst>
-                                    <p:animClr clrSpc="rgb" dir="cw">
-                                      <p:cBhvr override="childStyle">
-                                        <p:cTn id="6" dur="500" fill="hold"/>
-                                        <p:tgtEl>
-                                          <p:spTgt spid="2">
-                                            <p:txEl>
-                                              <p:pRg st="0" end="0"/>
-                                            </p:txEl>
-                                          </p:spTgt>
-                                        </p:tgtEl>
-                                        <p:attrNameLst>
-                                          <p:attrName>style.color</p:attrName>
-                                        </p:attrNameLst>
-                                      </p:cBhvr>
-                                      <p:to>
-                                        <a:srgbClr val="FFCC08"/>
-                                      </p:to>
-                                    </p:animClr>
-                                    <p:animClr clrSpc="rgb" dir="cw">
-                                      <p:cBhvr>
-                                        <p:cTn id="7" dur="500" fill="hold"/>
-                                        <p:tgtEl>
-                                          <p:spTgt spid="2">
-                                            <p:txEl>
-                                              <p:pRg st="0" end="0"/>
-                                            </p:txEl>
-                                          </p:spTgt>
-                                        </p:tgtEl>
-                                        <p:attrNameLst>
-                                          <p:attrName>fillcolor</p:attrName>
-                                        </p:attrNameLst>
-                                      </p:cBhvr>
-                                      <p:to>
-                                        <a:srgbClr val="FFCC08"/>
-                                      </p:to>
-                                    </p:animClr>
-                                    <p:set>
-                                      <p:cBhvr>
-                                        <p:cTn id="8" dur="500" fill="hold"/>
-                                        <p:tgtEl>
-                                          <p:spTgt spid="2">
-                                            <p:txEl>
-                                              <p:pRg st="0" end="0"/>
-                                            </p:txEl>
-                                          </p:spTgt>
-                                        </p:tgtEl>
-                                        <p:attrNameLst>
-                                          <p:attrName>fill.type</p:attrName>
-                                        </p:attrNameLst>
-                                      </p:cBhvr>
-                                      <p:to>
-                                        <p:strVal val="solid"/>
-                                      </p:to>
-                                    </p:set>
-                                    <p:set>
-                                      <p:cBhvr>
-                                        <p:cTn id="9" dur="500" fill="hold"/>
-                                        <p:tgtEl>
-                                          <p:spTgt spid="2">
-                                            <p:txEl>
-                                              <p:pRg st="0" end="0"/>
-                                            </p:txEl>
-                                          </p:spTgt>
-                                        </p:tgtEl>
-                                        <p:attrNameLst>
-                                          <p:attrName>fill.on</p:attrName>
-                                        </p:attrNameLst>
-                                      </p:cBhvr>
-                                      <p:to>
-                                        <p:strVal val="true"/>
-                                      </p:to>
-                                    </p:set>
-                                  </p:childTnLst>
-                                </p:cTn>
-                              </p:par>
-                            </p:childTnLst>
-                          </p:cTn>
-                        </p:par>
-                      </p:childTnLst>
-                    </p:cTn>
-                  </p:par>
-                </p:childTnLst>
-              </p:cTn>
-              <p:prevCondLst>
-                <p:cond evt="onPrev" delay="0">
-                  <p:tgtEl>
-                    <p:sldTgt/>
-                  </p:tgtEl>
-                </p:cond>
-              </p:prevCondLst>
-              <p:nextCondLst>
-                <p:cond evt="onNext" delay="0">
-                  <p:tgtEl>
-                    <p:sldTgt/>
-                  </p:tgtEl>
-                </p:cond>
-              </p:nextCondLst>
-            </p:seq>
-          </p:childTnLst>
-        </p:cTn>
+        <p:cTn id="1" dur="indefinite" restart="never" nodeType="tmRoot"/>
       </p:par>
     </p:tnLst>
   </p:timing>
@@ -16062,6 +15787,253 @@
 </file>
 
 <file path=ppt/slides/slide30.xml><?xml version="1.0" encoding="utf-8"?>
+<p:sld xmlns:a="http://schemas.openxmlformats.org/drawingml/2006/main" xmlns:r="http://schemas.openxmlformats.org/officeDocument/2006/relationships" xmlns:p="http://schemas.openxmlformats.org/presentationml/2006/main">
+  <p:cSld>
+    <p:spTree>
+      <p:nvGrpSpPr>
+        <p:cNvPr id="1" name=""/>
+        <p:cNvGrpSpPr/>
+        <p:nvPr/>
+      </p:nvGrpSpPr>
+      <p:grpSpPr>
+        <a:xfrm>
+          <a:off x="0" y="0"/>
+          <a:ext cx="0" cy="0"/>
+          <a:chOff x="0" y="0"/>
+          <a:chExt cx="0" cy="0"/>
+        </a:xfrm>
+      </p:grpSpPr>
+      <p:sp>
+        <p:nvSpPr>
+          <p:cNvPr id="2" name="文本占位符 2"/>
+          <p:cNvSpPr>
+            <a:spLocks noGrp="1"/>
+          </p:cNvSpPr>
+          <p:nvPr>
+            <p:ph type="body" sz="quarter" idx="13"/>
+          </p:nvPr>
+        </p:nvSpPr>
+        <p:spPr>
+          <a:xfrm>
+            <a:off x="2074863" y="971052"/>
+            <a:ext cx="4697412" cy="4724898"/>
+          </a:xfrm>
+        </p:spPr>
+        <p:txBody>
+          <a:bodyPr/>
+          <a:lstStyle/>
+          <a:p>
+            <a:r>
+              <a:rPr lang="zh-CN" altLang="en-US" sz="3200" b="1" dirty="0" smtClean="0">
+                <a:solidFill>
+                  <a:srgbClr val="4ACBD6"/>
+                </a:solidFill>
+                <a:latin typeface="+mj-ea"/>
+                <a:ea typeface="+mj-ea"/>
+                <a:cs typeface="Arial"/>
+              </a:rPr>
+              <a:t> 需求分析</a:t>
+            </a:r>
+            <a:endParaRPr lang="en-US" altLang="zh-CN" sz="3200" b="1" dirty="0" smtClean="0">
+              <a:solidFill>
+                <a:srgbClr val="4ACBD6"/>
+              </a:solidFill>
+              <a:latin typeface="+mj-ea"/>
+              <a:ea typeface="+mj-ea"/>
+              <a:cs typeface="Arial"/>
+            </a:endParaRPr>
+          </a:p>
+          <a:p>
+            <a:r>
+              <a:rPr lang="zh-CN" altLang="en-US" sz="3200" b="1" dirty="0" smtClean="0">
+                <a:solidFill>
+                  <a:srgbClr val="4ACBD6"/>
+                </a:solidFill>
+                <a:latin typeface="+mj-ea"/>
+                <a:ea typeface="+mj-ea"/>
+                <a:cs typeface="Arial"/>
+              </a:rPr>
+              <a:t> 协议原理</a:t>
+            </a:r>
+            <a:endParaRPr lang="en-US" altLang="zh-CN" sz="3200" b="1" dirty="0" smtClean="0">
+              <a:solidFill>
+                <a:srgbClr val="4ACBD6"/>
+              </a:solidFill>
+              <a:latin typeface="+mj-ea"/>
+              <a:ea typeface="+mj-ea"/>
+              <a:cs typeface="Arial"/>
+            </a:endParaRPr>
+          </a:p>
+          <a:p>
+            <a:r>
+              <a:rPr lang="zh-CN" altLang="en-US" sz="3200" b="1" dirty="0" smtClean="0">
+                <a:solidFill>
+                  <a:srgbClr val="4ACBD6"/>
+                </a:solidFill>
+                <a:latin typeface="+mj-ea"/>
+                <a:ea typeface="+mj-ea"/>
+                <a:cs typeface="Arial"/>
+              </a:rPr>
+              <a:t> 数据库设计</a:t>
+            </a:r>
+            <a:endParaRPr lang="en-US" altLang="zh-CN" sz="3200" b="1" dirty="0" smtClean="0">
+              <a:solidFill>
+                <a:srgbClr val="4ACBD6"/>
+              </a:solidFill>
+              <a:latin typeface="+mj-ea"/>
+              <a:ea typeface="+mj-ea"/>
+              <a:cs typeface="Arial"/>
+            </a:endParaRPr>
+          </a:p>
+          <a:p>
+            <a:r>
+              <a:rPr lang="zh-CN" altLang="en-US" sz="3200" b="1" dirty="0" smtClean="0">
+                <a:solidFill>
+                  <a:srgbClr val="4ACBD6"/>
+                </a:solidFill>
+                <a:latin typeface="+mj-ea"/>
+                <a:ea typeface="+mj-ea"/>
+                <a:cs typeface="Arial"/>
+              </a:rPr>
+              <a:t> 软件架构与模块结构</a:t>
+            </a:r>
+            <a:endParaRPr lang="en-US" altLang="zh-CN" sz="3200" b="1" dirty="0" smtClean="0">
+              <a:solidFill>
+                <a:srgbClr val="4ACBD6"/>
+              </a:solidFill>
+              <a:latin typeface="+mj-ea"/>
+              <a:ea typeface="+mj-ea"/>
+              <a:cs typeface="Arial"/>
+            </a:endParaRPr>
+          </a:p>
+          <a:p>
+            <a:r>
+              <a:rPr lang="zh-CN" altLang="en-US" sz="3200" b="1" dirty="0" smtClean="0">
+                <a:solidFill>
+                  <a:srgbClr val="4ACBD6"/>
+                </a:solidFill>
+                <a:latin typeface="+mj-ea"/>
+                <a:ea typeface="+mj-ea"/>
+                <a:cs typeface="Arial"/>
+              </a:rPr>
+              <a:t> 详细实现</a:t>
+            </a:r>
+            <a:endParaRPr lang="en-US" altLang="zh-CN" sz="3200" b="1" dirty="0" smtClean="0">
+              <a:solidFill>
+                <a:srgbClr val="4ACBD6"/>
+              </a:solidFill>
+              <a:latin typeface="+mj-ea"/>
+              <a:ea typeface="+mj-ea"/>
+              <a:cs typeface="Arial"/>
+            </a:endParaRPr>
+          </a:p>
+          <a:p>
+            <a:r>
+              <a:rPr lang="zh-CN" altLang="en-US" sz="3200" b="1" dirty="0" smtClean="0">
+                <a:solidFill>
+                  <a:srgbClr val="4ACBD6"/>
+                </a:solidFill>
+                <a:latin typeface="+mj-ea"/>
+                <a:ea typeface="+mj-ea"/>
+                <a:cs typeface="Arial"/>
+              </a:rPr>
+              <a:t> 测试</a:t>
+            </a:r>
+            <a:endParaRPr lang="en-US" altLang="zh-CN" sz="3200" b="1" dirty="0" smtClean="0">
+              <a:solidFill>
+                <a:srgbClr val="4ACBD6"/>
+              </a:solidFill>
+              <a:latin typeface="+mj-ea"/>
+              <a:ea typeface="+mj-ea"/>
+              <a:cs typeface="Arial"/>
+            </a:endParaRPr>
+          </a:p>
+          <a:p>
+            <a:r>
+              <a:rPr lang="zh-CN" altLang="en-US" sz="3200" b="1" dirty="0" smtClean="0">
+                <a:solidFill>
+                  <a:srgbClr val="FFCC08"/>
+                </a:solidFill>
+                <a:latin typeface="+mj-ea"/>
+                <a:ea typeface="+mj-ea"/>
+                <a:cs typeface="Arial"/>
+              </a:rPr>
+              <a:t> 感想</a:t>
+            </a:r>
+            <a:endParaRPr lang="en-US" altLang="zh-CN" sz="3200" b="1" dirty="0" smtClean="0">
+              <a:solidFill>
+                <a:srgbClr val="FFCC08"/>
+              </a:solidFill>
+              <a:latin typeface="+mj-ea"/>
+              <a:ea typeface="+mj-ea"/>
+              <a:cs typeface="Arial"/>
+            </a:endParaRPr>
+          </a:p>
+          <a:p>
+            <a:pPr marL="0" indent="0">
+              <a:buNone/>
+            </a:pPr>
+            <a:endParaRPr lang="en-US" altLang="zh-CN" sz="2600" b="1" dirty="0" smtClean="0">
+              <a:solidFill>
+                <a:srgbClr val="4ACBD6"/>
+              </a:solidFill>
+              <a:latin typeface="Arial"/>
+              <a:cs typeface="Arial"/>
+            </a:endParaRPr>
+          </a:p>
+          <a:p>
+            <a:endParaRPr lang="en-US" altLang="zh-CN" sz="2600" b="1" dirty="0" smtClean="0">
+              <a:solidFill>
+                <a:srgbClr val="4ACBD6"/>
+              </a:solidFill>
+              <a:latin typeface="Arial"/>
+              <a:cs typeface="Arial"/>
+            </a:endParaRPr>
+          </a:p>
+          <a:p>
+            <a:endParaRPr lang="en-US" altLang="zh-CN" sz="2600" b="1" dirty="0" smtClean="0">
+              <a:solidFill>
+                <a:srgbClr val="4ACBD6"/>
+              </a:solidFill>
+              <a:latin typeface="Arial"/>
+              <a:cs typeface="Arial"/>
+            </a:endParaRPr>
+          </a:p>
+          <a:p>
+            <a:endParaRPr lang="zh-CN" altLang="en-US" sz="2600" b="1" dirty="0">
+              <a:solidFill>
+                <a:srgbClr val="4ACBD6"/>
+              </a:solidFill>
+              <a:latin typeface="Arial"/>
+              <a:cs typeface="Arial"/>
+            </a:endParaRPr>
+          </a:p>
+        </p:txBody>
+      </p:sp>
+    </p:spTree>
+    <p:extLst>
+      <p:ext uri="{BB962C8B-B14F-4D97-AF65-F5344CB8AC3E}">
+        <p14:creationId xmlns:p14="http://schemas.microsoft.com/office/powerpoint/2010/main" val="3802837750"/>
+      </p:ext>
+    </p:extLst>
+  </p:cSld>
+  <p:clrMapOvr>
+    <a:masterClrMapping/>
+  </p:clrMapOvr>
+  <p:transition spd="slow">
+    <p:push dir="u"/>
+  </p:transition>
+  <p:timing>
+    <p:tnLst>
+      <p:par>
+        <p:cTn id="1" dur="indefinite" restart="never" nodeType="tmRoot"/>
+      </p:par>
+    </p:tnLst>
+  </p:timing>
+</p:sld>
+</file>
+
+<file path=ppt/slides/slide31.xml><?xml version="1.0" encoding="utf-8"?>
 <p:sld xmlns:a="http://schemas.openxmlformats.org/drawingml/2006/main" xmlns:r="http://schemas.openxmlformats.org/officeDocument/2006/relationships" xmlns:p="http://schemas.openxmlformats.org/presentationml/2006/main">
   <p:cSld>
     <p:spTree>
@@ -16088,155 +16060,52 @@
             <p:ph type="body" sz="quarter" idx="13"/>
           </p:nvPr>
         </p:nvSpPr>
-        <p:spPr>
-          <a:xfrm>
-            <a:off x="576000" y="1476000"/>
-            <a:ext cx="3396019" cy="4586597"/>
-          </a:xfrm>
-        </p:spPr>
+        <p:spPr/>
         <p:txBody>
           <a:bodyPr/>
           <a:lstStyle/>
           <a:p>
-            <a:pPr>
-              <a:lnSpc>
-                <a:spcPct val="140000"/>
-              </a:lnSpc>
-              <a:spcAft>
-                <a:spcPts val="600"/>
-              </a:spcAft>
-            </a:pPr>
-            <a:r>
-              <a:rPr lang="zh-CN" altLang="en-US" sz="2000" dirty="0" smtClean="0">
+            <a:r>
+              <a:rPr lang="zh-CN" altLang="en-US" sz="2400" dirty="0" smtClean="0">
                 <a:latin typeface="宋体" panose="02010600030101010101" pitchFamily="2" charset="-122"/>
                 <a:ea typeface="宋体" panose="02010600030101010101" pitchFamily="2" charset="-122"/>
               </a:rPr>
-              <a:t>启动</a:t>
-            </a:r>
-            <a:r>
-              <a:rPr lang="en-US" altLang="zh-CN" sz="2000" dirty="0" smtClean="0">
-                <a:latin typeface="宋体" panose="02010600030101010101" pitchFamily="2" charset="-122"/>
-                <a:ea typeface="宋体" panose="02010600030101010101" pitchFamily="2" charset="-122"/>
-              </a:rPr>
-              <a:t>500</a:t>
-            </a:r>
-            <a:r>
-              <a:rPr lang="zh-CN" altLang="en-US" sz="2000" dirty="0" smtClean="0">
-                <a:latin typeface="宋体" panose="02010600030101010101" pitchFamily="2" charset="-122"/>
-                <a:ea typeface="宋体" panose="02010600030101010101" pitchFamily="2" charset="-122"/>
-              </a:rPr>
-              <a:t>台</a:t>
-            </a:r>
-            <a:r>
-              <a:rPr lang="en-US" altLang="zh-CN" sz="2000" dirty="0" smtClean="0">
-                <a:latin typeface="宋体" panose="02010600030101010101" pitchFamily="2" charset="-122"/>
-                <a:ea typeface="宋体" panose="02010600030101010101" pitchFamily="2" charset="-122"/>
-              </a:rPr>
-              <a:t>EAP</a:t>
-            </a:r>
-            <a:r>
-              <a:rPr lang="zh-CN" altLang="en-US" sz="2000" dirty="0" smtClean="0">
-                <a:latin typeface="宋体" panose="02010600030101010101" pitchFamily="2" charset="-122"/>
-                <a:ea typeface="宋体" panose="02010600030101010101" pitchFamily="2" charset="-122"/>
-              </a:rPr>
-              <a:t>与</a:t>
-            </a:r>
-            <a:r>
-              <a:rPr lang="en-US" altLang="zh-CN" sz="2000" dirty="0" smtClean="0">
-                <a:latin typeface="宋体" panose="02010600030101010101" pitchFamily="2" charset="-122"/>
-                <a:ea typeface="宋体" panose="02010600030101010101" pitchFamily="2" charset="-122"/>
-              </a:rPr>
-              <a:t>Controller</a:t>
-            </a:r>
-            <a:r>
-              <a:rPr lang="zh-CN" altLang="en-US" sz="2000" dirty="0" smtClean="0">
-                <a:latin typeface="宋体" panose="02010600030101010101" pitchFamily="2" charset="-122"/>
-                <a:ea typeface="宋体" panose="02010600030101010101" pitchFamily="2" charset="-122"/>
-              </a:rPr>
-              <a:t>连接</a:t>
-            </a:r>
-            <a:r>
-              <a:rPr lang="zh-CN" altLang="en-US" sz="2000" dirty="0" smtClean="0">
-                <a:latin typeface="宋体" panose="02010600030101010101" pitchFamily="2" charset="-122"/>
-                <a:ea typeface="宋体" panose="02010600030101010101" pitchFamily="2" charset="-122"/>
-              </a:rPr>
-              <a:t>并运行</a:t>
-            </a:r>
-            <a:r>
-              <a:rPr lang="en-US" altLang="zh-CN" sz="2000" dirty="0" smtClean="0">
-                <a:latin typeface="宋体" panose="02010600030101010101" pitchFamily="2" charset="-122"/>
-                <a:ea typeface="宋体" panose="02010600030101010101" pitchFamily="2" charset="-122"/>
-              </a:rPr>
-              <a:t>24</a:t>
-            </a:r>
-            <a:r>
-              <a:rPr lang="zh-CN" altLang="en-US" sz="2000" dirty="0" smtClean="0">
-                <a:latin typeface="宋体" panose="02010600030101010101" pitchFamily="2" charset="-122"/>
-                <a:ea typeface="宋体" panose="02010600030101010101" pitchFamily="2" charset="-122"/>
-              </a:rPr>
-              <a:t>小时：</a:t>
-            </a:r>
-            <a:endParaRPr lang="en-US" altLang="zh-CN" sz="2000" dirty="0" smtClean="0">
+              <a:t>巩固了编程技术</a:t>
+            </a:r>
+            <a:endParaRPr lang="en-US" altLang="zh-CN" sz="2400" dirty="0" smtClean="0">
               <a:latin typeface="宋体" panose="02010600030101010101" pitchFamily="2" charset="-122"/>
               <a:ea typeface="宋体" panose="02010600030101010101" pitchFamily="2" charset="-122"/>
             </a:endParaRPr>
           </a:p>
           <a:p>
-            <a:pPr marL="576000" lvl="1" indent="-360000">
-              <a:lnSpc>
-                <a:spcPct val="140000"/>
-              </a:lnSpc>
-              <a:spcAft>
-                <a:spcPts val="600"/>
-              </a:spcAft>
-              <a:buFont typeface="Wingdings" panose="05000000000000000000" pitchFamily="2" charset="2"/>
-              <a:buChar char="l"/>
-            </a:pPr>
-            <a:r>
-              <a:rPr lang="zh-CN" altLang="en-US" sz="1800" dirty="0">
+            <a:r>
+              <a:rPr lang="zh-CN" altLang="en-US" sz="2400" dirty="0">
                 <a:latin typeface="宋体" panose="02010600030101010101" pitchFamily="2" charset="-122"/>
                 <a:ea typeface="宋体" panose="02010600030101010101" pitchFamily="2" charset="-122"/>
               </a:rPr>
-              <a:t>内存占用</a:t>
-            </a:r>
-            <a:r>
-              <a:rPr lang="en-US" altLang="zh-CN" sz="1800" dirty="0">
+              <a:t>学到了</a:t>
+            </a:r>
+            <a:r>
+              <a:rPr lang="zh-CN" altLang="en-US" sz="2400" dirty="0" smtClean="0">
                 <a:latin typeface="宋体" panose="02010600030101010101" pitchFamily="2" charset="-122"/>
                 <a:ea typeface="宋体" panose="02010600030101010101" pitchFamily="2" charset="-122"/>
               </a:rPr>
-              <a:t>570MB</a:t>
-            </a:r>
-            <a:endParaRPr lang="en-US" altLang="zh-CN" sz="1800" dirty="0">
+              <a:t>新的知识</a:t>
+            </a:r>
+            <a:endParaRPr lang="en-US" altLang="zh-CN" sz="2400" dirty="0">
               <a:latin typeface="宋体" panose="02010600030101010101" pitchFamily="2" charset="-122"/>
               <a:ea typeface="宋体" panose="02010600030101010101" pitchFamily="2" charset="-122"/>
             </a:endParaRPr>
           </a:p>
           <a:p>
-            <a:pPr marL="576000" lvl="1" indent="-360000">
-              <a:lnSpc>
-                <a:spcPct val="140000"/>
-              </a:lnSpc>
-              <a:spcAft>
-                <a:spcPts val="600"/>
-              </a:spcAft>
-              <a:buFont typeface="Wingdings" panose="05000000000000000000" pitchFamily="2" charset="2"/>
-              <a:buChar char="l"/>
-            </a:pPr>
-            <a:r>
-              <a:rPr lang="zh-CN" altLang="en-US" sz="1800" dirty="0">
+            <a:r>
+              <a:rPr lang="zh-CN" altLang="en-US" sz="2400" dirty="0" smtClean="0">
                 <a:latin typeface="宋体" panose="02010600030101010101" pitchFamily="2" charset="-122"/>
                 <a:ea typeface="宋体" panose="02010600030101010101" pitchFamily="2" charset="-122"/>
               </a:rPr>
-              <a:t>线程数</a:t>
-            </a:r>
-            <a:r>
-              <a:rPr lang="en-US" altLang="zh-CN" sz="1800" dirty="0">
-                <a:latin typeface="宋体" panose="02010600030101010101" pitchFamily="2" charset="-122"/>
-                <a:ea typeface="宋体" panose="02010600030101010101" pitchFamily="2" charset="-122"/>
-              </a:rPr>
-              <a:t>562</a:t>
-            </a:r>
-            <a:endParaRPr lang="en-US" altLang="zh-CN" sz="1800" dirty="0">
+              <a:t>熟悉了组里的项目</a:t>
+            </a:r>
+            <a:endParaRPr lang="en-US" altLang="zh-CN" sz="2400" dirty="0" smtClean="0">
               <a:latin typeface="宋体" panose="02010600030101010101" pitchFamily="2" charset="-122"/>
               <a:ea typeface="宋体" panose="02010600030101010101" pitchFamily="2" charset="-122"/>
             </a:endParaRPr>
@@ -16289,564 +16158,6 @@
               <a:rPr lang="en-US" altLang="zh-CN" sz="3200" dirty="0" smtClean="0">
                 <a:latin typeface="+mj-ea"/>
               </a:rPr>
-              <a:t>6.3. </a:t>
-            </a:r>
-            <a:r>
-              <a:rPr lang="zh-CN" altLang="en-US" sz="3200" dirty="0" smtClean="0">
-                <a:latin typeface="+mj-ea"/>
-              </a:rPr>
-              <a:t>连接稳定性测试</a:t>
-            </a:r>
-            <a:endParaRPr lang="zh-CN" altLang="en-US" sz="3200" dirty="0">
-              <a:latin typeface="+mj-ea"/>
-            </a:endParaRPr>
-          </a:p>
-        </p:txBody>
-      </p:sp>
-      <p:pic>
-        <p:nvPicPr>
-          <p:cNvPr id="5" name="图片 4"/>
-          <p:cNvPicPr>
-            <a:picLocks noChangeAspect="1"/>
-          </p:cNvPicPr>
-          <p:nvPr/>
-        </p:nvPicPr>
-        <p:blipFill>
-          <a:blip r:embed="rId3"/>
-          <a:stretch>
-            <a:fillRect/>
-          </a:stretch>
-        </p:blipFill>
-        <p:spPr>
-          <a:xfrm>
-            <a:off x="4314825" y="180975"/>
-            <a:ext cx="4829175" cy="6229350"/>
-          </a:xfrm>
-          <a:prstGeom prst="rect">
-            <a:avLst/>
-          </a:prstGeom>
-        </p:spPr>
-      </p:pic>
-    </p:spTree>
-    <p:extLst>
-      <p:ext uri="{BB962C8B-B14F-4D97-AF65-F5344CB8AC3E}">
-        <p14:creationId xmlns:p14="http://schemas.microsoft.com/office/powerpoint/2010/main" val="1448904917"/>
-      </p:ext>
-    </p:extLst>
-  </p:cSld>
-  <p:clrMapOvr>
-    <a:masterClrMapping/>
-  </p:clrMapOvr>
-  <p:transition spd="slow">
-    <p:push dir="u"/>
-  </p:transition>
-  <p:timing>
-    <p:tnLst>
-      <p:par>
-        <p:cTn id="1" dur="indefinite" restart="never" nodeType="tmRoot"/>
-      </p:par>
-    </p:tnLst>
-  </p:timing>
-</p:sld>
-</file>
-
-<file path=ppt/slides/slide31.xml><?xml version="1.0" encoding="utf-8"?>
-<p:sld xmlns:a="http://schemas.openxmlformats.org/drawingml/2006/main" xmlns:r="http://schemas.openxmlformats.org/officeDocument/2006/relationships" xmlns:p="http://schemas.openxmlformats.org/presentationml/2006/main">
-  <p:cSld>
-    <p:spTree>
-      <p:nvGrpSpPr>
-        <p:cNvPr id="1" name=""/>
-        <p:cNvGrpSpPr/>
-        <p:nvPr/>
-      </p:nvGrpSpPr>
-      <p:grpSpPr>
-        <a:xfrm>
-          <a:off x="0" y="0"/>
-          <a:ext cx="0" cy="0"/>
-          <a:chOff x="0" y="0"/>
-          <a:chExt cx="0" cy="0"/>
-        </a:xfrm>
-      </p:grpSpPr>
-      <p:sp>
-        <p:nvSpPr>
-          <p:cNvPr id="2" name="文本占位符 2"/>
-          <p:cNvSpPr>
-            <a:spLocks noGrp="1"/>
-          </p:cNvSpPr>
-          <p:nvPr>
-            <p:ph type="body" sz="quarter" idx="13"/>
-          </p:nvPr>
-        </p:nvSpPr>
-        <p:spPr>
-          <a:xfrm>
-            <a:off x="2074863" y="971052"/>
-            <a:ext cx="4697412" cy="4724898"/>
-          </a:xfrm>
-        </p:spPr>
-        <p:txBody>
-          <a:bodyPr/>
-          <a:lstStyle/>
-          <a:p>
-            <a:r>
-              <a:rPr lang="zh-CN" altLang="en-US" sz="3200" b="1" dirty="0" smtClean="0">
-                <a:solidFill>
-                  <a:srgbClr val="4ACBD6"/>
-                </a:solidFill>
-                <a:latin typeface="+mj-ea"/>
-                <a:ea typeface="+mj-ea"/>
-                <a:cs typeface="Arial"/>
-              </a:rPr>
-              <a:t> 需求分析</a:t>
-            </a:r>
-            <a:endParaRPr lang="en-US" altLang="zh-CN" sz="3200" b="1" dirty="0" smtClean="0">
-              <a:solidFill>
-                <a:srgbClr val="4ACBD6"/>
-              </a:solidFill>
-              <a:latin typeface="+mj-ea"/>
-              <a:ea typeface="+mj-ea"/>
-              <a:cs typeface="Arial"/>
-            </a:endParaRPr>
-          </a:p>
-          <a:p>
-            <a:r>
-              <a:rPr lang="zh-CN" altLang="en-US" sz="3200" b="1" dirty="0" smtClean="0">
-                <a:solidFill>
-                  <a:srgbClr val="4ACBD6"/>
-                </a:solidFill>
-                <a:latin typeface="+mj-ea"/>
-                <a:ea typeface="+mj-ea"/>
-                <a:cs typeface="Arial"/>
-              </a:rPr>
-              <a:t> 协议原理</a:t>
-            </a:r>
-            <a:endParaRPr lang="en-US" altLang="zh-CN" sz="3200" b="1" dirty="0" smtClean="0">
-              <a:solidFill>
-                <a:srgbClr val="4ACBD6"/>
-              </a:solidFill>
-              <a:latin typeface="+mj-ea"/>
-              <a:ea typeface="+mj-ea"/>
-              <a:cs typeface="Arial"/>
-            </a:endParaRPr>
-          </a:p>
-          <a:p>
-            <a:r>
-              <a:rPr lang="zh-CN" altLang="en-US" sz="3200" b="1" dirty="0" smtClean="0">
-                <a:solidFill>
-                  <a:srgbClr val="4ACBD6"/>
-                </a:solidFill>
-                <a:latin typeface="+mj-ea"/>
-                <a:ea typeface="+mj-ea"/>
-                <a:cs typeface="Arial"/>
-              </a:rPr>
-              <a:t> 数据库设计</a:t>
-            </a:r>
-            <a:endParaRPr lang="en-US" altLang="zh-CN" sz="3200" b="1" dirty="0" smtClean="0">
-              <a:solidFill>
-                <a:srgbClr val="4ACBD6"/>
-              </a:solidFill>
-              <a:latin typeface="+mj-ea"/>
-              <a:ea typeface="+mj-ea"/>
-              <a:cs typeface="Arial"/>
-            </a:endParaRPr>
-          </a:p>
-          <a:p>
-            <a:r>
-              <a:rPr lang="zh-CN" altLang="en-US" sz="3200" b="1" dirty="0" smtClean="0">
-                <a:solidFill>
-                  <a:srgbClr val="4ACBD6"/>
-                </a:solidFill>
-                <a:latin typeface="+mj-ea"/>
-                <a:ea typeface="+mj-ea"/>
-                <a:cs typeface="Arial"/>
-              </a:rPr>
-              <a:t> 软件架构与模块结构</a:t>
-            </a:r>
-            <a:endParaRPr lang="en-US" altLang="zh-CN" sz="3200" b="1" dirty="0" smtClean="0">
-              <a:solidFill>
-                <a:srgbClr val="4ACBD6"/>
-              </a:solidFill>
-              <a:latin typeface="+mj-ea"/>
-              <a:ea typeface="+mj-ea"/>
-              <a:cs typeface="Arial"/>
-            </a:endParaRPr>
-          </a:p>
-          <a:p>
-            <a:r>
-              <a:rPr lang="zh-CN" altLang="en-US" sz="3200" b="1" dirty="0" smtClean="0">
-                <a:solidFill>
-                  <a:srgbClr val="4ACBD6"/>
-                </a:solidFill>
-                <a:latin typeface="+mj-ea"/>
-                <a:ea typeface="+mj-ea"/>
-                <a:cs typeface="Arial"/>
-              </a:rPr>
-              <a:t> 详细实现</a:t>
-            </a:r>
-            <a:endParaRPr lang="en-US" altLang="zh-CN" sz="3200" b="1" dirty="0" smtClean="0">
-              <a:solidFill>
-                <a:srgbClr val="4ACBD6"/>
-              </a:solidFill>
-              <a:latin typeface="+mj-ea"/>
-              <a:ea typeface="+mj-ea"/>
-              <a:cs typeface="Arial"/>
-            </a:endParaRPr>
-          </a:p>
-          <a:p>
-            <a:r>
-              <a:rPr lang="zh-CN" altLang="en-US" sz="3200" b="1" dirty="0" smtClean="0">
-                <a:solidFill>
-                  <a:srgbClr val="4ACBD6"/>
-                </a:solidFill>
-                <a:latin typeface="+mj-ea"/>
-                <a:ea typeface="+mj-ea"/>
-                <a:cs typeface="Arial"/>
-              </a:rPr>
-              <a:t> 测试</a:t>
-            </a:r>
-            <a:endParaRPr lang="en-US" altLang="zh-CN" sz="3200" b="1" dirty="0" smtClean="0">
-              <a:solidFill>
-                <a:srgbClr val="4ACBD6"/>
-              </a:solidFill>
-              <a:latin typeface="+mj-ea"/>
-              <a:ea typeface="+mj-ea"/>
-              <a:cs typeface="Arial"/>
-            </a:endParaRPr>
-          </a:p>
-          <a:p>
-            <a:r>
-              <a:rPr lang="zh-CN" altLang="en-US" sz="3200" b="1" dirty="0" smtClean="0">
-                <a:solidFill>
-                  <a:srgbClr val="4ACBD6"/>
-                </a:solidFill>
-                <a:latin typeface="+mj-ea"/>
-                <a:ea typeface="+mj-ea"/>
-                <a:cs typeface="Arial"/>
-              </a:rPr>
-              <a:t> 感想</a:t>
-            </a:r>
-            <a:endParaRPr lang="en-US" altLang="zh-CN" sz="3200" b="1" dirty="0" smtClean="0">
-              <a:solidFill>
-                <a:srgbClr val="4ACBD6"/>
-              </a:solidFill>
-              <a:latin typeface="+mj-ea"/>
-              <a:ea typeface="+mj-ea"/>
-              <a:cs typeface="Arial"/>
-            </a:endParaRPr>
-          </a:p>
-          <a:p>
-            <a:pPr marL="0" indent="0">
-              <a:buNone/>
-            </a:pPr>
-            <a:endParaRPr lang="en-US" altLang="zh-CN" sz="2600" b="1" dirty="0" smtClean="0">
-              <a:solidFill>
-                <a:srgbClr val="4ACBD6"/>
-              </a:solidFill>
-              <a:latin typeface="Arial"/>
-              <a:cs typeface="Arial"/>
-            </a:endParaRPr>
-          </a:p>
-          <a:p>
-            <a:endParaRPr lang="en-US" altLang="zh-CN" sz="2600" b="1" dirty="0" smtClean="0">
-              <a:solidFill>
-                <a:srgbClr val="4ACBD6"/>
-              </a:solidFill>
-              <a:latin typeface="Arial"/>
-              <a:cs typeface="Arial"/>
-            </a:endParaRPr>
-          </a:p>
-          <a:p>
-            <a:endParaRPr lang="en-US" altLang="zh-CN" sz="2600" b="1" dirty="0" smtClean="0">
-              <a:solidFill>
-                <a:srgbClr val="4ACBD6"/>
-              </a:solidFill>
-              <a:latin typeface="Arial"/>
-              <a:cs typeface="Arial"/>
-            </a:endParaRPr>
-          </a:p>
-          <a:p>
-            <a:endParaRPr lang="zh-CN" altLang="en-US" sz="2600" b="1" dirty="0">
-              <a:solidFill>
-                <a:srgbClr val="4ACBD6"/>
-              </a:solidFill>
-              <a:latin typeface="Arial"/>
-              <a:cs typeface="Arial"/>
-            </a:endParaRPr>
-          </a:p>
-        </p:txBody>
-      </p:sp>
-    </p:spTree>
-    <p:extLst>
-      <p:ext uri="{BB962C8B-B14F-4D97-AF65-F5344CB8AC3E}">
-        <p14:creationId xmlns:p14="http://schemas.microsoft.com/office/powerpoint/2010/main" val="3802837750"/>
-      </p:ext>
-    </p:extLst>
-  </p:cSld>
-  <p:clrMapOvr>
-    <a:masterClrMapping/>
-  </p:clrMapOvr>
-  <p:transition spd="slow">
-    <p:push dir="u"/>
-  </p:transition>
-  <p:timing>
-    <p:tnLst>
-      <p:par>
-        <p:cTn id="1" dur="indefinite" restart="never" nodeType="tmRoot">
-          <p:childTnLst>
-            <p:seq concurrent="1" nextAc="seek">
-              <p:cTn id="2" dur="indefinite" nodeType="mainSeq">
-                <p:childTnLst>
-                  <p:par>
-                    <p:cTn id="3" fill="hold">
-                      <p:stCondLst>
-                        <p:cond delay="indefinite"/>
-                        <p:cond evt="onBegin" delay="0">
-                          <p:tn val="2"/>
-                        </p:cond>
-                      </p:stCondLst>
-                      <p:childTnLst>
-                        <p:par>
-                          <p:cTn id="4" fill="hold">
-                            <p:stCondLst>
-                              <p:cond delay="0"/>
-                            </p:stCondLst>
-                            <p:childTnLst>
-                              <p:par>
-                                <p:cTn id="5" presetID="19" presetClass="emph" presetSubtype="0" fill="hold" nodeType="withEffect">
-                                  <p:stCondLst>
-                                    <p:cond delay="0"/>
-                                  </p:stCondLst>
-                                  <p:childTnLst>
-                                    <p:animClr clrSpc="rgb" dir="cw">
-                                      <p:cBhvr override="childStyle">
-                                        <p:cTn id="6" dur="500" fill="hold"/>
-                                        <p:tgtEl>
-                                          <p:spTgt spid="2">
-                                            <p:txEl>
-                                              <p:pRg st="6" end="6"/>
-                                            </p:txEl>
-                                          </p:spTgt>
-                                        </p:tgtEl>
-                                        <p:attrNameLst>
-                                          <p:attrName>style.color</p:attrName>
-                                        </p:attrNameLst>
-                                      </p:cBhvr>
-                                      <p:to>
-                                        <a:srgbClr val="FFCC08"/>
-                                      </p:to>
-                                    </p:animClr>
-                                    <p:animClr clrSpc="rgb" dir="cw">
-                                      <p:cBhvr>
-                                        <p:cTn id="7" dur="500" fill="hold"/>
-                                        <p:tgtEl>
-                                          <p:spTgt spid="2">
-                                            <p:txEl>
-                                              <p:pRg st="6" end="6"/>
-                                            </p:txEl>
-                                          </p:spTgt>
-                                        </p:tgtEl>
-                                        <p:attrNameLst>
-                                          <p:attrName>fillcolor</p:attrName>
-                                        </p:attrNameLst>
-                                      </p:cBhvr>
-                                      <p:to>
-                                        <a:srgbClr val="FFCC08"/>
-                                      </p:to>
-                                    </p:animClr>
-                                    <p:set>
-                                      <p:cBhvr>
-                                        <p:cTn id="8" dur="500" fill="hold"/>
-                                        <p:tgtEl>
-                                          <p:spTgt spid="2">
-                                            <p:txEl>
-                                              <p:pRg st="6" end="6"/>
-                                            </p:txEl>
-                                          </p:spTgt>
-                                        </p:tgtEl>
-                                        <p:attrNameLst>
-                                          <p:attrName>fill.type</p:attrName>
-                                        </p:attrNameLst>
-                                      </p:cBhvr>
-                                      <p:to>
-                                        <p:strVal val="solid"/>
-                                      </p:to>
-                                    </p:set>
-                                    <p:set>
-                                      <p:cBhvr>
-                                        <p:cTn id="9" dur="500" fill="hold"/>
-                                        <p:tgtEl>
-                                          <p:spTgt spid="2">
-                                            <p:txEl>
-                                              <p:pRg st="6" end="6"/>
-                                            </p:txEl>
-                                          </p:spTgt>
-                                        </p:tgtEl>
-                                        <p:attrNameLst>
-                                          <p:attrName>fill.on</p:attrName>
-                                        </p:attrNameLst>
-                                      </p:cBhvr>
-                                      <p:to>
-                                        <p:strVal val="true"/>
-                                      </p:to>
-                                    </p:set>
-                                  </p:childTnLst>
-                                </p:cTn>
-                              </p:par>
-                            </p:childTnLst>
-                          </p:cTn>
-                        </p:par>
-                      </p:childTnLst>
-                    </p:cTn>
-                  </p:par>
-                </p:childTnLst>
-              </p:cTn>
-              <p:prevCondLst>
-                <p:cond evt="onPrev" delay="0">
-                  <p:tgtEl>
-                    <p:sldTgt/>
-                  </p:tgtEl>
-                </p:cond>
-              </p:prevCondLst>
-              <p:nextCondLst>
-                <p:cond evt="onNext" delay="0">
-                  <p:tgtEl>
-                    <p:sldTgt/>
-                  </p:tgtEl>
-                </p:cond>
-              </p:nextCondLst>
-            </p:seq>
-          </p:childTnLst>
-        </p:cTn>
-      </p:par>
-    </p:tnLst>
-  </p:timing>
-</p:sld>
-</file>
-
-<file path=ppt/slides/slide32.xml><?xml version="1.0" encoding="utf-8"?>
-<p:sld xmlns:a="http://schemas.openxmlformats.org/drawingml/2006/main" xmlns:r="http://schemas.openxmlformats.org/officeDocument/2006/relationships" xmlns:p="http://schemas.openxmlformats.org/presentationml/2006/main">
-  <p:cSld>
-    <p:spTree>
-      <p:nvGrpSpPr>
-        <p:cNvPr id="1" name=""/>
-        <p:cNvGrpSpPr/>
-        <p:nvPr/>
-      </p:nvGrpSpPr>
-      <p:grpSpPr>
-        <a:xfrm>
-          <a:off x="0" y="0"/>
-          <a:ext cx="0" cy="0"/>
-          <a:chOff x="0" y="0"/>
-          <a:chExt cx="0" cy="0"/>
-        </a:xfrm>
-      </p:grpSpPr>
-      <p:sp>
-        <p:nvSpPr>
-          <p:cNvPr id="3" name="文本占位符 2"/>
-          <p:cNvSpPr>
-            <a:spLocks noGrp="1"/>
-          </p:cNvSpPr>
-          <p:nvPr>
-            <p:ph type="body" sz="quarter" idx="13"/>
-          </p:nvPr>
-        </p:nvSpPr>
-        <p:spPr/>
-        <p:txBody>
-          <a:bodyPr/>
-          <a:lstStyle/>
-          <a:p>
-            <a:r>
-              <a:rPr lang="zh-CN" altLang="en-US" sz="2400" dirty="0" smtClean="0">
-                <a:latin typeface="宋体" panose="02010600030101010101" pitchFamily="2" charset="-122"/>
-                <a:ea typeface="宋体" panose="02010600030101010101" pitchFamily="2" charset="-122"/>
-              </a:rPr>
-              <a:t>巩固了编程技术</a:t>
-            </a:r>
-            <a:endParaRPr lang="en-US" altLang="zh-CN" sz="2400" dirty="0" smtClean="0">
-              <a:latin typeface="宋体" panose="02010600030101010101" pitchFamily="2" charset="-122"/>
-              <a:ea typeface="宋体" panose="02010600030101010101" pitchFamily="2" charset="-122"/>
-            </a:endParaRPr>
-          </a:p>
-          <a:p>
-            <a:r>
-              <a:rPr lang="zh-CN" altLang="en-US" sz="2400" dirty="0">
-                <a:latin typeface="宋体" panose="02010600030101010101" pitchFamily="2" charset="-122"/>
-                <a:ea typeface="宋体" panose="02010600030101010101" pitchFamily="2" charset="-122"/>
-              </a:rPr>
-              <a:t>学到了</a:t>
-            </a:r>
-            <a:r>
-              <a:rPr lang="zh-CN" altLang="en-US" sz="2400" dirty="0" smtClean="0">
-                <a:latin typeface="宋体" panose="02010600030101010101" pitchFamily="2" charset="-122"/>
-                <a:ea typeface="宋体" panose="02010600030101010101" pitchFamily="2" charset="-122"/>
-              </a:rPr>
-              <a:t>新的知识</a:t>
-            </a:r>
-            <a:endParaRPr lang="en-US" altLang="zh-CN" sz="2400" dirty="0">
-              <a:latin typeface="宋体" panose="02010600030101010101" pitchFamily="2" charset="-122"/>
-              <a:ea typeface="宋体" panose="02010600030101010101" pitchFamily="2" charset="-122"/>
-            </a:endParaRPr>
-          </a:p>
-          <a:p>
-            <a:r>
-              <a:rPr lang="zh-CN" altLang="en-US" sz="2400" dirty="0" smtClean="0">
-                <a:latin typeface="宋体" panose="02010600030101010101" pitchFamily="2" charset="-122"/>
-                <a:ea typeface="宋体" panose="02010600030101010101" pitchFamily="2" charset="-122"/>
-              </a:rPr>
-              <a:t>熟悉了组里的项目</a:t>
-            </a:r>
-            <a:endParaRPr lang="en-US" altLang="zh-CN" sz="2400" dirty="0" smtClean="0">
-              <a:latin typeface="宋体" panose="02010600030101010101" pitchFamily="2" charset="-122"/>
-              <a:ea typeface="宋体" panose="02010600030101010101" pitchFamily="2" charset="-122"/>
-            </a:endParaRPr>
-          </a:p>
-        </p:txBody>
-      </p:sp>
-      <p:sp>
-        <p:nvSpPr>
-          <p:cNvPr id="7" name="标题 3"/>
-          <p:cNvSpPr txBox="1">
-            <a:spLocks/>
-          </p:cNvSpPr>
-          <p:nvPr/>
-        </p:nvSpPr>
-        <p:spPr>
-          <a:xfrm>
-            <a:off x="571170" y="677960"/>
-            <a:ext cx="8115630" cy="617440"/>
-          </a:xfrm>
-          <a:prstGeom prst="rect">
-            <a:avLst/>
-          </a:prstGeom>
-          <a:ln>
-            <a:noFill/>
-          </a:ln>
-        </p:spPr>
-        <p:txBody>
-          <a:bodyPr vert="horz"/>
-          <a:lstStyle>
-            <a:lvl1pPr algn="l" defTabSz="457200" rtl="0" eaLnBrk="1" latinLnBrk="0" hangingPunct="1">
-              <a:lnSpc>
-                <a:spcPct val="90000"/>
-              </a:lnSpc>
-              <a:spcBef>
-                <a:spcPct val="0"/>
-              </a:spcBef>
-              <a:buNone/>
-              <a:defRPr sz="2600" b="1" i="0" kern="1200" baseline="0">
-                <a:solidFill>
-                  <a:srgbClr val="4ACBD6"/>
-                </a:solidFill>
-                <a:latin typeface="Arial"/>
-                <a:ea typeface="+mj-ea"/>
-                <a:cs typeface="Arial"/>
-              </a:defRPr>
-            </a:lvl1pPr>
-          </a:lstStyle>
-          <a:p>
-            <a:r>
-              <a:rPr lang="en-US" altLang="zh-CN" sz="3200" dirty="0" smtClean="0">
-                <a:latin typeface="+mj-ea"/>
-              </a:rPr>
               <a:t>7. </a:t>
             </a:r>
             <a:r>
@@ -16884,7 +16195,7 @@
 </p:sld>
 </file>
 
-<file path=ppt/slides/slide33.xml><?xml version="1.0" encoding="utf-8"?>
+<file path=ppt/slides/slide32.xml><?xml version="1.0" encoding="utf-8"?>
 <p:sld xmlns:a="http://schemas.openxmlformats.org/drawingml/2006/main" xmlns:r="http://schemas.openxmlformats.org/officeDocument/2006/relationships" xmlns:p="http://schemas.openxmlformats.org/presentationml/2006/main">
   <p:cSld>
     <p:spTree>
@@ -17330,7 +16641,7 @@
             <a:r>
               <a:rPr lang="zh-CN" altLang="en-US" sz="3200" b="1" dirty="0" smtClean="0">
                 <a:solidFill>
-                  <a:srgbClr val="4ACBD6"/>
+                  <a:srgbClr val="FFCC08"/>
                 </a:solidFill>
                 <a:latin typeface="+mj-ea"/>
                 <a:ea typeface="+mj-ea"/>
@@ -17340,7 +16651,7 @@
             </a:r>
             <a:endParaRPr lang="en-US" altLang="zh-CN" sz="3200" b="1" dirty="0" smtClean="0">
               <a:solidFill>
-                <a:srgbClr val="4ACBD6"/>
+                <a:srgbClr val="FFCC08"/>
               </a:solidFill>
               <a:latin typeface="+mj-ea"/>
               <a:ea typeface="+mj-ea"/>
@@ -17496,132 +16807,7 @@
   <p:timing>
     <p:tnLst>
       <p:par>
-        <p:cTn id="1" dur="indefinite" restart="never" nodeType="tmRoot">
-          <p:childTnLst>
-            <p:seq concurrent="1" nextAc="seek">
-              <p:cTn id="2" dur="indefinite" nodeType="mainSeq">
-                <p:childTnLst>
-                  <p:par>
-                    <p:cTn id="3" fill="hold">
-                      <p:stCondLst>
-                        <p:cond delay="indefinite"/>
-                        <p:cond evt="onBegin" delay="0">
-                          <p:tn val="2"/>
-                        </p:cond>
-                      </p:stCondLst>
-                      <p:childTnLst>
-                        <p:par>
-                          <p:cTn id="4" fill="hold">
-                            <p:stCondLst>
-                              <p:cond delay="0"/>
-                            </p:stCondLst>
-                            <p:childTnLst>
-                              <p:par>
-                                <p:cTn id="5" presetID="19" presetClass="emph" presetSubtype="0" fill="hold" nodeType="withEffect">
-                                  <p:stCondLst>
-                                    <p:cond delay="0"/>
-                                  </p:stCondLst>
-                                  <p:childTnLst>
-                                    <p:animClr clrSpc="rgb" dir="cw">
-                                      <p:cBhvr override="childStyle">
-                                        <p:cTn id="6" dur="500" fill="hold"/>
-                                        <p:tgtEl>
-                                          <p:spTgt spid="2">
-                                            <p:txEl>
-                                              <p:pRg st="1" end="1"/>
-                                            </p:txEl>
-                                          </p:spTgt>
-                                        </p:tgtEl>
-                                        <p:attrNameLst>
-                                          <p:attrName>style.color</p:attrName>
-                                        </p:attrNameLst>
-                                      </p:cBhvr>
-                                      <p:to>
-                                        <a:srgbClr val="FFCC08"/>
-                                      </p:to>
-                                    </p:animClr>
-                                    <p:animClr clrSpc="rgb" dir="cw">
-                                      <p:cBhvr>
-                                        <p:cTn id="7" dur="500" fill="hold"/>
-                                        <p:tgtEl>
-                                          <p:spTgt spid="2">
-                                            <p:txEl>
-                                              <p:pRg st="1" end="1"/>
-                                            </p:txEl>
-                                          </p:spTgt>
-                                        </p:tgtEl>
-                                        <p:attrNameLst>
-                                          <p:attrName>fillcolor</p:attrName>
-                                        </p:attrNameLst>
-                                      </p:cBhvr>
-                                      <p:to>
-                                        <a:srgbClr val="FFCC08"/>
-                                      </p:to>
-                                    </p:animClr>
-                                    <p:set>
-                                      <p:cBhvr>
-                                        <p:cTn id="8" dur="500" fill="hold"/>
-                                        <p:tgtEl>
-                                          <p:spTgt spid="2">
-                                            <p:txEl>
-                                              <p:pRg st="1" end="1"/>
-                                            </p:txEl>
-                                          </p:spTgt>
-                                        </p:tgtEl>
-                                        <p:attrNameLst>
-                                          <p:attrName>fill.type</p:attrName>
-                                        </p:attrNameLst>
-                                      </p:cBhvr>
-                                      <p:to>
-                                        <p:strVal val="solid"/>
-                                      </p:to>
-                                    </p:set>
-                                    <p:set>
-                                      <p:cBhvr>
-                                        <p:cTn id="9" dur="500" fill="hold"/>
-                                        <p:tgtEl>
-                                          <p:spTgt spid="2">
-                                            <p:txEl>
-                                              <p:pRg st="1" end="1"/>
-                                            </p:txEl>
-                                          </p:spTgt>
-                                        </p:tgtEl>
-                                        <p:attrNameLst>
-                                          <p:attrName>fill.on</p:attrName>
-                                        </p:attrNameLst>
-                                      </p:cBhvr>
-                                      <p:to>
-                                        <p:strVal val="true"/>
-                                      </p:to>
-                                    </p:set>
-                                  </p:childTnLst>
-                                </p:cTn>
-                              </p:par>
-                            </p:childTnLst>
-                          </p:cTn>
-                        </p:par>
-                      </p:childTnLst>
-                    </p:cTn>
-                  </p:par>
-                </p:childTnLst>
-              </p:cTn>
-              <p:prevCondLst>
-                <p:cond evt="onPrev" delay="0">
-                  <p:tgtEl>
-                    <p:sldTgt/>
-                  </p:tgtEl>
-                </p:cond>
-              </p:prevCondLst>
-              <p:nextCondLst>
-                <p:cond evt="onNext" delay="0">
-                  <p:tgtEl>
-                    <p:sldTgt/>
-                  </p:tgtEl>
-                </p:cond>
-              </p:nextCondLst>
-            </p:seq>
-          </p:childTnLst>
-        </p:cTn>
+        <p:cTn id="1" dur="indefinite" restart="never" nodeType="tmRoot"/>
       </p:par>
     </p:tnLst>
   </p:timing>
@@ -18025,7 +17211,7 @@
           <a:graphicData uri="http://schemas.openxmlformats.org/presentationml/2006/ole">
             <mc:AlternateContent xmlns:mc="http://schemas.openxmlformats.org/markup-compatibility/2006">
               <mc:Choice xmlns:v="urn:schemas-microsoft-com:vml" Requires="v">
-                <p:oleObj spid="_x0000_s5165" name="Visio" r:id="rId4" imgW="5429160" imgH="1181010" progId="Visio.Drawing.15">
+                <p:oleObj spid="_x0000_s5175" name="Visio" r:id="rId4" imgW="5429160" imgH="1181010" progId="Visio.Drawing.15">
                   <p:embed/>
                 </p:oleObj>
               </mc:Choice>
@@ -18101,7 +17287,7 @@
           <a:graphicData uri="http://schemas.openxmlformats.org/presentationml/2006/ole">
             <mc:AlternateContent xmlns:mc="http://schemas.openxmlformats.org/markup-compatibility/2006">
               <mc:Choice xmlns:v="urn:schemas-microsoft-com:vml" Requires="v">
-                <p:oleObj spid="_x0000_s5166" name="Visio" r:id="rId6" imgW="6381621" imgH="4562460" progId="Visio.Drawing.15">
+                <p:oleObj spid="_x0000_s5176" name="Visio" r:id="rId6" imgW="6381621" imgH="4562460" progId="Visio.Drawing.15">
                   <p:embed/>
                 </p:oleObj>
               </mc:Choice>
@@ -18165,6 +17351,9 @@
                     <p:cTn id="3" fill="hold">
                       <p:stCondLst>
                         <p:cond delay="indefinite"/>
+                        <p:cond evt="onBegin" delay="0">
+                          <p:tn val="2"/>
+                        </p:cond>
                       </p:stCondLst>
                       <p:childTnLst>
                         <p:par>
@@ -18174,7 +17363,7 @@
                             </p:stCondLst>
                             <p:childTnLst>
                               <p:par>
-                                <p:cTn id="5" presetID="10" presetClass="entr" presetSubtype="0" fill="hold" nodeType="clickEffect">
+                                <p:cTn id="5" presetID="10" presetClass="entr" presetSubtype="0" fill="hold" nodeType="withEffect">
                                   <p:stCondLst>
                                     <p:cond delay="0"/>
                                   </p:stCondLst>
@@ -18409,7 +17598,7 @@
             <a:r>
               <a:rPr lang="zh-CN" altLang="en-US" sz="3200" b="1" dirty="0" smtClean="0">
                 <a:solidFill>
-                  <a:srgbClr val="4ACBD6"/>
+                  <a:srgbClr val="FFCC08"/>
                 </a:solidFill>
                 <a:latin typeface="+mj-ea"/>
                 <a:ea typeface="+mj-ea"/>
@@ -18419,7 +17608,7 @@
             </a:r>
             <a:endParaRPr lang="en-US" altLang="zh-CN" sz="3200" b="1" dirty="0" smtClean="0">
               <a:solidFill>
-                <a:srgbClr val="4ACBD6"/>
+                <a:srgbClr val="FFCC08"/>
               </a:solidFill>
               <a:latin typeface="+mj-ea"/>
               <a:ea typeface="+mj-ea"/>
@@ -18567,132 +17756,7 @@
   <p:timing>
     <p:tnLst>
       <p:par>
-        <p:cTn id="1" dur="indefinite" restart="never" nodeType="tmRoot">
-          <p:childTnLst>
-            <p:seq concurrent="1" nextAc="seek">
-              <p:cTn id="2" dur="indefinite" nodeType="mainSeq">
-                <p:childTnLst>
-                  <p:par>
-                    <p:cTn id="3" fill="hold">
-                      <p:stCondLst>
-                        <p:cond delay="indefinite"/>
-                        <p:cond evt="onBegin" delay="0">
-                          <p:tn val="2"/>
-                        </p:cond>
-                      </p:stCondLst>
-                      <p:childTnLst>
-                        <p:par>
-                          <p:cTn id="4" fill="hold">
-                            <p:stCondLst>
-                              <p:cond delay="0"/>
-                            </p:stCondLst>
-                            <p:childTnLst>
-                              <p:par>
-                                <p:cTn id="5" presetID="19" presetClass="emph" presetSubtype="0" fill="hold" nodeType="withEffect">
-                                  <p:stCondLst>
-                                    <p:cond delay="0"/>
-                                  </p:stCondLst>
-                                  <p:childTnLst>
-                                    <p:animClr clrSpc="rgb" dir="cw">
-                                      <p:cBhvr override="childStyle">
-                                        <p:cTn id="6" dur="500" fill="hold"/>
-                                        <p:tgtEl>
-                                          <p:spTgt spid="2">
-                                            <p:txEl>
-                                              <p:pRg st="2" end="2"/>
-                                            </p:txEl>
-                                          </p:spTgt>
-                                        </p:tgtEl>
-                                        <p:attrNameLst>
-                                          <p:attrName>style.color</p:attrName>
-                                        </p:attrNameLst>
-                                      </p:cBhvr>
-                                      <p:to>
-                                        <a:srgbClr val="FFCC08"/>
-                                      </p:to>
-                                    </p:animClr>
-                                    <p:animClr clrSpc="rgb" dir="cw">
-                                      <p:cBhvr>
-                                        <p:cTn id="7" dur="500" fill="hold"/>
-                                        <p:tgtEl>
-                                          <p:spTgt spid="2">
-                                            <p:txEl>
-                                              <p:pRg st="2" end="2"/>
-                                            </p:txEl>
-                                          </p:spTgt>
-                                        </p:tgtEl>
-                                        <p:attrNameLst>
-                                          <p:attrName>fillcolor</p:attrName>
-                                        </p:attrNameLst>
-                                      </p:cBhvr>
-                                      <p:to>
-                                        <a:srgbClr val="FFCC08"/>
-                                      </p:to>
-                                    </p:animClr>
-                                    <p:set>
-                                      <p:cBhvr>
-                                        <p:cTn id="8" dur="500" fill="hold"/>
-                                        <p:tgtEl>
-                                          <p:spTgt spid="2">
-                                            <p:txEl>
-                                              <p:pRg st="2" end="2"/>
-                                            </p:txEl>
-                                          </p:spTgt>
-                                        </p:tgtEl>
-                                        <p:attrNameLst>
-                                          <p:attrName>fill.type</p:attrName>
-                                        </p:attrNameLst>
-                                      </p:cBhvr>
-                                      <p:to>
-                                        <p:strVal val="solid"/>
-                                      </p:to>
-                                    </p:set>
-                                    <p:set>
-                                      <p:cBhvr>
-                                        <p:cTn id="9" dur="500" fill="hold"/>
-                                        <p:tgtEl>
-                                          <p:spTgt spid="2">
-                                            <p:txEl>
-                                              <p:pRg st="2" end="2"/>
-                                            </p:txEl>
-                                          </p:spTgt>
-                                        </p:tgtEl>
-                                        <p:attrNameLst>
-                                          <p:attrName>fill.on</p:attrName>
-                                        </p:attrNameLst>
-                                      </p:cBhvr>
-                                      <p:to>
-                                        <p:strVal val="true"/>
-                                      </p:to>
-                                    </p:set>
-                                  </p:childTnLst>
-                                </p:cTn>
-                              </p:par>
-                            </p:childTnLst>
-                          </p:cTn>
-                        </p:par>
-                      </p:childTnLst>
-                    </p:cTn>
-                  </p:par>
-                </p:childTnLst>
-              </p:cTn>
-              <p:prevCondLst>
-                <p:cond evt="onPrev" delay="0">
-                  <p:tgtEl>
-                    <p:sldTgt/>
-                  </p:tgtEl>
-                </p:cond>
-              </p:prevCondLst>
-              <p:nextCondLst>
-                <p:cond evt="onNext" delay="0">
-                  <p:tgtEl>
-                    <p:sldTgt/>
-                  </p:tgtEl>
-                </p:cond>
-              </p:nextCondLst>
-            </p:seq>
-          </p:childTnLst>
-        </p:cTn>
+        <p:cTn id="1" dur="indefinite" restart="never" nodeType="tmRoot"/>
       </p:par>
     </p:tnLst>
   </p:timing>
@@ -19055,7 +18119,7 @@
             <a:r>
               <a:rPr lang="zh-CN" altLang="en-US" sz="3200" b="1" dirty="0" smtClean="0">
                 <a:solidFill>
-                  <a:srgbClr val="4ACBD6"/>
+                  <a:srgbClr val="FFCC08"/>
                 </a:solidFill>
                 <a:latin typeface="+mj-ea"/>
                 <a:ea typeface="+mj-ea"/>
@@ -19065,7 +18129,7 @@
             </a:r>
             <a:endParaRPr lang="en-US" altLang="zh-CN" sz="3200" b="1" dirty="0" smtClean="0">
               <a:solidFill>
-                <a:srgbClr val="4ACBD6"/>
+                <a:srgbClr val="FFCC08"/>
               </a:solidFill>
               <a:latin typeface="+mj-ea"/>
               <a:ea typeface="+mj-ea"/>
@@ -19192,132 +18256,7 @@
   <p:timing>
     <p:tnLst>
       <p:par>
-        <p:cTn id="1" dur="indefinite" restart="never" nodeType="tmRoot">
-          <p:childTnLst>
-            <p:seq concurrent="1" nextAc="seek">
-              <p:cTn id="2" dur="indefinite" nodeType="mainSeq">
-                <p:childTnLst>
-                  <p:par>
-                    <p:cTn id="3" fill="hold">
-                      <p:stCondLst>
-                        <p:cond delay="indefinite"/>
-                        <p:cond evt="onBegin" delay="0">
-                          <p:tn val="2"/>
-                        </p:cond>
-                      </p:stCondLst>
-                      <p:childTnLst>
-                        <p:par>
-                          <p:cTn id="4" fill="hold">
-                            <p:stCondLst>
-                              <p:cond delay="0"/>
-                            </p:stCondLst>
-                            <p:childTnLst>
-                              <p:par>
-                                <p:cTn id="5" presetID="19" presetClass="emph" presetSubtype="0" fill="hold" nodeType="withEffect">
-                                  <p:stCondLst>
-                                    <p:cond delay="0"/>
-                                  </p:stCondLst>
-                                  <p:childTnLst>
-                                    <p:animClr clrSpc="rgb" dir="cw">
-                                      <p:cBhvr override="childStyle">
-                                        <p:cTn id="6" dur="500" fill="hold"/>
-                                        <p:tgtEl>
-                                          <p:spTgt spid="2">
-                                            <p:txEl>
-                                              <p:pRg st="3" end="3"/>
-                                            </p:txEl>
-                                          </p:spTgt>
-                                        </p:tgtEl>
-                                        <p:attrNameLst>
-                                          <p:attrName>style.color</p:attrName>
-                                        </p:attrNameLst>
-                                      </p:cBhvr>
-                                      <p:to>
-                                        <a:srgbClr val="FFCC08"/>
-                                      </p:to>
-                                    </p:animClr>
-                                    <p:animClr clrSpc="rgb" dir="cw">
-                                      <p:cBhvr>
-                                        <p:cTn id="7" dur="500" fill="hold"/>
-                                        <p:tgtEl>
-                                          <p:spTgt spid="2">
-                                            <p:txEl>
-                                              <p:pRg st="3" end="3"/>
-                                            </p:txEl>
-                                          </p:spTgt>
-                                        </p:tgtEl>
-                                        <p:attrNameLst>
-                                          <p:attrName>fillcolor</p:attrName>
-                                        </p:attrNameLst>
-                                      </p:cBhvr>
-                                      <p:to>
-                                        <a:srgbClr val="FFCC08"/>
-                                      </p:to>
-                                    </p:animClr>
-                                    <p:set>
-                                      <p:cBhvr>
-                                        <p:cTn id="8" dur="500" fill="hold"/>
-                                        <p:tgtEl>
-                                          <p:spTgt spid="2">
-                                            <p:txEl>
-                                              <p:pRg st="3" end="3"/>
-                                            </p:txEl>
-                                          </p:spTgt>
-                                        </p:tgtEl>
-                                        <p:attrNameLst>
-                                          <p:attrName>fill.type</p:attrName>
-                                        </p:attrNameLst>
-                                      </p:cBhvr>
-                                      <p:to>
-                                        <p:strVal val="solid"/>
-                                      </p:to>
-                                    </p:set>
-                                    <p:set>
-                                      <p:cBhvr>
-                                        <p:cTn id="9" dur="500" fill="hold"/>
-                                        <p:tgtEl>
-                                          <p:spTgt spid="2">
-                                            <p:txEl>
-                                              <p:pRg st="3" end="3"/>
-                                            </p:txEl>
-                                          </p:spTgt>
-                                        </p:tgtEl>
-                                        <p:attrNameLst>
-                                          <p:attrName>fill.on</p:attrName>
-                                        </p:attrNameLst>
-                                      </p:cBhvr>
-                                      <p:to>
-                                        <p:strVal val="true"/>
-                                      </p:to>
-                                    </p:set>
-                                  </p:childTnLst>
-                                </p:cTn>
-                              </p:par>
-                            </p:childTnLst>
-                          </p:cTn>
-                        </p:par>
-                      </p:childTnLst>
-                    </p:cTn>
-                  </p:par>
-                </p:childTnLst>
-              </p:cTn>
-              <p:prevCondLst>
-                <p:cond evt="onPrev" delay="0">
-                  <p:tgtEl>
-                    <p:sldTgt/>
-                  </p:tgtEl>
-                </p:cond>
-              </p:prevCondLst>
-              <p:nextCondLst>
-                <p:cond evt="onNext" delay="0">
-                  <p:tgtEl>
-                    <p:sldTgt/>
-                  </p:tgtEl>
-                </p:cond>
-              </p:nextCondLst>
-            </p:seq>
-          </p:childTnLst>
-        </p:cTn>
+        <p:cTn id="1" dur="indefinite" restart="never" nodeType="tmRoot"/>
       </p:par>
     </p:tnLst>
   </p:timing>
@@ -20316,24 +19255,6 @@
 </file>
 
 <file path=customXml/item1.xml><?xml version="1.0" encoding="utf-8"?>
-<p:properties xmlns:p="http://schemas.microsoft.com/office/2006/metadata/properties" xmlns:xsi="http://www.w3.org/2001/XMLSchema-instance" xmlns:pc="http://schemas.microsoft.com/office/infopath/2007/PartnerControls">
-  <documentManagement>
-    <_Version xmlns="http://schemas.microsoft.com/sharepoint/v3/fields" xsi:nil="true"/>
-    <_Status xmlns="http://schemas.microsoft.com/sharepoint/v3/fields">Not Started</_Status>
-  </documentManagement>
-</p:properties>
-</file>
-
-<file path=customXml/item2.xml><?xml version="1.0" encoding="utf-8"?>
-<?mso-contentType ?>
-<FormTemplates xmlns="http://schemas.microsoft.com/sharepoint/v3/contenttype/forms">
-  <Display>DocumentLibraryForm</Display>
-  <Edit>DocumentLibraryForm</Edit>
-  <New>DocumentLibraryForm</New>
-</FormTemplates>
-</file>
-
-<file path=customXml/item3.xml><?xml version="1.0" encoding="utf-8"?>
 <ct:contentTypeSchema xmlns:ct="http://schemas.microsoft.com/office/2006/metadata/contentType" xmlns:ma="http://schemas.microsoft.com/office/2006/metadata/properties/metaAttributes" ct:_="" ma:_="" ma:contentTypeName="Document" ma:contentTypeID="0x0101000DE64AEEDD9B7A4D93545ACBE97D4615" ma:contentTypeVersion="2" ma:contentTypeDescription="Create a new document." ma:contentTypeScope="" ma:versionID="f49002b78e3a4a71b814eef46a983816">
   <xsd:schema xmlns:xsd="http://www.w3.org/2001/XMLSchema" xmlns:xs="http://www.w3.org/2001/XMLSchema" xmlns:p="http://schemas.microsoft.com/office/2006/metadata/properties" xmlns:ns2="http://schemas.microsoft.com/sharepoint/v3/fields" targetNamespace="http://schemas.microsoft.com/office/2006/metadata/properties" ma:root="true" ma:fieldsID="38f6db2dd0d9a0cf6a8dc37be32b365b" ns2:_="">
     <xsd:import namespace="http://schemas.microsoft.com/sharepoint/v3/fields"/>
@@ -20477,31 +19398,25 @@
 </ct:contentTypeSchema>
 </file>
 
-<file path=customXml/itemProps1.xml><?xml version="1.0" encoding="utf-8"?>
-<ds:datastoreItem xmlns:ds="http://schemas.openxmlformats.org/officeDocument/2006/customXml" ds:itemID="{7B6F2769-7194-4217-93D3-3AF3A4742282}">
-  <ds:schemaRefs>
-    <ds:schemaRef ds:uri="http://purl.org/dc/terms/"/>
-    <ds:schemaRef ds:uri="http://schemas.microsoft.com/office/2006/documentManagement/types"/>
-    <ds:schemaRef ds:uri="http://schemas.microsoft.com/office/2006/metadata/properties"/>
-    <ds:schemaRef ds:uri="http://schemas.openxmlformats.org/package/2006/metadata/core-properties"/>
-    <ds:schemaRef ds:uri="http://purl.org/dc/elements/1.1/"/>
-    <ds:schemaRef ds:uri="http://purl.org/dc/dcmitype/"/>
-    <ds:schemaRef ds:uri="http://schemas.microsoft.com/office/infopath/2007/PartnerControls"/>
-    <ds:schemaRef ds:uri="http://schemas.microsoft.com/sharepoint/v3/fields"/>
-    <ds:schemaRef ds:uri="http://www.w3.org/XML/1998/namespace"/>
-  </ds:schemaRefs>
-</ds:datastoreItem>
+<file path=customXml/item2.xml><?xml version="1.0" encoding="utf-8"?>
+<?mso-contentType ?>
+<FormTemplates xmlns="http://schemas.microsoft.com/sharepoint/v3/contenttype/forms">
+  <Display>DocumentLibraryForm</Display>
+  <Edit>DocumentLibraryForm</Edit>
+  <New>DocumentLibraryForm</New>
+</FormTemplates>
 </file>
 
-<file path=customXml/itemProps2.xml><?xml version="1.0" encoding="utf-8"?>
-<ds:datastoreItem xmlns:ds="http://schemas.openxmlformats.org/officeDocument/2006/customXml" ds:itemID="{87D2A1B0-FF3E-4009-940D-AED0EB70AA20}">
-  <ds:schemaRefs>
-    <ds:schemaRef ds:uri="http://schemas.microsoft.com/sharepoint/v3/contenttype/forms"/>
-  </ds:schemaRefs>
-</ds:datastoreItem>
+<file path=customXml/item3.xml><?xml version="1.0" encoding="utf-8"?>
+<p:properties xmlns:p="http://schemas.microsoft.com/office/2006/metadata/properties" xmlns:xsi="http://www.w3.org/2001/XMLSchema-instance" xmlns:pc="http://schemas.microsoft.com/office/infopath/2007/PartnerControls">
+  <documentManagement>
+    <_Version xmlns="http://schemas.microsoft.com/sharepoint/v3/fields" xsi:nil="true"/>
+    <_Status xmlns="http://schemas.microsoft.com/sharepoint/v3/fields">Not Started</_Status>
+  </documentManagement>
+</p:properties>
 </file>
 
-<file path=customXml/itemProps3.xml><?xml version="1.0" encoding="utf-8"?>
+<file path=customXml/itemProps1.xml><?xml version="1.0" encoding="utf-8"?>
 <ds:datastoreItem xmlns:ds="http://schemas.openxmlformats.org/officeDocument/2006/customXml" ds:itemID="{E4214858-785C-42F7-BE66-6D0E79395FC8}">
   <ds:schemaRefs>
     <ds:schemaRef ds:uri="http://schemas.microsoft.com/office/2006/metadata/contentType"/>
@@ -20517,4 +19432,28 @@
     <ds:schemaRef ds:uri="http://schemas.microsoft.com/internal/obd"/>
   </ds:schemaRefs>
 </ds:datastoreItem>
+</file>
+
+<file path=customXml/itemProps2.xml><?xml version="1.0" encoding="utf-8"?>
+<ds:datastoreItem xmlns:ds="http://schemas.openxmlformats.org/officeDocument/2006/customXml" ds:itemID="{87D2A1B0-FF3E-4009-940D-AED0EB70AA20}">
+  <ds:schemaRefs>
+    <ds:schemaRef ds:uri="http://schemas.microsoft.com/sharepoint/v3/contenttype/forms"/>
+  </ds:schemaRefs>
+</ds:datastoreItem>
+</file>
+
+<file path=customXml/itemProps3.xml><?xml version="1.0" encoding="utf-8"?>
+<ds:datastoreItem xmlns:ds="http://schemas.openxmlformats.org/officeDocument/2006/customXml" ds:itemID="{7B6F2769-7194-4217-93D3-3AF3A4742282}">
+  <ds:schemaRefs>
+    <ds:schemaRef ds:uri="http://purl.org/dc/terms/"/>
+    <ds:schemaRef ds:uri="http://schemas.microsoft.com/office/2006/documentManagement/types"/>
+    <ds:schemaRef ds:uri="http://schemas.microsoft.com/office/2006/metadata/properties"/>
+    <ds:schemaRef ds:uri="http://schemas.openxmlformats.org/package/2006/metadata/core-properties"/>
+    <ds:schemaRef ds:uri="http://purl.org/dc/elements/1.1/"/>
+    <ds:schemaRef ds:uri="http://purl.org/dc/dcmitype/"/>
+    <ds:schemaRef ds:uri="http://schemas.microsoft.com/office/infopath/2007/PartnerControls"/>
+    <ds:schemaRef ds:uri="http://schemas.microsoft.com/sharepoint/v3/fields"/>
+    <ds:schemaRef ds:uri="http://www.w3.org/XML/1998/namespace"/>
+  </ds:schemaRefs>
+</ds:datastoreItem>
 </file>